--- a/PLPTH813Bioinformatis/2025/2_lab/lab07_R.pptx
+++ b/PLPTH813Bioinformatis/2025/2_lab/lab07_R.pptx
@@ -250,7 +250,7 @@
           <a:p>
             <a:fld id="{5EE6BB87-626E-9C4B-A7F4-9EF6478BD5F6}" type="datetimeFigureOut">
               <a:rPr lang="en-US" smtClean="0"/>
-              <a:t>3/25/25</a:t>
+              <a:t>3/27/25</a:t>
             </a:fld>
             <a:endParaRPr lang="en-US"/>
           </a:p>
@@ -3734,7 +3734,7 @@
           <a:p>
             <a:fld id="{254119E5-AD51-7E46-9344-E8B3BB37F139}" type="datetime1">
               <a:rPr lang="en-US" smtClean="0"/>
-              <a:t>3/25/25</a:t>
+              <a:t>3/27/25</a:t>
             </a:fld>
             <a:endParaRPr lang="en-US"/>
           </a:p>
@@ -3902,7 +3902,7 @@
           <a:p>
             <a:fld id="{CD42E9F4-7DE3-B746-B1FE-192A544BEF48}" type="datetime1">
               <a:rPr lang="en-US" smtClean="0"/>
-              <a:t>3/25/25</a:t>
+              <a:t>3/27/25</a:t>
             </a:fld>
             <a:endParaRPr lang="en-US"/>
           </a:p>
@@ -4080,7 +4080,7 @@
           <a:p>
             <a:fld id="{845A3379-C538-544A-A9D1-640EB79FE5C7}" type="datetime1">
               <a:rPr lang="en-US" smtClean="0"/>
-              <a:t>3/25/25</a:t>
+              <a:t>3/27/25</a:t>
             </a:fld>
             <a:endParaRPr lang="en-US"/>
           </a:p>
@@ -4248,7 +4248,7 @@
           <a:p>
             <a:fld id="{5669ABA4-2197-7D41-AEF2-BD140F17A11F}" type="datetime1">
               <a:rPr lang="en-US" smtClean="0"/>
-              <a:t>3/25/25</a:t>
+              <a:t>3/27/25</a:t>
             </a:fld>
             <a:endParaRPr lang="en-US"/>
           </a:p>
@@ -4493,7 +4493,7 @@
           <a:p>
             <a:fld id="{5579C3C2-B0B3-964C-973A-E953F88F5679}" type="datetime1">
               <a:rPr lang="en-US" smtClean="0"/>
-              <a:t>3/25/25</a:t>
+              <a:t>3/27/25</a:t>
             </a:fld>
             <a:endParaRPr lang="en-US"/>
           </a:p>
@@ -4778,7 +4778,7 @@
           <a:p>
             <a:fld id="{6CC1E685-B844-B749-AC6C-8F4EE0F34DB8}" type="datetime1">
               <a:rPr lang="en-US" smtClean="0"/>
-              <a:t>3/25/25</a:t>
+              <a:t>3/27/25</a:t>
             </a:fld>
             <a:endParaRPr lang="en-US"/>
           </a:p>
@@ -5197,7 +5197,7 @@
           <a:p>
             <a:fld id="{7BA8CA4E-9F77-BA4C-B927-7C688D1260D8}" type="datetime1">
               <a:rPr lang="en-US" smtClean="0"/>
-              <a:t>3/25/25</a:t>
+              <a:t>3/27/25</a:t>
             </a:fld>
             <a:endParaRPr lang="en-US"/>
           </a:p>
@@ -5314,7 +5314,7 @@
           <a:p>
             <a:fld id="{A48E6C0C-4E93-104B-8392-781802BB7D1C}" type="datetime1">
               <a:rPr lang="en-US" smtClean="0"/>
-              <a:t>3/25/25</a:t>
+              <a:t>3/27/25</a:t>
             </a:fld>
             <a:endParaRPr lang="en-US"/>
           </a:p>
@@ -5409,7 +5409,7 @@
           <a:p>
             <a:fld id="{B63AE914-843C-0E41-9DA9-9B1ED48CF7DA}" type="datetime1">
               <a:rPr lang="en-US" smtClean="0"/>
-              <a:t>3/25/25</a:t>
+              <a:t>3/27/25</a:t>
             </a:fld>
             <a:endParaRPr lang="en-US"/>
           </a:p>
@@ -5684,7 +5684,7 @@
           <a:p>
             <a:fld id="{84DA3DA4-BEC6-0243-AA07-E0771E045B09}" type="datetime1">
               <a:rPr lang="en-US" smtClean="0"/>
-              <a:t>3/25/25</a:t>
+              <a:t>3/27/25</a:t>
             </a:fld>
             <a:endParaRPr lang="en-US"/>
           </a:p>
@@ -5936,7 +5936,7 @@
           <a:p>
             <a:fld id="{FDE217A0-9CD2-FD45-8591-8409027D94BD}" type="datetime1">
               <a:rPr lang="en-US" smtClean="0"/>
-              <a:t>3/25/25</a:t>
+              <a:t>3/27/25</a:t>
             </a:fld>
             <a:endParaRPr lang="en-US"/>
           </a:p>
@@ -6147,7 +6147,7 @@
           <a:p>
             <a:fld id="{A86DD059-C251-DB4C-8608-C5C083C94679}" type="datetime1">
               <a:rPr lang="en-US" smtClean="0"/>
-              <a:t>3/25/25</a:t>
+              <a:t>3/27/25</a:t>
             </a:fld>
             <a:endParaRPr lang="en-US"/>
           </a:p>
@@ -18764,7 +18764,7 @@
                 <a:latin typeface="Courier New" panose="02070309020205020404" pitchFamily="49" charset="0"/>
                 <a:cs typeface="Courier New" panose="02070309020205020404" pitchFamily="49" charset="0"/>
               </a:rPr>
-              <a:t>("~/BA23/labs/lab03R")</a:t>
+              <a:t>("~/BA25/labs/lab03R")</a:t>
             </a:r>
           </a:p>
         </p:txBody>

--- a/PLPTH813Bioinformatis/2025/2_lab/lab07_R.pptx
+++ b/PLPTH813Bioinformatis/2025/2_lab/lab07_R.pptx
@@ -18357,7 +18357,7 @@
                 <a:latin typeface="Courier New" panose="02070309020205020404" pitchFamily="49" charset="0"/>
                 <a:cs typeface="Courier New" panose="02070309020205020404" pitchFamily="49" charset="0"/>
               </a:rPr>
-              <a:t> ~/BA25/labs/lab03R</a:t>
+              <a:t> ~/BA25/labs/lab07</a:t>
             </a:r>
           </a:p>
           <a:p>
@@ -18764,8 +18764,19 @@
                 <a:latin typeface="Courier New" panose="02070309020205020404" pitchFamily="49" charset="0"/>
                 <a:cs typeface="Courier New" panose="02070309020205020404" pitchFamily="49" charset="0"/>
               </a:rPr>
-              <a:t>("~/BA25/labs/lab03R")</a:t>
-            </a:r>
+              <a:t>("~/BA25/labs</a:t>
+            </a:r>
+            <a:r>
+              <a:rPr lang="en-US">
+                <a:latin typeface="Courier New" panose="02070309020205020404" pitchFamily="49" charset="0"/>
+                <a:cs typeface="Courier New" panose="02070309020205020404" pitchFamily="49" charset="0"/>
+              </a:rPr>
+              <a:t>/lab07")</a:t>
+            </a:r>
+            <a:endParaRPr lang="en-US" dirty="0">
+              <a:latin typeface="Courier New" panose="02070309020205020404" pitchFamily="49" charset="0"/>
+              <a:cs typeface="Courier New" panose="02070309020205020404" pitchFamily="49" charset="0"/>
+            </a:endParaRPr>
           </a:p>
         </p:txBody>
       </p:sp>

--- a/PLPTH813Bioinformatis/2025/2_lab/lab07_R.pptx
+++ b/PLPTH813Bioinformatis/2025/2_lab/lab07_R.pptx
@@ -29,28 +29,28 @@
     <p:sldId id="298" r:id="rId20"/>
     <p:sldId id="329" r:id="rId21"/>
     <p:sldId id="286" r:id="rId22"/>
-    <p:sldId id="306" r:id="rId23"/>
-    <p:sldId id="324" r:id="rId24"/>
-    <p:sldId id="343" r:id="rId25"/>
-    <p:sldId id="325" r:id="rId26"/>
-    <p:sldId id="344" r:id="rId27"/>
-    <p:sldId id="327" r:id="rId28"/>
-    <p:sldId id="345" r:id="rId29"/>
-    <p:sldId id="346" r:id="rId30"/>
-    <p:sldId id="347" r:id="rId31"/>
-    <p:sldId id="351" r:id="rId32"/>
-    <p:sldId id="334" r:id="rId33"/>
-    <p:sldId id="335" r:id="rId34"/>
-    <p:sldId id="336" r:id="rId35"/>
-    <p:sldId id="323" r:id="rId36"/>
-    <p:sldId id="326" r:id="rId37"/>
-    <p:sldId id="299" r:id="rId38"/>
-    <p:sldId id="330" r:id="rId39"/>
-    <p:sldId id="265" r:id="rId40"/>
-    <p:sldId id="301" r:id="rId41"/>
-    <p:sldId id="348" r:id="rId42"/>
-    <p:sldId id="350" r:id="rId43"/>
-    <p:sldId id="349" r:id="rId44"/>
+    <p:sldId id="324" r:id="rId23"/>
+    <p:sldId id="343" r:id="rId24"/>
+    <p:sldId id="325" r:id="rId25"/>
+    <p:sldId id="344" r:id="rId26"/>
+    <p:sldId id="327" r:id="rId27"/>
+    <p:sldId id="345" r:id="rId28"/>
+    <p:sldId id="346" r:id="rId29"/>
+    <p:sldId id="347" r:id="rId30"/>
+    <p:sldId id="351" r:id="rId31"/>
+    <p:sldId id="334" r:id="rId32"/>
+    <p:sldId id="335" r:id="rId33"/>
+    <p:sldId id="336" r:id="rId34"/>
+    <p:sldId id="323" r:id="rId35"/>
+    <p:sldId id="326" r:id="rId36"/>
+    <p:sldId id="299" r:id="rId37"/>
+    <p:sldId id="330" r:id="rId38"/>
+    <p:sldId id="265" r:id="rId39"/>
+    <p:sldId id="301" r:id="rId40"/>
+    <p:sldId id="348" r:id="rId41"/>
+    <p:sldId id="350" r:id="rId42"/>
+    <p:sldId id="349" r:id="rId43"/>
+    <p:sldId id="306" r:id="rId44"/>
   </p:sldIdLst>
   <p:sldSz cx="9144000" cy="5143500" type="screen16x9"/>
   <p:notesSz cx="6858000" cy="9144000"/>
@@ -685,7 +685,7 @@
     </p:spTree>
     <p:extLst>
       <p:ext uri="{BB962C8B-B14F-4D97-AF65-F5344CB8AC3E}">
-        <p14:creationId xmlns:p14="http://schemas.microsoft.com/office/powerpoint/2010/main" val="4091798213"/>
+        <p14:creationId xmlns:p14="http://schemas.microsoft.com/office/powerpoint/2010/main" val="313373330"/>
       </p:ext>
     </p:extLst>
   </p:cSld>
@@ -744,7 +744,10 @@
           <a:bodyPr/>
           <a:lstStyle/>
           <a:p>
-            <a:endParaRPr lang="en-US"/>
+            <a:r>
+              <a:rPr lang="en-US" dirty="0"/>
+              <a:t>Decimal and Hexadecimal</a:t>
+            </a:r>
           </a:p>
         </p:txBody>
       </p:sp>
@@ -774,7 +777,7 @@
     </p:spTree>
     <p:extLst>
       <p:ext uri="{BB962C8B-B14F-4D97-AF65-F5344CB8AC3E}">
-        <p14:creationId xmlns:p14="http://schemas.microsoft.com/office/powerpoint/2010/main" val="313373330"/>
+        <p14:creationId xmlns:p14="http://schemas.microsoft.com/office/powerpoint/2010/main" val="3887744776"/>
       </p:ext>
     </p:extLst>
   </p:cSld>
@@ -833,10 +836,7 @@
           <a:bodyPr/>
           <a:lstStyle/>
           <a:p>
-            <a:r>
-              <a:rPr lang="en-US" dirty="0"/>
-              <a:t>Decimal and Hexadecimal</a:t>
-            </a:r>
+            <a:endParaRPr lang="en-US"/>
           </a:p>
         </p:txBody>
       </p:sp>
@@ -866,7 +866,7 @@
     </p:spTree>
     <p:extLst>
       <p:ext uri="{BB962C8B-B14F-4D97-AF65-F5344CB8AC3E}">
-        <p14:creationId xmlns:p14="http://schemas.microsoft.com/office/powerpoint/2010/main" val="3887744776"/>
+        <p14:creationId xmlns:p14="http://schemas.microsoft.com/office/powerpoint/2010/main" val="1717582399"/>
       </p:ext>
     </p:extLst>
   </p:cSld>
@@ -955,7 +955,7 @@
     </p:spTree>
     <p:extLst>
       <p:ext uri="{BB962C8B-B14F-4D97-AF65-F5344CB8AC3E}">
-        <p14:creationId xmlns:p14="http://schemas.microsoft.com/office/powerpoint/2010/main" val="1717582399"/>
+        <p14:creationId xmlns:p14="http://schemas.microsoft.com/office/powerpoint/2010/main" val="3024009539"/>
       </p:ext>
     </p:extLst>
   </p:cSld>
@@ -966,95 +966,6 @@
 </file>
 
 <file path=ppt/notesSlides/notesSlide14.xml><?xml version="1.0" encoding="utf-8"?>
-<p:notes xmlns:a="http://schemas.openxmlformats.org/drawingml/2006/main" xmlns:r="http://schemas.openxmlformats.org/officeDocument/2006/relationships" xmlns:p="http://schemas.openxmlformats.org/presentationml/2006/main">
-  <p:cSld>
-    <p:spTree>
-      <p:nvGrpSpPr>
-        <p:cNvPr id="1" name=""/>
-        <p:cNvGrpSpPr/>
-        <p:nvPr/>
-      </p:nvGrpSpPr>
-      <p:grpSpPr>
-        <a:xfrm>
-          <a:off x="0" y="0"/>
-          <a:ext cx="0" cy="0"/>
-          <a:chOff x="0" y="0"/>
-          <a:chExt cx="0" cy="0"/>
-        </a:xfrm>
-      </p:grpSpPr>
-      <p:sp>
-        <p:nvSpPr>
-          <p:cNvPr id="2" name="Slide Image Placeholder 1"/>
-          <p:cNvSpPr>
-            <a:spLocks noGrp="1" noRot="1" noChangeAspect="1"/>
-          </p:cNvSpPr>
-          <p:nvPr>
-            <p:ph type="sldImg"/>
-          </p:nvPr>
-        </p:nvSpPr>
-        <p:spPr>
-          <a:xfrm>
-            <a:off x="381000" y="685800"/>
-            <a:ext cx="6096000" cy="3429000"/>
-          </a:xfrm>
-        </p:spPr>
-      </p:sp>
-      <p:sp>
-        <p:nvSpPr>
-          <p:cNvPr id="3" name="Notes Placeholder 2"/>
-          <p:cNvSpPr>
-            <a:spLocks noGrp="1"/>
-          </p:cNvSpPr>
-          <p:nvPr>
-            <p:ph type="body" idx="1"/>
-          </p:nvPr>
-        </p:nvSpPr>
-        <p:spPr/>
-        <p:txBody>
-          <a:bodyPr/>
-          <a:lstStyle/>
-          <a:p>
-            <a:endParaRPr lang="en-US"/>
-          </a:p>
-        </p:txBody>
-      </p:sp>
-      <p:sp>
-        <p:nvSpPr>
-          <p:cNvPr id="4" name="Slide Number Placeholder 3"/>
-          <p:cNvSpPr>
-            <a:spLocks noGrp="1"/>
-          </p:cNvSpPr>
-          <p:nvPr>
-            <p:ph type="sldNum" sz="quarter" idx="5"/>
-          </p:nvPr>
-        </p:nvSpPr>
-        <p:spPr/>
-        <p:txBody>
-          <a:bodyPr/>
-          <a:lstStyle/>
-          <a:p>
-            <a:fld id="{E546D73F-96E8-4140-88A9-011E5B136DCE}" type="slidenum">
-              <a:rPr lang="en-US" smtClean="0"/>
-              <a:t>30</a:t>
-            </a:fld>
-            <a:endParaRPr lang="en-US"/>
-          </a:p>
-        </p:txBody>
-      </p:sp>
-    </p:spTree>
-    <p:extLst>
-      <p:ext uri="{BB962C8B-B14F-4D97-AF65-F5344CB8AC3E}">
-        <p14:creationId xmlns:p14="http://schemas.microsoft.com/office/powerpoint/2010/main" val="3024009539"/>
-      </p:ext>
-    </p:extLst>
-  </p:cSld>
-  <p:clrMapOvr>
-    <a:masterClrMapping/>
-  </p:clrMapOvr>
-</p:notes>
-</file>
-
-<file path=ppt/notesSlides/notesSlide15.xml><?xml version="1.0" encoding="utf-8"?>
 <p:notes xmlns:a="http://schemas.openxmlformats.org/drawingml/2006/main" xmlns:r="http://schemas.openxmlformats.org/officeDocument/2006/relationships" xmlns:p="http://schemas.openxmlformats.org/presentationml/2006/main">
   <p:cSld>
     <p:spTree>
@@ -1148,7 +1059,7 @@
           <a:p>
             <a:fld id="{E546D73F-96E8-4140-88A9-011E5B136DCE}" type="slidenum">
               <a:rPr lang="en-US" smtClean="0"/>
-              <a:t>31</a:t>
+              <a:t>30</a:t>
             </a:fld>
             <a:endParaRPr lang="en-US"/>
           </a:p>
@@ -1158,6 +1069,95 @@
     <p:extLst>
       <p:ext uri="{BB962C8B-B14F-4D97-AF65-F5344CB8AC3E}">
         <p14:creationId xmlns:p14="http://schemas.microsoft.com/office/powerpoint/2010/main" val="1680234463"/>
+      </p:ext>
+    </p:extLst>
+  </p:cSld>
+  <p:clrMapOvr>
+    <a:masterClrMapping/>
+  </p:clrMapOvr>
+</p:notes>
+</file>
+
+<file path=ppt/notesSlides/notesSlide15.xml><?xml version="1.0" encoding="utf-8"?>
+<p:notes xmlns:a="http://schemas.openxmlformats.org/drawingml/2006/main" xmlns:r="http://schemas.openxmlformats.org/officeDocument/2006/relationships" xmlns:p="http://schemas.openxmlformats.org/presentationml/2006/main">
+  <p:cSld>
+    <p:spTree>
+      <p:nvGrpSpPr>
+        <p:cNvPr id="1" name=""/>
+        <p:cNvGrpSpPr/>
+        <p:nvPr/>
+      </p:nvGrpSpPr>
+      <p:grpSpPr>
+        <a:xfrm>
+          <a:off x="0" y="0"/>
+          <a:ext cx="0" cy="0"/>
+          <a:chOff x="0" y="0"/>
+          <a:chExt cx="0" cy="0"/>
+        </a:xfrm>
+      </p:grpSpPr>
+      <p:sp>
+        <p:nvSpPr>
+          <p:cNvPr id="2" name="Slide Image Placeholder 1"/>
+          <p:cNvSpPr>
+            <a:spLocks noGrp="1" noRot="1" noChangeAspect="1"/>
+          </p:cNvSpPr>
+          <p:nvPr>
+            <p:ph type="sldImg"/>
+          </p:nvPr>
+        </p:nvSpPr>
+        <p:spPr>
+          <a:xfrm>
+            <a:off x="381000" y="685800"/>
+            <a:ext cx="6096000" cy="3429000"/>
+          </a:xfrm>
+        </p:spPr>
+      </p:sp>
+      <p:sp>
+        <p:nvSpPr>
+          <p:cNvPr id="3" name="Notes Placeholder 2"/>
+          <p:cNvSpPr>
+            <a:spLocks noGrp="1"/>
+          </p:cNvSpPr>
+          <p:nvPr>
+            <p:ph type="body" idx="1"/>
+          </p:nvPr>
+        </p:nvSpPr>
+        <p:spPr/>
+        <p:txBody>
+          <a:bodyPr/>
+          <a:lstStyle/>
+          <a:p>
+            <a:endParaRPr lang="en-US"/>
+          </a:p>
+        </p:txBody>
+      </p:sp>
+      <p:sp>
+        <p:nvSpPr>
+          <p:cNvPr id="4" name="Slide Number Placeholder 3"/>
+          <p:cNvSpPr>
+            <a:spLocks noGrp="1"/>
+          </p:cNvSpPr>
+          <p:nvPr>
+            <p:ph type="sldNum" sz="quarter" idx="5"/>
+          </p:nvPr>
+        </p:nvSpPr>
+        <p:spPr/>
+        <p:txBody>
+          <a:bodyPr/>
+          <a:lstStyle/>
+          <a:p>
+            <a:fld id="{E546D73F-96E8-4140-88A9-011E5B136DCE}" type="slidenum">
+              <a:rPr lang="en-US" smtClean="0"/>
+              <a:t>31</a:t>
+            </a:fld>
+            <a:endParaRPr lang="en-US"/>
+          </a:p>
+        </p:txBody>
+      </p:sp>
+    </p:spTree>
+    <p:extLst>
+      <p:ext uri="{BB962C8B-B14F-4D97-AF65-F5344CB8AC3E}">
+        <p14:creationId xmlns:p14="http://schemas.microsoft.com/office/powerpoint/2010/main" val="2222840994"/>
       </p:ext>
     </p:extLst>
   </p:cSld>
@@ -1246,7 +1246,7 @@
     </p:spTree>
     <p:extLst>
       <p:ext uri="{BB962C8B-B14F-4D97-AF65-F5344CB8AC3E}">
-        <p14:creationId xmlns:p14="http://schemas.microsoft.com/office/powerpoint/2010/main" val="2222840994"/>
+        <p14:creationId xmlns:p14="http://schemas.microsoft.com/office/powerpoint/2010/main" val="3281053820"/>
       </p:ext>
     </p:extLst>
   </p:cSld>
@@ -1335,7 +1335,7 @@
     </p:spTree>
     <p:extLst>
       <p:ext uri="{BB962C8B-B14F-4D97-AF65-F5344CB8AC3E}">
-        <p14:creationId xmlns:p14="http://schemas.microsoft.com/office/powerpoint/2010/main" val="3281053820"/>
+        <p14:creationId xmlns:p14="http://schemas.microsoft.com/office/powerpoint/2010/main" val="736524437"/>
       </p:ext>
     </p:extLst>
   </p:cSld>
@@ -1394,7 +1394,7 @@
           <a:bodyPr/>
           <a:lstStyle/>
           <a:p>
-            <a:endParaRPr lang="en-US"/>
+            <a:endParaRPr lang="en-US" dirty="0"/>
           </a:p>
         </p:txBody>
       </p:sp>
@@ -1405,7 +1405,7 @@
             <a:spLocks noGrp="1"/>
           </p:cNvSpPr>
           <p:nvPr>
-            <p:ph type="sldNum" sz="quarter" idx="5"/>
+            <p:ph type="sldNum" sz="quarter" idx="10"/>
           </p:nvPr>
         </p:nvSpPr>
         <p:spPr/>
@@ -1424,7 +1424,7 @@
     </p:spTree>
     <p:extLst>
       <p:ext uri="{BB962C8B-B14F-4D97-AF65-F5344CB8AC3E}">
-        <p14:creationId xmlns:p14="http://schemas.microsoft.com/office/powerpoint/2010/main" val="736524437"/>
+        <p14:creationId xmlns:p14="http://schemas.microsoft.com/office/powerpoint/2010/main" val="878524377"/>
       </p:ext>
     </p:extLst>
   </p:cSld>
@@ -1439,7 +1439,13 @@
   <p:cSld>
     <p:spTree>
       <p:nvGrpSpPr>
-        <p:cNvPr id="1" name=""/>
+        <p:cNvPr id="1" name="">
+          <a:extLst>
+            <a:ext uri="{FF2B5EF4-FFF2-40B4-BE49-F238E27FC236}">
+              <a16:creationId xmlns:a16="http://schemas.microsoft.com/office/drawing/2014/main" id="{17321FD2-29DC-C056-2E7A-6CF421EC96A0}"/>
+            </a:ext>
+          </a:extLst>
+        </p:cNvPr>
         <p:cNvGrpSpPr/>
         <p:nvPr/>
       </p:nvGrpSpPr>
@@ -1453,7 +1459,13 @@
       </p:grpSpPr>
       <p:sp>
         <p:nvSpPr>
-          <p:cNvPr id="2" name="Slide Image Placeholder 1"/>
+          <p:cNvPr id="2" name="Slide Image Placeholder 1">
+            <a:extLst>
+              <a:ext uri="{FF2B5EF4-FFF2-40B4-BE49-F238E27FC236}">
+                <a16:creationId xmlns:a16="http://schemas.microsoft.com/office/drawing/2014/main" id="{3CA0D755-68EF-56CF-190C-191024D86AD0}"/>
+              </a:ext>
+            </a:extLst>
+          </p:cNvPr>
           <p:cNvSpPr>
             <a:spLocks noGrp="1" noRot="1" noChangeAspect="1"/>
           </p:cNvSpPr>
@@ -1470,7 +1482,13 @@
       </p:sp>
       <p:sp>
         <p:nvSpPr>
-          <p:cNvPr id="3" name="Notes Placeholder 2"/>
+          <p:cNvPr id="3" name="Notes Placeholder 2">
+            <a:extLst>
+              <a:ext uri="{FF2B5EF4-FFF2-40B4-BE49-F238E27FC236}">
+                <a16:creationId xmlns:a16="http://schemas.microsoft.com/office/drawing/2014/main" id="{2DD3186B-4ADD-1E74-3ED7-7C80B630DCE4}"/>
+              </a:ext>
+            </a:extLst>
+          </p:cNvPr>
           <p:cNvSpPr>
             <a:spLocks noGrp="1"/>
           </p:cNvSpPr>
@@ -1483,18 +1501,24 @@
           <a:bodyPr/>
           <a:lstStyle/>
           <a:p>
-            <a:endParaRPr lang="en-US" dirty="0"/>
-          </a:p>
-        </p:txBody>
-      </p:sp>
-      <p:sp>
-        <p:nvSpPr>
-          <p:cNvPr id="4" name="Slide Number Placeholder 3"/>
-          <p:cNvSpPr>
-            <a:spLocks noGrp="1"/>
-          </p:cNvSpPr>
-          <p:nvPr>
-            <p:ph type="sldNum" sz="quarter" idx="10"/>
+            <a:endParaRPr lang="en-US"/>
+          </a:p>
+        </p:txBody>
+      </p:sp>
+      <p:sp>
+        <p:nvSpPr>
+          <p:cNvPr id="4" name="Slide Number Placeholder 3">
+            <a:extLst>
+              <a:ext uri="{FF2B5EF4-FFF2-40B4-BE49-F238E27FC236}">
+                <a16:creationId xmlns:a16="http://schemas.microsoft.com/office/drawing/2014/main" id="{A52C28B3-AFB0-BFD1-88BD-B67B215DE8FD}"/>
+              </a:ext>
+            </a:extLst>
+          </p:cNvPr>
+          <p:cNvSpPr>
+            <a:spLocks noGrp="1"/>
+          </p:cNvSpPr>
+          <p:nvPr>
+            <p:ph type="sldNum" sz="quarter" idx="5"/>
           </p:nvPr>
         </p:nvSpPr>
         <p:spPr/>
@@ -1504,7 +1528,7 @@
           <a:p>
             <a:fld id="{E546D73F-96E8-4140-88A9-011E5B136DCE}" type="slidenum">
               <a:rPr lang="en-US" smtClean="0"/>
-              <a:t>35</a:t>
+              <a:t>38</a:t>
             </a:fld>
             <a:endParaRPr lang="en-US"/>
           </a:p>
@@ -1513,7 +1537,7 @@
     </p:spTree>
     <p:extLst>
       <p:ext uri="{BB962C8B-B14F-4D97-AF65-F5344CB8AC3E}">
-        <p14:creationId xmlns:p14="http://schemas.microsoft.com/office/powerpoint/2010/main" val="878524377"/>
+        <p14:creationId xmlns:p14="http://schemas.microsoft.com/office/powerpoint/2010/main" val="2476208021"/>
       </p:ext>
     </p:extLst>
   </p:cSld>
@@ -1620,119 +1644,6 @@
         <p:cNvPr id="1" name="">
           <a:extLst>
             <a:ext uri="{FF2B5EF4-FFF2-40B4-BE49-F238E27FC236}">
-              <a16:creationId xmlns:a16="http://schemas.microsoft.com/office/drawing/2014/main" id="{17321FD2-29DC-C056-2E7A-6CF421EC96A0}"/>
-            </a:ext>
-          </a:extLst>
-        </p:cNvPr>
-        <p:cNvGrpSpPr/>
-        <p:nvPr/>
-      </p:nvGrpSpPr>
-      <p:grpSpPr>
-        <a:xfrm>
-          <a:off x="0" y="0"/>
-          <a:ext cx="0" cy="0"/>
-          <a:chOff x="0" y="0"/>
-          <a:chExt cx="0" cy="0"/>
-        </a:xfrm>
-      </p:grpSpPr>
-      <p:sp>
-        <p:nvSpPr>
-          <p:cNvPr id="2" name="Slide Image Placeholder 1">
-            <a:extLst>
-              <a:ext uri="{FF2B5EF4-FFF2-40B4-BE49-F238E27FC236}">
-                <a16:creationId xmlns:a16="http://schemas.microsoft.com/office/drawing/2014/main" id="{3CA0D755-68EF-56CF-190C-191024D86AD0}"/>
-              </a:ext>
-            </a:extLst>
-          </p:cNvPr>
-          <p:cNvSpPr>
-            <a:spLocks noGrp="1" noRot="1" noChangeAspect="1"/>
-          </p:cNvSpPr>
-          <p:nvPr>
-            <p:ph type="sldImg"/>
-          </p:nvPr>
-        </p:nvSpPr>
-        <p:spPr>
-          <a:xfrm>
-            <a:off x="381000" y="685800"/>
-            <a:ext cx="6096000" cy="3429000"/>
-          </a:xfrm>
-        </p:spPr>
-      </p:sp>
-      <p:sp>
-        <p:nvSpPr>
-          <p:cNvPr id="3" name="Notes Placeholder 2">
-            <a:extLst>
-              <a:ext uri="{FF2B5EF4-FFF2-40B4-BE49-F238E27FC236}">
-                <a16:creationId xmlns:a16="http://schemas.microsoft.com/office/drawing/2014/main" id="{2DD3186B-4ADD-1E74-3ED7-7C80B630DCE4}"/>
-              </a:ext>
-            </a:extLst>
-          </p:cNvPr>
-          <p:cNvSpPr>
-            <a:spLocks noGrp="1"/>
-          </p:cNvSpPr>
-          <p:nvPr>
-            <p:ph type="body" idx="1"/>
-          </p:nvPr>
-        </p:nvSpPr>
-        <p:spPr/>
-        <p:txBody>
-          <a:bodyPr/>
-          <a:lstStyle/>
-          <a:p>
-            <a:endParaRPr lang="en-US"/>
-          </a:p>
-        </p:txBody>
-      </p:sp>
-      <p:sp>
-        <p:nvSpPr>
-          <p:cNvPr id="4" name="Slide Number Placeholder 3">
-            <a:extLst>
-              <a:ext uri="{FF2B5EF4-FFF2-40B4-BE49-F238E27FC236}">
-                <a16:creationId xmlns:a16="http://schemas.microsoft.com/office/drawing/2014/main" id="{A52C28B3-AFB0-BFD1-88BD-B67B215DE8FD}"/>
-              </a:ext>
-            </a:extLst>
-          </p:cNvPr>
-          <p:cNvSpPr>
-            <a:spLocks noGrp="1"/>
-          </p:cNvSpPr>
-          <p:nvPr>
-            <p:ph type="sldNum" sz="quarter" idx="5"/>
-          </p:nvPr>
-        </p:nvSpPr>
-        <p:spPr/>
-        <p:txBody>
-          <a:bodyPr/>
-          <a:lstStyle/>
-          <a:p>
-            <a:fld id="{E546D73F-96E8-4140-88A9-011E5B136DCE}" type="slidenum">
-              <a:rPr lang="en-US" smtClean="0"/>
-              <a:t>39</a:t>
-            </a:fld>
-            <a:endParaRPr lang="en-US"/>
-          </a:p>
-        </p:txBody>
-      </p:sp>
-    </p:spTree>
-    <p:extLst>
-      <p:ext uri="{BB962C8B-B14F-4D97-AF65-F5344CB8AC3E}">
-        <p14:creationId xmlns:p14="http://schemas.microsoft.com/office/powerpoint/2010/main" val="2476208021"/>
-      </p:ext>
-    </p:extLst>
-  </p:cSld>
-  <p:clrMapOvr>
-    <a:masterClrMapping/>
-  </p:clrMapOvr>
-</p:notes>
-</file>
-
-<file path=ppt/notesSlides/notesSlide21.xml><?xml version="1.0" encoding="utf-8"?>
-<p:notes xmlns:a="http://schemas.openxmlformats.org/drawingml/2006/main" xmlns:r="http://schemas.openxmlformats.org/officeDocument/2006/relationships" xmlns:p="http://schemas.openxmlformats.org/presentationml/2006/main">
-  <p:cSld>
-    <p:spTree>
-      <p:nvGrpSpPr>
-        <p:cNvPr id="1" name="">
-          <a:extLst>
-            <a:ext uri="{FF2B5EF4-FFF2-40B4-BE49-F238E27FC236}">
               <a16:creationId xmlns:a16="http://schemas.microsoft.com/office/drawing/2014/main" id="{C9CC83CB-8DC0-4A2D-D925-2122C1CD4FAA}"/>
             </a:ext>
           </a:extLst>
@@ -1819,7 +1730,7 @@
           <a:p>
             <a:fld id="{E546D73F-96E8-4140-88A9-011E5B136DCE}" type="slidenum">
               <a:rPr lang="en-US" smtClean="0"/>
-              <a:t>40</a:t>
+              <a:t>39</a:t>
             </a:fld>
             <a:endParaRPr lang="en-US"/>
           </a:p>
@@ -1838,7 +1749,7 @@
 </p:notes>
 </file>
 
-<file path=ppt/notesSlides/notesSlide22.xml><?xml version="1.0" encoding="utf-8"?>
+<file path=ppt/notesSlides/notesSlide21.xml><?xml version="1.0" encoding="utf-8"?>
 <p:notes xmlns:a="http://schemas.openxmlformats.org/drawingml/2006/main" xmlns:r="http://schemas.openxmlformats.org/officeDocument/2006/relationships" xmlns:p="http://schemas.openxmlformats.org/presentationml/2006/main">
   <p:cSld>
     <p:spTree>
@@ -1932,7 +1843,7 @@
           <a:p>
             <a:fld id="{E546D73F-96E8-4140-88A9-011E5B136DCE}" type="slidenum">
               <a:rPr lang="en-US" smtClean="0"/>
-              <a:t>41</a:t>
+              <a:t>40</a:t>
             </a:fld>
             <a:endParaRPr lang="en-US"/>
           </a:p>
@@ -1951,7 +1862,7 @@
 </p:notes>
 </file>
 
-<file path=ppt/notesSlides/notesSlide23.xml><?xml version="1.0" encoding="utf-8"?>
+<file path=ppt/notesSlides/notesSlide22.xml><?xml version="1.0" encoding="utf-8"?>
 <p:notes xmlns:a="http://schemas.openxmlformats.org/drawingml/2006/main" xmlns:r="http://schemas.openxmlformats.org/officeDocument/2006/relationships" xmlns:p="http://schemas.openxmlformats.org/presentationml/2006/main">
   <p:cSld>
     <p:spTree>
@@ -2045,7 +1956,7 @@
           <a:p>
             <a:fld id="{E546D73F-96E8-4140-88A9-011E5B136DCE}" type="slidenum">
               <a:rPr lang="en-US" smtClean="0"/>
-              <a:t>42</a:t>
+              <a:t>41</a:t>
             </a:fld>
             <a:endParaRPr lang="en-US"/>
           </a:p>
@@ -2064,7 +1975,7 @@
 </p:notes>
 </file>
 
-<file path=ppt/notesSlides/notesSlide24.xml><?xml version="1.0" encoding="utf-8"?>
+<file path=ppt/notesSlides/notesSlide23.xml><?xml version="1.0" encoding="utf-8"?>
 <p:notes xmlns:a="http://schemas.openxmlformats.org/drawingml/2006/main" xmlns:r="http://schemas.openxmlformats.org/officeDocument/2006/relationships" xmlns:p="http://schemas.openxmlformats.org/presentationml/2006/main">
   <p:cSld>
     <p:spTree>
@@ -2918,7 +2829,7 @@
           <a:p>
             <a:fld id="{E546D73F-96E8-4140-88A9-011E5B136DCE}" type="slidenum">
               <a:rPr lang="en-US" smtClean="0"/>
-              <a:t>43</a:t>
+              <a:t>42</a:t>
             </a:fld>
             <a:endParaRPr lang="en-US"/>
           </a:p>
@@ -2928,6 +2839,119 @@
     <p:extLst>
       <p:ext uri="{BB962C8B-B14F-4D97-AF65-F5344CB8AC3E}">
         <p14:creationId xmlns:p14="http://schemas.microsoft.com/office/powerpoint/2010/main" val="3473900645"/>
+      </p:ext>
+    </p:extLst>
+  </p:cSld>
+  <p:clrMapOvr>
+    <a:masterClrMapping/>
+  </p:clrMapOvr>
+</p:notes>
+</file>
+
+<file path=ppt/notesSlides/notesSlide24.xml><?xml version="1.0" encoding="utf-8"?>
+<p:notes xmlns:a="http://schemas.openxmlformats.org/drawingml/2006/main" xmlns:r="http://schemas.openxmlformats.org/officeDocument/2006/relationships" xmlns:p="http://schemas.openxmlformats.org/presentationml/2006/main">
+  <p:cSld>
+    <p:spTree>
+      <p:nvGrpSpPr>
+        <p:cNvPr id="1" name="">
+          <a:extLst>
+            <a:ext uri="{FF2B5EF4-FFF2-40B4-BE49-F238E27FC236}">
+              <a16:creationId xmlns:a16="http://schemas.microsoft.com/office/drawing/2014/main" id="{65098C9D-431B-1FBE-B9F0-8B23F67A30B8}"/>
+            </a:ext>
+          </a:extLst>
+        </p:cNvPr>
+        <p:cNvGrpSpPr/>
+        <p:nvPr/>
+      </p:nvGrpSpPr>
+      <p:grpSpPr>
+        <a:xfrm>
+          <a:off x="0" y="0"/>
+          <a:ext cx="0" cy="0"/>
+          <a:chOff x="0" y="0"/>
+          <a:chExt cx="0" cy="0"/>
+        </a:xfrm>
+      </p:grpSpPr>
+      <p:sp>
+        <p:nvSpPr>
+          <p:cNvPr id="2" name="Slide Image Placeholder 1">
+            <a:extLst>
+              <a:ext uri="{FF2B5EF4-FFF2-40B4-BE49-F238E27FC236}">
+                <a16:creationId xmlns:a16="http://schemas.microsoft.com/office/drawing/2014/main" id="{06505672-1A55-971F-ABE7-364CBA7ED737}"/>
+              </a:ext>
+            </a:extLst>
+          </p:cNvPr>
+          <p:cNvSpPr>
+            <a:spLocks noGrp="1" noRot="1" noChangeAspect="1"/>
+          </p:cNvSpPr>
+          <p:nvPr>
+            <p:ph type="sldImg"/>
+          </p:nvPr>
+        </p:nvSpPr>
+        <p:spPr>
+          <a:xfrm>
+            <a:off x="381000" y="685800"/>
+            <a:ext cx="6096000" cy="3429000"/>
+          </a:xfrm>
+        </p:spPr>
+      </p:sp>
+      <p:sp>
+        <p:nvSpPr>
+          <p:cNvPr id="3" name="Notes Placeholder 2">
+            <a:extLst>
+              <a:ext uri="{FF2B5EF4-FFF2-40B4-BE49-F238E27FC236}">
+                <a16:creationId xmlns:a16="http://schemas.microsoft.com/office/drawing/2014/main" id="{06576937-BF5F-27BB-2D83-88791F8F653B}"/>
+              </a:ext>
+            </a:extLst>
+          </p:cNvPr>
+          <p:cNvSpPr>
+            <a:spLocks noGrp="1"/>
+          </p:cNvSpPr>
+          <p:nvPr>
+            <p:ph type="body" idx="1"/>
+          </p:nvPr>
+        </p:nvSpPr>
+        <p:spPr/>
+        <p:txBody>
+          <a:bodyPr/>
+          <a:lstStyle/>
+          <a:p>
+            <a:endParaRPr lang="en-US"/>
+          </a:p>
+        </p:txBody>
+      </p:sp>
+      <p:sp>
+        <p:nvSpPr>
+          <p:cNvPr id="4" name="Slide Number Placeholder 3">
+            <a:extLst>
+              <a:ext uri="{FF2B5EF4-FFF2-40B4-BE49-F238E27FC236}">
+                <a16:creationId xmlns:a16="http://schemas.microsoft.com/office/drawing/2014/main" id="{FB2E76F5-8898-C19F-11FF-87D3A5DCE62D}"/>
+              </a:ext>
+            </a:extLst>
+          </p:cNvPr>
+          <p:cNvSpPr>
+            <a:spLocks noGrp="1"/>
+          </p:cNvSpPr>
+          <p:nvPr>
+            <p:ph type="sldNum" sz="quarter" idx="5"/>
+          </p:nvPr>
+        </p:nvSpPr>
+        <p:spPr/>
+        <p:txBody>
+          <a:bodyPr/>
+          <a:lstStyle/>
+          <a:p>
+            <a:fld id="{E546D73F-96E8-4140-88A9-011E5B136DCE}" type="slidenum">
+              <a:rPr lang="en-US" smtClean="0"/>
+              <a:t>43</a:t>
+            </a:fld>
+            <a:endParaRPr lang="en-US"/>
+          </a:p>
+        </p:txBody>
+      </p:sp>
+    </p:spTree>
+    <p:extLst>
+      <p:ext uri="{BB962C8B-B14F-4D97-AF65-F5344CB8AC3E}">
+        <p14:creationId xmlns:p14="http://schemas.microsoft.com/office/powerpoint/2010/main" val="3165925843"/>
       </p:ext>
     </p:extLst>
   </p:cSld>
@@ -3278,7 +3302,7 @@
     </p:spTree>
     <p:extLst>
       <p:ext uri="{BB962C8B-B14F-4D97-AF65-F5344CB8AC3E}">
-        <p14:creationId xmlns:p14="http://schemas.microsoft.com/office/powerpoint/2010/main" val="3325674605"/>
+        <p14:creationId xmlns:p14="http://schemas.microsoft.com/office/powerpoint/2010/main" val="4171745730"/>
       </p:ext>
     </p:extLst>
   </p:cSld>
@@ -3367,7 +3391,7 @@
     </p:spTree>
     <p:extLst>
       <p:ext uri="{BB962C8B-B14F-4D97-AF65-F5344CB8AC3E}">
-        <p14:creationId xmlns:p14="http://schemas.microsoft.com/office/powerpoint/2010/main" val="4171745730"/>
+        <p14:creationId xmlns:p14="http://schemas.microsoft.com/office/powerpoint/2010/main" val="3718108367"/>
       </p:ext>
     </p:extLst>
   </p:cSld>
@@ -3456,7 +3480,7 @@
     </p:spTree>
     <p:extLst>
       <p:ext uri="{BB962C8B-B14F-4D97-AF65-F5344CB8AC3E}">
-        <p14:creationId xmlns:p14="http://schemas.microsoft.com/office/powerpoint/2010/main" val="3718108367"/>
+        <p14:creationId xmlns:p14="http://schemas.microsoft.com/office/powerpoint/2010/main" val="1806257944"/>
       </p:ext>
     </p:extLst>
   </p:cSld>
@@ -3545,7 +3569,7 @@
     </p:spTree>
     <p:extLst>
       <p:ext uri="{BB962C8B-B14F-4D97-AF65-F5344CB8AC3E}">
-        <p14:creationId xmlns:p14="http://schemas.microsoft.com/office/powerpoint/2010/main" val="1806257944"/>
+        <p14:creationId xmlns:p14="http://schemas.microsoft.com/office/powerpoint/2010/main" val="4091798213"/>
       </p:ext>
     </p:extLst>
   </p:cSld>
@@ -10662,17 +10686,6 @@
             </a:pPr>
             <a:r>
               <a:rPr lang="en-US" sz="2800" dirty="0"/>
-              <a:t>Package installation</a:t>
-            </a:r>
-          </a:p>
-          <a:p>
-            <a:pPr>
-              <a:lnSpc>
-                <a:spcPct val="150000"/>
-              </a:lnSpc>
-            </a:pPr>
-            <a:r>
-              <a:rPr lang="en-US" sz="2800" dirty="0"/>
               <a:t>Plotting</a:t>
             </a:r>
           </a:p>
@@ -11555,7 +11568,7 @@
           <a:p>
             <a:r>
               <a:rPr lang="en-US" dirty="0"/>
-              <a:t>table</a:t>
+              <a:t>Write your own function</a:t>
             </a:r>
           </a:p>
         </p:txBody>
@@ -11572,44 +11585,195 @@
         </p:nvSpPr>
         <p:spPr>
           <a:xfrm>
-            <a:off x="457200" y="972303"/>
-            <a:ext cx="8229600" cy="486625"/>
+            <a:off x="926155" y="881569"/>
+            <a:ext cx="6587702" cy="4203123"/>
           </a:xfrm>
         </p:spPr>
         <p:txBody>
           <a:bodyPr>
-            <a:normAutofit/>
+            <a:noAutofit/>
           </a:bodyPr>
           <a:lstStyle/>
           <a:p>
-            <a:pPr marL="0" indent="0">
-              <a:buNone/>
-            </a:pPr>
             <a:r>
               <a:rPr lang="en-US" b="1" dirty="0">
                 <a:solidFill>
                   <a:srgbClr val="17375E"/>
                 </a:solidFill>
               </a:rPr>
-              <a:t># table(): </a:t>
-            </a:r>
+              <a:t>Define a function</a:t>
+            </a:r>
+          </a:p>
+          <a:p>
+            <a:pPr marL="0" indent="0">
+              <a:buNone/>
+            </a:pPr>
             <a:r>
               <a:rPr lang="en-US" dirty="0"/>
-              <a:t>determining counts for each category</a:t>
-            </a:r>
-          </a:p>
-        </p:txBody>
-      </p:sp>
-      <p:sp>
-        <p:nvSpPr>
-          <p:cNvPr id="6" name="TextBox 5"/>
+              <a:t>name &lt;- function(arg_1, arg_2, ...) expression</a:t>
+            </a:r>
+          </a:p>
+          <a:p>
+            <a:pPr marL="0" indent="0">
+              <a:buNone/>
+            </a:pPr>
+            <a:endParaRPr lang="en-US" sz="1600" dirty="0">
+              <a:latin typeface="Courier"/>
+              <a:cs typeface="Courier"/>
+            </a:endParaRPr>
+          </a:p>
+          <a:p>
+            <a:pPr marL="0" indent="0">
+              <a:buNone/>
+            </a:pPr>
+            <a:r>
+              <a:rPr lang="en-US" sz="1600" dirty="0">
+                <a:latin typeface="Courier"/>
+                <a:cs typeface="Courier"/>
+              </a:rPr>
+              <a:t># example 1</a:t>
+            </a:r>
+          </a:p>
+          <a:p>
+            <a:pPr marL="0" indent="0">
+              <a:buNone/>
+            </a:pPr>
+            <a:r>
+              <a:rPr lang="en-US" sz="1600" dirty="0" err="1">
+                <a:latin typeface="Courier"/>
+                <a:cs typeface="Courier"/>
+              </a:rPr>
+              <a:t>threetimes</a:t>
+            </a:r>
+            <a:r>
+              <a:rPr lang="en-US" sz="1600" dirty="0">
+                <a:latin typeface="Courier"/>
+                <a:cs typeface="Courier"/>
+              </a:rPr>
+              <a:t> &lt;- function(x) {</a:t>
+            </a:r>
+          </a:p>
+          <a:p>
+            <a:pPr marL="0" indent="0">
+              <a:buNone/>
+            </a:pPr>
+            <a:r>
+              <a:rPr lang="en-US" sz="1600" dirty="0">
+                <a:latin typeface="Courier"/>
+                <a:cs typeface="Courier"/>
+              </a:rPr>
+              <a:t>  y &lt;- 3*x</a:t>
+            </a:r>
+          </a:p>
+          <a:p>
+            <a:pPr marL="0" indent="0">
+              <a:buNone/>
+            </a:pPr>
+            <a:r>
+              <a:rPr lang="en-US" sz="1600" dirty="0">
+                <a:latin typeface="Courier"/>
+                <a:cs typeface="Courier"/>
+              </a:rPr>
+              <a:t>  y</a:t>
+            </a:r>
+          </a:p>
+          <a:p>
+            <a:pPr marL="0" indent="0">
+              <a:buNone/>
+            </a:pPr>
+            <a:r>
+              <a:rPr lang="en-US" sz="1600" dirty="0">
+                <a:latin typeface="Courier"/>
+                <a:cs typeface="Courier"/>
+              </a:rPr>
+              <a:t>}</a:t>
+            </a:r>
+          </a:p>
+          <a:p>
+            <a:pPr marL="0" indent="0">
+              <a:buNone/>
+            </a:pPr>
+            <a:endParaRPr lang="en-US" sz="1600" dirty="0">
+              <a:latin typeface="Courier"/>
+              <a:cs typeface="Courier"/>
+            </a:endParaRPr>
+          </a:p>
+          <a:p>
+            <a:pPr marL="0" indent="0">
+              <a:buNone/>
+            </a:pPr>
+            <a:r>
+              <a:rPr lang="en-US" sz="1600" dirty="0">
+                <a:latin typeface="Courier"/>
+                <a:cs typeface="Courier"/>
+              </a:rPr>
+              <a:t># example 2</a:t>
+            </a:r>
+          </a:p>
+          <a:p>
+            <a:pPr marL="0" indent="0">
+              <a:buNone/>
+            </a:pPr>
+            <a:r>
+              <a:rPr lang="en-US" sz="1600" dirty="0" err="1">
+                <a:latin typeface="Courier"/>
+                <a:cs typeface="Courier"/>
+              </a:rPr>
+              <a:t>threetimes</a:t>
+            </a:r>
+            <a:r>
+              <a:rPr lang="en-US" sz="1600" dirty="0">
+                <a:latin typeface="Courier"/>
+                <a:cs typeface="Courier"/>
+              </a:rPr>
+              <a:t> &lt;- function(x) {</a:t>
+            </a:r>
+          </a:p>
+          <a:p>
+            <a:pPr marL="0" indent="0">
+              <a:buNone/>
+            </a:pPr>
+            <a:r>
+              <a:rPr lang="en-US" sz="1600" dirty="0">
+                <a:latin typeface="Courier"/>
+                <a:cs typeface="Courier"/>
+              </a:rPr>
+              <a:t>  3*x</a:t>
+            </a:r>
+          </a:p>
+          <a:p>
+            <a:pPr marL="0" indent="0">
+              <a:buNone/>
+            </a:pPr>
+            <a:r>
+              <a:rPr lang="en-US" sz="1600" dirty="0">
+                <a:latin typeface="Courier"/>
+                <a:cs typeface="Courier"/>
+              </a:rPr>
+              <a:t>}</a:t>
+            </a:r>
+          </a:p>
+          <a:p>
+            <a:pPr marL="0" indent="0">
+              <a:buNone/>
+            </a:pPr>
+            <a:endParaRPr lang="en-US" sz="1600" dirty="0">
+              <a:latin typeface="Courier"/>
+              <a:cs typeface="Courier"/>
+            </a:endParaRPr>
+          </a:p>
+        </p:txBody>
+      </p:sp>
+      <p:sp>
+        <p:nvSpPr>
+          <p:cNvPr id="2" name="TextBox 1"/>
           <p:cNvSpPr txBox="1"/>
           <p:nvPr/>
         </p:nvSpPr>
         <p:spPr>
           <a:xfrm>
-            <a:off x="757953" y="2205154"/>
-            <a:ext cx="7836251" cy="1815882"/>
+            <a:off x="5966930" y="3445959"/>
+            <a:ext cx="3177070" cy="707886"/>
           </a:xfrm>
           <a:prstGeom prst="rect">
             <a:avLst/>
@@ -11623,111 +11787,42 @@
           <a:lstStyle/>
           <a:p>
             <a:r>
-              <a:rPr lang="en-US" sz="2800" dirty="0">
+              <a:rPr lang="en-US" sz="2000" dirty="0" err="1">
                 <a:latin typeface="Courier"/>
                 <a:cs typeface="Courier"/>
               </a:rPr>
-              <a:t>table(</a:t>
-            </a:r>
-            <a:r>
-              <a:rPr lang="en-US" sz="2800" dirty="0" err="1">
+              <a:t>threetimes</a:t>
+            </a:r>
+            <a:r>
+              <a:rPr lang="en-US" sz="2000" dirty="0">
                 <a:latin typeface="Courier"/>
                 <a:cs typeface="Courier"/>
               </a:rPr>
-              <a:t>diamonds$cut</a:t>
-            </a:r>
-            <a:r>
-              <a:rPr lang="en-US" sz="2800" dirty="0">
+              <a:t>(6)</a:t>
+            </a:r>
+          </a:p>
+          <a:p>
+            <a:r>
+              <a:rPr lang="en-US" sz="2000" dirty="0" err="1">
                 <a:latin typeface="Courier"/>
                 <a:cs typeface="Courier"/>
               </a:rPr>
-              <a:t>)</a:t>
-            </a:r>
-          </a:p>
-          <a:p>
-            <a:endParaRPr lang="en-US" sz="2800" dirty="0">
-              <a:latin typeface="Courier"/>
-              <a:cs typeface="Courier"/>
-            </a:endParaRPr>
-          </a:p>
-          <a:p>
-            <a:r>
-              <a:rPr lang="en-US" sz="2800" dirty="0">
+              <a:t>threetimes</a:t>
+            </a:r>
+            <a:r>
+              <a:rPr lang="en-US" sz="2000" dirty="0">
                 <a:latin typeface="Courier"/>
                 <a:cs typeface="Courier"/>
               </a:rPr>
-              <a:t>table(</a:t>
-            </a:r>
-            <a:r>
-              <a:rPr lang="en-US" sz="2800" dirty="0" err="1">
-                <a:latin typeface="Courier"/>
-                <a:cs typeface="Courier"/>
-              </a:rPr>
-              <a:t>diamonds$cut</a:t>
-            </a:r>
-            <a:r>
-              <a:rPr lang="en-US" sz="2800" dirty="0">
-                <a:latin typeface="Courier"/>
-                <a:cs typeface="Courier"/>
-              </a:rPr>
-              <a:t>, </a:t>
-            </a:r>
-            <a:r>
-              <a:rPr lang="en-US" sz="2800" dirty="0" err="1">
-                <a:latin typeface="Courier"/>
-                <a:cs typeface="Courier"/>
-              </a:rPr>
-              <a:t>diamonds$color</a:t>
-            </a:r>
-            <a:r>
-              <a:rPr lang="en-US" sz="2800" dirty="0">
-                <a:latin typeface="Courier"/>
-                <a:cs typeface="Courier"/>
-              </a:rPr>
-              <a:t>)</a:t>
-            </a:r>
-          </a:p>
-          <a:p>
-            <a:endParaRPr lang="en-US" sz="2800" dirty="0">
-              <a:latin typeface="Courier"/>
-              <a:cs typeface="Courier"/>
-            </a:endParaRPr>
-          </a:p>
-        </p:txBody>
-      </p:sp>
-      <p:sp>
-        <p:nvSpPr>
-          <p:cNvPr id="2" name="Slide Number Placeholder 1">
-            <a:extLst>
-              <a:ext uri="{FF2B5EF4-FFF2-40B4-BE49-F238E27FC236}">
-                <a16:creationId xmlns:a16="http://schemas.microsoft.com/office/drawing/2014/main" id="{B5592440-0AF4-B84B-86C5-183495138C1D}"/>
-              </a:ext>
-            </a:extLst>
-          </p:cNvPr>
-          <p:cNvSpPr>
-            <a:spLocks noGrp="1"/>
-          </p:cNvSpPr>
-          <p:nvPr>
-            <p:ph type="sldNum" sz="quarter" idx="12"/>
-          </p:nvPr>
-        </p:nvSpPr>
-        <p:spPr/>
-        <p:txBody>
-          <a:bodyPr/>
-          <a:lstStyle/>
-          <a:p>
-            <a:fld id="{9DA039C4-C5F2-1743-BB7A-5D831266C61E}" type="slidenum">
-              <a:rPr lang="en-US" smtClean="0"/>
-              <a:t>22</a:t>
-            </a:fld>
-            <a:endParaRPr lang="en-US"/>
+              <a:t>(29)</a:t>
+            </a:r>
           </a:p>
         </p:txBody>
       </p:sp>
     </p:spTree>
     <p:extLst>
       <p:ext uri="{BB962C8B-B14F-4D97-AF65-F5344CB8AC3E}">
-        <p14:creationId xmlns:p14="http://schemas.microsoft.com/office/powerpoint/2010/main" val="1572904978"/>
+        <p14:creationId xmlns:p14="http://schemas.microsoft.com/office/powerpoint/2010/main" val="3683186671"/>
       </p:ext>
     </p:extLst>
   </p:cSld>
@@ -11756,7 +11851,7 @@
       </p:grpSpPr>
       <p:sp>
         <p:nvSpPr>
-          <p:cNvPr id="4" name="Title 3"/>
+          <p:cNvPr id="2" name="Title 1"/>
           <p:cNvSpPr>
             <a:spLocks noGrp="1"/>
           </p:cNvSpPr>
@@ -11771,14 +11866,14 @@
           <a:p>
             <a:r>
               <a:rPr lang="en-US" dirty="0"/>
-              <a:t>Write your own function</a:t>
-            </a:r>
-          </a:p>
-        </p:txBody>
-      </p:sp>
-      <p:sp>
-        <p:nvSpPr>
-          <p:cNvPr id="5" name="Content Placeholder 4"/>
+              <a:t>Problem (work as a small group)</a:t>
+            </a:r>
+          </a:p>
+        </p:txBody>
+      </p:sp>
+      <p:sp>
+        <p:nvSpPr>
+          <p:cNvPr id="3" name="Content Placeholder 2"/>
           <p:cNvSpPr>
             <a:spLocks noGrp="1"/>
           </p:cNvSpPr>
@@ -11788,195 +11883,43 @@
         </p:nvSpPr>
         <p:spPr>
           <a:xfrm>
-            <a:off x="926155" y="881569"/>
-            <a:ext cx="6587702" cy="4203123"/>
+            <a:off x="457200" y="877233"/>
+            <a:ext cx="8229600" cy="1282124"/>
           </a:xfrm>
         </p:spPr>
         <p:txBody>
-          <a:bodyPr>
-            <a:noAutofit/>
-          </a:bodyPr>
-          <a:lstStyle/>
-          <a:p>
-            <a:r>
-              <a:rPr lang="en-US" b="1" dirty="0">
-                <a:solidFill>
-                  <a:srgbClr val="17375E"/>
-                </a:solidFill>
-              </a:rPr>
-              <a:t>Define a function</a:t>
-            </a:r>
-          </a:p>
+          <a:bodyPr/>
+          <a:lstStyle/>
           <a:p>
             <a:pPr marL="0" indent="0">
               <a:buNone/>
             </a:pPr>
             <a:r>
               <a:rPr lang="en-US" dirty="0"/>
-              <a:t>name &lt;- function(arg_1, arg_2, ...) expression</a:t>
-            </a:r>
-          </a:p>
-          <a:p>
-            <a:pPr marL="0" indent="0">
-              <a:buNone/>
-            </a:pPr>
-            <a:endParaRPr lang="en-US" sz="1600" dirty="0">
-              <a:latin typeface="Courier"/>
-              <a:cs typeface="Courier"/>
-            </a:endParaRPr>
-          </a:p>
-          <a:p>
-            <a:pPr marL="0" indent="0">
-              <a:buNone/>
-            </a:pPr>
-            <a:r>
-              <a:rPr lang="en-US" sz="1600" dirty="0">
-                <a:latin typeface="Courier"/>
-                <a:cs typeface="Courier"/>
-              </a:rPr>
-              <a:t># example 1</a:t>
-            </a:r>
-          </a:p>
-          <a:p>
-            <a:pPr marL="0" indent="0">
-              <a:buNone/>
-            </a:pPr>
-            <a:r>
-              <a:rPr lang="en-US" sz="1600" dirty="0" err="1">
-                <a:latin typeface="Courier"/>
-                <a:cs typeface="Courier"/>
-              </a:rPr>
-              <a:t>threetimes</a:t>
-            </a:r>
-            <a:r>
-              <a:rPr lang="en-US" sz="1600" dirty="0">
-                <a:latin typeface="Courier"/>
-                <a:cs typeface="Courier"/>
-              </a:rPr>
-              <a:t> &lt;- function(x) {</a:t>
-            </a:r>
-          </a:p>
-          <a:p>
-            <a:pPr marL="0" indent="0">
-              <a:buNone/>
-            </a:pPr>
-            <a:r>
-              <a:rPr lang="en-US" sz="1600" dirty="0">
-                <a:latin typeface="Courier"/>
-                <a:cs typeface="Courier"/>
-              </a:rPr>
-              <a:t>  y &lt;- 3*x</a:t>
-            </a:r>
-          </a:p>
-          <a:p>
-            <a:pPr marL="0" indent="0">
-              <a:buNone/>
-            </a:pPr>
-            <a:r>
-              <a:rPr lang="en-US" sz="1600" dirty="0">
-                <a:latin typeface="Courier"/>
-                <a:cs typeface="Courier"/>
-              </a:rPr>
-              <a:t>  y</a:t>
-            </a:r>
-          </a:p>
-          <a:p>
-            <a:pPr marL="0" indent="0">
-              <a:buNone/>
-            </a:pPr>
-            <a:r>
-              <a:rPr lang="en-US" sz="1600" dirty="0">
-                <a:latin typeface="Courier"/>
-                <a:cs typeface="Courier"/>
-              </a:rPr>
-              <a:t>}</a:t>
-            </a:r>
-          </a:p>
-          <a:p>
-            <a:pPr marL="0" indent="0">
-              <a:buNone/>
-            </a:pPr>
-            <a:endParaRPr lang="en-US" sz="1600" dirty="0">
-              <a:latin typeface="Courier"/>
-              <a:cs typeface="Courier"/>
-            </a:endParaRPr>
-          </a:p>
-          <a:p>
-            <a:pPr marL="0" indent="0">
-              <a:buNone/>
-            </a:pPr>
-            <a:r>
-              <a:rPr lang="en-US" sz="1600" dirty="0">
-                <a:latin typeface="Courier"/>
-                <a:cs typeface="Courier"/>
-              </a:rPr>
-              <a:t># example 2</a:t>
-            </a:r>
-          </a:p>
-          <a:p>
-            <a:pPr marL="0" indent="0">
-              <a:buNone/>
-            </a:pPr>
-            <a:r>
-              <a:rPr lang="en-US" sz="1600" dirty="0" err="1">
-                <a:latin typeface="Courier"/>
-                <a:cs typeface="Courier"/>
-              </a:rPr>
-              <a:t>threetimes</a:t>
-            </a:r>
-            <a:r>
-              <a:rPr lang="en-US" sz="1600" dirty="0">
-                <a:latin typeface="Courier"/>
-                <a:cs typeface="Courier"/>
-              </a:rPr>
-              <a:t> &lt;- function(x) {</a:t>
-            </a:r>
-          </a:p>
-          <a:p>
-            <a:pPr marL="0" indent="0">
-              <a:buNone/>
-            </a:pPr>
-            <a:r>
-              <a:rPr lang="en-US" sz="1600" dirty="0">
-                <a:latin typeface="Courier"/>
-                <a:cs typeface="Courier"/>
-              </a:rPr>
-              <a:t>  3*x</a:t>
-            </a:r>
-          </a:p>
-          <a:p>
-            <a:pPr marL="0" indent="0">
-              <a:buNone/>
-            </a:pPr>
-            <a:r>
-              <a:rPr lang="en-US" sz="1600" dirty="0">
-                <a:latin typeface="Courier"/>
-                <a:cs typeface="Courier"/>
-              </a:rPr>
-              <a:t>}</a:t>
-            </a:r>
-          </a:p>
-          <a:p>
-            <a:pPr marL="0" indent="0">
-              <a:buNone/>
-            </a:pPr>
-            <a:endParaRPr lang="en-US" sz="1600" dirty="0">
-              <a:latin typeface="Courier"/>
-              <a:cs typeface="Courier"/>
-            </a:endParaRPr>
-          </a:p>
-        </p:txBody>
-      </p:sp>
-      <p:sp>
-        <p:nvSpPr>
-          <p:cNvPr id="2" name="TextBox 1"/>
+              <a:t>Write a function to randomly select a gift for yourself from a gift store on the valentine's day and output the result as:</a:t>
+            </a:r>
+          </a:p>
+          <a:p>
+            <a:pPr marL="0" indent="0">
+              <a:buNone/>
+            </a:pPr>
+            <a:r>
+              <a:rPr lang="en-US" dirty="0"/>
+              <a:t>"Here is my Valentine's surprise: xxx"</a:t>
+            </a:r>
+          </a:p>
+        </p:txBody>
+      </p:sp>
+      <p:sp>
+        <p:nvSpPr>
+          <p:cNvPr id="4" name="TextBox 3"/>
           <p:cNvSpPr txBox="1"/>
           <p:nvPr/>
         </p:nvSpPr>
         <p:spPr>
           <a:xfrm>
-            <a:off x="5966930" y="3445959"/>
-            <a:ext cx="3177070" cy="707886"/>
+            <a:off x="457200" y="2395152"/>
+            <a:ext cx="7909729" cy="2246769"/>
           </a:xfrm>
           <a:prstGeom prst="rect">
             <a:avLst/>
@@ -11984,40 +11927,68 @@
           <a:noFill/>
         </p:spPr>
         <p:txBody>
-          <a:bodyPr wrap="square" rtlCol="0">
+          <a:bodyPr wrap="none" rtlCol="0">
             <a:spAutoFit/>
           </a:bodyPr>
           <a:lstStyle/>
           <a:p>
             <a:r>
-              <a:rPr lang="en-US" sz="2000" dirty="0" err="1">
-                <a:latin typeface="Courier"/>
-                <a:cs typeface="Courier"/>
-              </a:rPr>
-              <a:t>threetimes</a:t>
-            </a:r>
-            <a:r>
-              <a:rPr lang="en-US" sz="2000" dirty="0">
-                <a:latin typeface="Courier"/>
-                <a:cs typeface="Courier"/>
-              </a:rPr>
-              <a:t>(6)</a:t>
-            </a:r>
-          </a:p>
-          <a:p>
-            <a:r>
-              <a:rPr lang="en-US" sz="2000" dirty="0" err="1">
-                <a:latin typeface="Courier"/>
-                <a:cs typeface="Courier"/>
-              </a:rPr>
-              <a:t>threetimes</a:t>
-            </a:r>
-            <a:r>
-              <a:rPr lang="en-US" sz="2000" dirty="0">
-                <a:latin typeface="Courier"/>
-                <a:cs typeface="Courier"/>
-              </a:rPr>
-              <a:t>(29)</a:t>
+              <a:rPr lang="en-US" sz="2400" dirty="0"/>
+              <a:t># example store gifts</a:t>
+            </a:r>
+          </a:p>
+          <a:p>
+            <a:r>
+              <a:rPr lang="en-US" sz="2000" dirty="0"/>
+              <a:t>store &lt;- c("chocolate", "rose", "diamond", "</a:t>
+            </a:r>
+            <a:r>
+              <a:rPr lang="en-US" sz="2000" dirty="0" err="1"/>
+              <a:t>iphone</a:t>
+            </a:r>
+            <a:r>
+              <a:rPr lang="en-US" sz="2000" dirty="0"/>
+              <a:t>", "</a:t>
+            </a:r>
+            <a:r>
+              <a:rPr lang="en-US" sz="2000" dirty="0" err="1"/>
+              <a:t>nanopore</a:t>
+            </a:r>
+            <a:r>
+              <a:rPr lang="en-US" sz="2000" dirty="0"/>
+              <a:t> </a:t>
+            </a:r>
+            <a:r>
+              <a:rPr lang="en-US" sz="2000" dirty="0" err="1"/>
+              <a:t>flowcells</a:t>
+            </a:r>
+            <a:r>
+              <a:rPr lang="en-US" sz="2000" dirty="0"/>
+              <a:t>")</a:t>
+            </a:r>
+          </a:p>
+          <a:p>
+            <a:r>
+              <a:rPr lang="en-US" sz="2400" dirty="0"/>
+              <a:t># randomly select</a:t>
+            </a:r>
+          </a:p>
+          <a:p>
+            <a:r>
+              <a:rPr lang="en-US" sz="2400" dirty="0"/>
+              <a:t>sample</a:t>
+            </a:r>
+          </a:p>
+          <a:p>
+            <a:r>
+              <a:rPr lang="en-US" sz="2400" dirty="0"/>
+              <a:t># print</a:t>
+            </a:r>
+          </a:p>
+          <a:p>
+            <a:r>
+              <a:rPr lang="en-US" sz="2400" dirty="0"/>
+              <a:t>cat or print</a:t>
             </a:r>
           </a:p>
         </p:txBody>
@@ -12025,7 +11996,7 @@
     </p:spTree>
     <p:extLst>
       <p:ext uri="{BB962C8B-B14F-4D97-AF65-F5344CB8AC3E}">
-        <p14:creationId xmlns:p14="http://schemas.microsoft.com/office/powerpoint/2010/main" val="3683186671"/>
+        <p14:creationId xmlns:p14="http://schemas.microsoft.com/office/powerpoint/2010/main" val="2223933102"/>
       </p:ext>
     </p:extLst>
   </p:cSld>
@@ -12069,7 +12040,7 @@
           <a:p>
             <a:r>
               <a:rPr lang="en-US" dirty="0"/>
-              <a:t>Problem (work as a small group)</a:t>
+              <a:t>Data</a:t>
             </a:r>
           </a:p>
         </p:txBody>
@@ -12086,120 +12057,78 @@
         </p:nvSpPr>
         <p:spPr>
           <a:xfrm>
-            <a:off x="457200" y="877233"/>
-            <a:ext cx="8229600" cy="1282124"/>
+            <a:off x="1016000" y="954724"/>
+            <a:ext cx="7112000" cy="3807696"/>
           </a:xfrm>
         </p:spPr>
         <p:txBody>
-          <a:bodyPr/>
-          <a:lstStyle/>
-          <a:p>
-            <a:pPr marL="0" indent="0">
-              <a:buNone/>
-            </a:pPr>
-            <a:r>
-              <a:rPr lang="en-US" dirty="0"/>
-              <a:t>Write a function to randomly select a gift for yourself from a gift store on the valentine's day and output the result as:</a:t>
-            </a:r>
-          </a:p>
-          <a:p>
-            <a:pPr marL="0" indent="0">
-              <a:buNone/>
-            </a:pPr>
-            <a:r>
-              <a:rPr lang="en-US" dirty="0"/>
-              <a:t>"Here is my Valentine's surprise: xxx"</a:t>
-            </a:r>
-          </a:p>
-        </p:txBody>
-      </p:sp>
-      <p:sp>
-        <p:nvSpPr>
-          <p:cNvPr id="4" name="TextBox 3"/>
-          <p:cNvSpPr txBox="1"/>
-          <p:nvPr/>
-        </p:nvSpPr>
-        <p:spPr>
-          <a:xfrm>
-            <a:off x="457200" y="2395152"/>
-            <a:ext cx="7909729" cy="2246769"/>
-          </a:xfrm>
-          <a:prstGeom prst="rect">
-            <a:avLst/>
-          </a:prstGeom>
-          <a:noFill/>
-        </p:spPr>
-        <p:txBody>
-          <a:bodyPr wrap="none" rtlCol="0">
-            <a:spAutoFit/>
+          <a:bodyPr>
+            <a:normAutofit/>
           </a:bodyPr>
           <a:lstStyle/>
           <a:p>
-            <a:r>
-              <a:rPr lang="en-US" sz="2400" dirty="0"/>
-              <a:t># example store gifts</a:t>
-            </a:r>
-          </a:p>
-          <a:p>
-            <a:r>
-              <a:rPr lang="en-US" sz="2000" dirty="0"/>
-              <a:t>store &lt;- c("chocolate", "rose", "diamond", "</a:t>
-            </a:r>
-            <a:r>
-              <a:rPr lang="en-US" sz="2000" dirty="0" err="1"/>
-              <a:t>iphone</a:t>
-            </a:r>
-            <a:r>
-              <a:rPr lang="en-US" sz="2000" dirty="0"/>
-              <a:t>", "</a:t>
-            </a:r>
-            <a:r>
-              <a:rPr lang="en-US" sz="2000" dirty="0" err="1"/>
-              <a:t>nanopore</a:t>
-            </a:r>
-            <a:r>
-              <a:rPr lang="en-US" sz="2000" dirty="0"/>
-              <a:t> </a:t>
-            </a:r>
-            <a:r>
-              <a:rPr lang="en-US" sz="2000" dirty="0" err="1"/>
-              <a:t>flowcells</a:t>
-            </a:r>
-            <a:r>
-              <a:rPr lang="en-US" sz="2000" dirty="0"/>
-              <a:t>")</a:t>
-            </a:r>
-          </a:p>
-          <a:p>
-            <a:r>
-              <a:rPr lang="en-US" sz="2400" dirty="0"/>
-              <a:t># randomly select</a:t>
-            </a:r>
-          </a:p>
-          <a:p>
-            <a:r>
-              <a:rPr lang="en-US" sz="2400" dirty="0"/>
-              <a:t>sample</a:t>
-            </a:r>
-          </a:p>
-          <a:p>
-            <a:r>
-              <a:rPr lang="en-US" sz="2400" dirty="0"/>
-              <a:t># print</a:t>
-            </a:r>
-          </a:p>
-          <a:p>
-            <a:r>
-              <a:rPr lang="en-US" sz="2400" dirty="0"/>
-              <a:t>cat or print</a:t>
-            </a:r>
+            <a:pPr marL="0" indent="0">
+              <a:buNone/>
+            </a:pPr>
+            <a:r>
+              <a:rPr lang="en-US" sz="2800" dirty="0"/>
+              <a:t>Sequence quality scores from three platforms</a:t>
+            </a:r>
+          </a:p>
+          <a:p>
+            <a:pPr marL="0" indent="0">
+              <a:buNone/>
+            </a:pPr>
+            <a:endParaRPr lang="en-US" sz="2800" dirty="0"/>
+          </a:p>
+          <a:p>
+            <a:pPr marL="514350" indent="-514350">
+              <a:buFont typeface="+mj-lt"/>
+              <a:buAutoNum type="arabicPeriod"/>
+            </a:pPr>
+            <a:r>
+              <a:rPr lang="en-US" sz="2800" dirty="0" err="1"/>
+              <a:t>Illumina</a:t>
+            </a:r>
+            <a:endParaRPr lang="en-US" sz="2800" dirty="0"/>
+          </a:p>
+          <a:p>
+            <a:pPr marL="514350" indent="-514350">
+              <a:buFont typeface="+mj-lt"/>
+              <a:buAutoNum type="arabicPeriod"/>
+            </a:pPr>
+            <a:r>
+              <a:rPr lang="en-US" sz="2800" dirty="0"/>
+              <a:t>PacBio (not HiFi)</a:t>
+            </a:r>
+          </a:p>
+          <a:p>
+            <a:pPr marL="514350" indent="-514350">
+              <a:buFont typeface="+mj-lt"/>
+              <a:buAutoNum type="arabicPeriod"/>
+            </a:pPr>
+            <a:endParaRPr lang="en-US" sz="2800" dirty="0"/>
+          </a:p>
+          <a:p>
+            <a:pPr marL="0" indent="0">
+              <a:buNone/>
+            </a:pPr>
+            <a:r>
+              <a:rPr lang="en-US" sz="2800" dirty="0"/>
+              <a:t>Data file: </a:t>
+            </a:r>
+            <a:r>
+              <a:rPr lang="en-US" sz="2800" dirty="0" err="1"/>
+              <a:t>quality.txt</a:t>
+            </a:r>
+            <a:endParaRPr lang="en-US" sz="2800" dirty="0"/>
           </a:p>
         </p:txBody>
       </p:sp>
     </p:spTree>
     <p:extLst>
       <p:ext uri="{BB962C8B-B14F-4D97-AF65-F5344CB8AC3E}">
-        <p14:creationId xmlns:p14="http://schemas.microsoft.com/office/powerpoint/2010/main" val="2223933102"/>
+        <p14:creationId xmlns:p14="http://schemas.microsoft.com/office/powerpoint/2010/main" val="3079500142"/>
       </p:ext>
     </p:extLst>
   </p:cSld>
@@ -12236,32 +12165,10 @@
             <p:ph type="title"/>
           </p:nvPr>
         </p:nvSpPr>
-        <p:spPr/>
-        <p:txBody>
-          <a:bodyPr/>
-          <a:lstStyle/>
-          <a:p>
-            <a:r>
-              <a:rPr lang="en-US" dirty="0"/>
-              <a:t>Data</a:t>
-            </a:r>
-          </a:p>
-        </p:txBody>
-      </p:sp>
-      <p:sp>
-        <p:nvSpPr>
-          <p:cNvPr id="3" name="Content Placeholder 2"/>
-          <p:cNvSpPr>
-            <a:spLocks noGrp="1"/>
-          </p:cNvSpPr>
-          <p:nvPr>
-            <p:ph idx="1"/>
-          </p:nvPr>
-        </p:nvSpPr>
         <p:spPr>
           <a:xfrm>
-            <a:off x="1016000" y="954724"/>
-            <a:ext cx="7112000" cy="3807696"/>
+            <a:off x="457200" y="205978"/>
+            <a:ext cx="8229600" cy="817523"/>
           </a:xfrm>
         </p:spPr>
         <p:txBody>
@@ -12270,68 +12177,329 @@
           </a:bodyPr>
           <a:lstStyle/>
           <a:p>
-            <a:pPr marL="0" indent="0">
-              <a:buNone/>
-            </a:pPr>
-            <a:r>
-              <a:rPr lang="en-US" sz="2800" dirty="0"/>
-              <a:t>Sequence quality scores from three platforms</a:t>
-            </a:r>
-          </a:p>
-          <a:p>
-            <a:pPr marL="0" indent="0">
-              <a:buNone/>
-            </a:pPr>
-            <a:endParaRPr lang="en-US" sz="2800" dirty="0"/>
-          </a:p>
-          <a:p>
-            <a:pPr marL="514350" indent="-514350">
-              <a:buFont typeface="+mj-lt"/>
-              <a:buAutoNum type="arabicPeriod"/>
-            </a:pPr>
-            <a:r>
-              <a:rPr lang="en-US" sz="2800" dirty="0" err="1"/>
-              <a:t>Illumina</a:t>
-            </a:r>
-            <a:endParaRPr lang="en-US" sz="2800" dirty="0"/>
-          </a:p>
-          <a:p>
-            <a:pPr marL="514350" indent="-514350">
-              <a:buFont typeface="+mj-lt"/>
-              <a:buAutoNum type="arabicPeriod"/>
-            </a:pPr>
-            <a:r>
-              <a:rPr lang="en-US" sz="2800" dirty="0"/>
-              <a:t>PacBio (not HiFi)</a:t>
-            </a:r>
-          </a:p>
-          <a:p>
-            <a:pPr marL="514350" indent="-514350">
-              <a:buFont typeface="+mj-lt"/>
-              <a:buAutoNum type="arabicPeriod"/>
-            </a:pPr>
-            <a:endParaRPr lang="en-US" sz="2800" dirty="0"/>
-          </a:p>
-          <a:p>
-            <a:pPr marL="0" indent="0">
-              <a:buNone/>
-            </a:pPr>
-            <a:r>
-              <a:rPr lang="en-US" sz="2800" dirty="0"/>
-              <a:t>Data file: </a:t>
-            </a:r>
-            <a:r>
-              <a:rPr lang="en-US" sz="2800" dirty="0" err="1"/>
+            <a:r>
+              <a:rPr lang="en-US" sz="3200" dirty="0"/>
+              <a:t>Data importing</a:t>
+            </a:r>
+          </a:p>
+        </p:txBody>
+      </p:sp>
+      <p:sp>
+        <p:nvSpPr>
+          <p:cNvPr id="3" name="Content Placeholder 2"/>
+          <p:cNvSpPr>
+            <a:spLocks noGrp="1"/>
+          </p:cNvSpPr>
+          <p:nvPr>
+            <p:ph idx="1"/>
+          </p:nvPr>
+        </p:nvSpPr>
+        <p:spPr>
+          <a:xfrm>
+            <a:off x="252197" y="1278145"/>
+            <a:ext cx="8639605" cy="3061542"/>
+          </a:xfrm>
+        </p:spPr>
+        <p:txBody>
+          <a:bodyPr>
+            <a:normAutofit fontScale="92500"/>
+          </a:bodyPr>
+          <a:lstStyle/>
+          <a:p>
+            <a:pPr marL="0" indent="0">
+              <a:buNone/>
+            </a:pPr>
+            <a:r>
+              <a:rPr lang="it-IT" sz="2200" dirty="0" err="1">
+                <a:latin typeface="Courier New" panose="02070309020205020404" pitchFamily="49" charset="0"/>
+                <a:cs typeface="Courier New" panose="02070309020205020404" pitchFamily="49" charset="0"/>
+              </a:rPr>
+              <a:t>data.url</a:t>
+            </a:r>
+            <a:r>
+              <a:rPr lang="it-IT" sz="2200" dirty="0">
+                <a:latin typeface="Courier New" panose="02070309020205020404" pitchFamily="49" charset="0"/>
+                <a:cs typeface="Courier New" panose="02070309020205020404" pitchFamily="49" charset="0"/>
+              </a:rPr>
+              <a:t> &lt;- </a:t>
+            </a:r>
+            <a:r>
+              <a:rPr lang="it-IT" dirty="0">
+                <a:latin typeface="Courier New" panose="02070309020205020404" pitchFamily="49" charset="0"/>
+                <a:cs typeface="Courier New" panose="02070309020205020404" pitchFamily="49" charset="0"/>
+              </a:rPr>
+              <a:t>"</a:t>
+            </a:r>
+            <a:r>
+              <a:rPr lang="it-IT" sz="800" dirty="0">
+                <a:latin typeface="Courier New" panose="02070309020205020404" pitchFamily="49" charset="0"/>
+                <a:cs typeface="Courier New" panose="02070309020205020404" pitchFamily="49" charset="0"/>
+              </a:rPr>
+              <a:t>https://</a:t>
+            </a:r>
+            <a:r>
+              <a:rPr lang="it-IT" sz="800" dirty="0" err="1">
+                <a:latin typeface="Courier New" panose="02070309020205020404" pitchFamily="49" charset="0"/>
+                <a:cs typeface="Courier New" panose="02070309020205020404" pitchFamily="49" charset="0"/>
+              </a:rPr>
+              <a:t>github.com</a:t>
+            </a:r>
+            <a:r>
+              <a:rPr lang="it-IT" sz="800" dirty="0">
+                <a:latin typeface="Courier New" panose="02070309020205020404" pitchFamily="49" charset="0"/>
+                <a:cs typeface="Courier New" panose="02070309020205020404" pitchFamily="49" charset="0"/>
+              </a:rPr>
+              <a:t>/liu3zhenlab/</a:t>
+            </a:r>
+            <a:r>
+              <a:rPr lang="it-IT" sz="800" dirty="0" err="1">
+                <a:latin typeface="Courier New" panose="02070309020205020404" pitchFamily="49" charset="0"/>
+                <a:cs typeface="Courier New" panose="02070309020205020404" pitchFamily="49" charset="0"/>
+              </a:rPr>
+              <a:t>teaching</a:t>
+            </a:r>
+            <a:r>
+              <a:rPr lang="it-IT" sz="800" dirty="0">
+                <a:latin typeface="Courier New" panose="02070309020205020404" pitchFamily="49" charset="0"/>
+                <a:cs typeface="Courier New" panose="02070309020205020404" pitchFamily="49" charset="0"/>
+              </a:rPr>
+              <a:t>/</a:t>
+            </a:r>
+            <a:r>
+              <a:rPr lang="it-IT" sz="800" dirty="0" err="1">
+                <a:latin typeface="Courier New" panose="02070309020205020404" pitchFamily="49" charset="0"/>
+                <a:cs typeface="Courier New" panose="02070309020205020404" pitchFamily="49" charset="0"/>
+              </a:rPr>
+              <a:t>raw</a:t>
+            </a:r>
+            <a:r>
+              <a:rPr lang="it-IT" sz="800" dirty="0">
+                <a:latin typeface="Courier New" panose="02070309020205020404" pitchFamily="49" charset="0"/>
+                <a:cs typeface="Courier New" panose="02070309020205020404" pitchFamily="49" charset="0"/>
+              </a:rPr>
+              <a:t>/</a:t>
+            </a:r>
+            <a:r>
+              <a:rPr lang="it-IT" sz="800" dirty="0" err="1">
+                <a:latin typeface="Courier New" panose="02070309020205020404" pitchFamily="49" charset="0"/>
+                <a:cs typeface="Courier New" panose="02070309020205020404" pitchFamily="49" charset="0"/>
+              </a:rPr>
+              <a:t>refs</a:t>
+            </a:r>
+            <a:r>
+              <a:rPr lang="it-IT" sz="800" dirty="0">
+                <a:latin typeface="Courier New" panose="02070309020205020404" pitchFamily="49" charset="0"/>
+                <a:cs typeface="Courier New" panose="02070309020205020404" pitchFamily="49" charset="0"/>
+              </a:rPr>
+              <a:t>/heads/master/PLPTH813Bioinformatis/2025/3_data/lab07_R/</a:t>
+            </a:r>
+            <a:r>
+              <a:rPr lang="it-IT" sz="800" dirty="0" err="1">
+                <a:latin typeface="Courier New" panose="02070309020205020404" pitchFamily="49" charset="0"/>
+                <a:cs typeface="Courier New" panose="02070309020205020404" pitchFamily="49" charset="0"/>
+              </a:rPr>
               <a:t>quality.txt</a:t>
             </a:r>
-            <a:endParaRPr lang="en-US" sz="2800" dirty="0"/>
+            <a:r>
+              <a:rPr lang="it-IT" dirty="0">
+                <a:latin typeface="Courier New" panose="02070309020205020404" pitchFamily="49" charset="0"/>
+                <a:cs typeface="Courier New" panose="02070309020205020404" pitchFamily="49" charset="0"/>
+              </a:rPr>
+              <a:t>"</a:t>
+            </a:r>
+          </a:p>
+          <a:p>
+            <a:pPr marL="0" indent="0">
+              <a:buNone/>
+            </a:pPr>
+            <a:endParaRPr lang="it-IT" dirty="0">
+              <a:latin typeface="Courier New" panose="02070309020205020404" pitchFamily="49" charset="0"/>
+              <a:cs typeface="Courier New" panose="02070309020205020404" pitchFamily="49" charset="0"/>
+            </a:endParaRPr>
+          </a:p>
+          <a:p>
+            <a:pPr marL="0" indent="0">
+              <a:buNone/>
+            </a:pPr>
+            <a:r>
+              <a:rPr lang="it-IT" dirty="0">
+                <a:latin typeface="Courier New" panose="02070309020205020404" pitchFamily="49" charset="0"/>
+                <a:cs typeface="Courier New" panose="02070309020205020404" pitchFamily="49" charset="0"/>
+              </a:rPr>
+              <a:t>qual0 &lt;- </a:t>
+            </a:r>
+            <a:r>
+              <a:rPr lang="it-IT" dirty="0" err="1">
+                <a:latin typeface="Courier New" panose="02070309020205020404" pitchFamily="49" charset="0"/>
+                <a:cs typeface="Courier New" panose="02070309020205020404" pitchFamily="49" charset="0"/>
+              </a:rPr>
+              <a:t>read.delim</a:t>
+            </a:r>
+            <a:r>
+              <a:rPr lang="it-IT" dirty="0">
+                <a:latin typeface="Courier New" panose="02070309020205020404" pitchFamily="49" charset="0"/>
+                <a:cs typeface="Courier New" panose="02070309020205020404" pitchFamily="49" charset="0"/>
+              </a:rPr>
+              <a:t>(</a:t>
+            </a:r>
+            <a:r>
+              <a:rPr lang="it-IT" dirty="0" err="1">
+                <a:latin typeface="Courier New" panose="02070309020205020404" pitchFamily="49" charset="0"/>
+                <a:cs typeface="Courier New" panose="02070309020205020404" pitchFamily="49" charset="0"/>
+              </a:rPr>
+              <a:t>data.url</a:t>
+            </a:r>
+            <a:r>
+              <a:rPr lang="it-IT" dirty="0">
+                <a:latin typeface="Courier New" panose="02070309020205020404" pitchFamily="49" charset="0"/>
+                <a:cs typeface="Courier New" panose="02070309020205020404" pitchFamily="49" charset="0"/>
+              </a:rPr>
+              <a:t>)</a:t>
+            </a:r>
+            <a:endParaRPr lang="en-US" dirty="0">
+              <a:latin typeface="Courier New" panose="02070309020205020404" pitchFamily="49" charset="0"/>
+              <a:cs typeface="Courier New" panose="02070309020205020404" pitchFamily="49" charset="0"/>
+            </a:endParaRPr>
+          </a:p>
+          <a:p>
+            <a:pPr marL="0" indent="0">
+              <a:buNone/>
+            </a:pPr>
+            <a:endParaRPr lang="it-IT" dirty="0">
+              <a:latin typeface="Courier New" panose="02070309020205020404" pitchFamily="49" charset="0"/>
+              <a:cs typeface="Courier New" panose="02070309020205020404" pitchFamily="49" charset="0"/>
+            </a:endParaRPr>
+          </a:p>
+          <a:p>
+            <a:pPr marL="0" indent="0">
+              <a:buNone/>
+            </a:pPr>
+            <a:r>
+              <a:rPr lang="it-IT" dirty="0">
+                <a:latin typeface="Courier New" panose="02070309020205020404" pitchFamily="49" charset="0"/>
+                <a:cs typeface="Courier New" panose="02070309020205020404" pitchFamily="49" charset="0"/>
+              </a:rPr>
+              <a:t>qual &lt;- </a:t>
+            </a:r>
+            <a:r>
+              <a:rPr lang="it-IT" dirty="0" err="1">
+                <a:latin typeface="Courier New" panose="02070309020205020404" pitchFamily="49" charset="0"/>
+                <a:cs typeface="Courier New" panose="02070309020205020404" pitchFamily="49" charset="0"/>
+              </a:rPr>
+              <a:t>read.delim</a:t>
+            </a:r>
+            <a:r>
+              <a:rPr lang="it-IT" dirty="0">
+                <a:latin typeface="Courier New" panose="02070309020205020404" pitchFamily="49" charset="0"/>
+                <a:cs typeface="Courier New" panose="02070309020205020404" pitchFamily="49" charset="0"/>
+              </a:rPr>
+              <a:t>(</a:t>
+            </a:r>
+            <a:r>
+              <a:rPr lang="it-IT" dirty="0" err="1">
+                <a:latin typeface="Courier New" panose="02070309020205020404" pitchFamily="49" charset="0"/>
+                <a:cs typeface="Courier New" panose="02070309020205020404" pitchFamily="49" charset="0"/>
+              </a:rPr>
+              <a:t>data.url</a:t>
+            </a:r>
+            <a:r>
+              <a:rPr lang="it-IT" dirty="0">
+                <a:latin typeface="Courier New" panose="02070309020205020404" pitchFamily="49" charset="0"/>
+                <a:cs typeface="Courier New" panose="02070309020205020404" pitchFamily="49" charset="0"/>
+              </a:rPr>
+              <a:t>, </a:t>
+            </a:r>
+            <a:r>
+              <a:rPr lang="it-IT" dirty="0" err="1">
+                <a:latin typeface="Courier New" panose="02070309020205020404" pitchFamily="49" charset="0"/>
+                <a:cs typeface="Courier New" panose="02070309020205020404" pitchFamily="49" charset="0"/>
+              </a:rPr>
+              <a:t>sep</a:t>
+            </a:r>
+            <a:r>
+              <a:rPr lang="it-IT" dirty="0">
+                <a:latin typeface="Courier New" panose="02070309020205020404" pitchFamily="49" charset="0"/>
+                <a:cs typeface="Courier New" panose="02070309020205020404" pitchFamily="49" charset="0"/>
+              </a:rPr>
+              <a:t>="\t",</a:t>
+            </a:r>
+          </a:p>
+          <a:p>
+            <a:pPr marL="0" indent="0">
+              <a:buNone/>
+            </a:pPr>
+            <a:r>
+              <a:rPr lang="it-IT" dirty="0">
+                <a:latin typeface="Courier New" panose="02070309020205020404" pitchFamily="49" charset="0"/>
+                <a:cs typeface="Courier New" panose="02070309020205020404" pitchFamily="49" charset="0"/>
+              </a:rPr>
+              <a:t>                   </a:t>
+            </a:r>
+            <a:r>
+              <a:rPr lang="it-IT" dirty="0" err="1">
+                <a:latin typeface="Courier New" panose="02070309020205020404" pitchFamily="49" charset="0"/>
+                <a:cs typeface="Courier New" panose="02070309020205020404" pitchFamily="49" charset="0"/>
+              </a:rPr>
+              <a:t>as.is</a:t>
+            </a:r>
+            <a:r>
+              <a:rPr lang="it-IT" dirty="0">
+                <a:latin typeface="Courier New" panose="02070309020205020404" pitchFamily="49" charset="0"/>
+                <a:cs typeface="Courier New" panose="02070309020205020404" pitchFamily="49" charset="0"/>
+              </a:rPr>
+              <a:t>=T, </a:t>
+            </a:r>
+            <a:r>
+              <a:rPr lang="it-IT" dirty="0" err="1">
+                <a:latin typeface="Courier New" panose="02070309020205020404" pitchFamily="49" charset="0"/>
+                <a:cs typeface="Courier New" panose="02070309020205020404" pitchFamily="49" charset="0"/>
+              </a:rPr>
+              <a:t>stringsAsFactors</a:t>
+            </a:r>
+            <a:r>
+              <a:rPr lang="it-IT" dirty="0">
+                <a:latin typeface="Courier New" panose="02070309020205020404" pitchFamily="49" charset="0"/>
+                <a:cs typeface="Courier New" panose="02070309020205020404" pitchFamily="49" charset="0"/>
+              </a:rPr>
+              <a:t>=</a:t>
+            </a:r>
+            <a:r>
+              <a:rPr lang="it-IT" dirty="0" err="1">
+                <a:latin typeface="Courier New" panose="02070309020205020404" pitchFamily="49" charset="0"/>
+                <a:cs typeface="Courier New" panose="02070309020205020404" pitchFamily="49" charset="0"/>
+              </a:rPr>
+              <a:t>F</a:t>
+            </a:r>
+            <a:r>
+              <a:rPr lang="it-IT" dirty="0">
+                <a:latin typeface="Courier New" panose="02070309020205020404" pitchFamily="49" charset="0"/>
+                <a:cs typeface="Courier New" panose="02070309020205020404" pitchFamily="49" charset="0"/>
+              </a:rPr>
+              <a:t>,</a:t>
+            </a:r>
+          </a:p>
+          <a:p>
+            <a:pPr marL="0" indent="0">
+              <a:buNone/>
+            </a:pPr>
+            <a:r>
+              <a:rPr lang="it-IT" dirty="0">
+                <a:latin typeface="Courier New" panose="02070309020205020404" pitchFamily="49" charset="0"/>
+                <a:cs typeface="Courier New" panose="02070309020205020404" pitchFamily="49" charset="0"/>
+              </a:rPr>
+              <a:t>                   quote="{|}~")</a:t>
+            </a:r>
+            <a:endParaRPr lang="en-US" dirty="0">
+              <a:latin typeface="Courier New" panose="02070309020205020404" pitchFamily="49" charset="0"/>
+              <a:cs typeface="Courier New" panose="02070309020205020404" pitchFamily="49" charset="0"/>
+            </a:endParaRPr>
           </a:p>
         </p:txBody>
       </p:sp>
     </p:spTree>
     <p:extLst>
       <p:ext uri="{BB962C8B-B14F-4D97-AF65-F5344CB8AC3E}">
-        <p14:creationId xmlns:p14="http://schemas.microsoft.com/office/powerpoint/2010/main" val="3079500142"/>
+        <p14:creationId xmlns:p14="http://schemas.microsoft.com/office/powerpoint/2010/main" val="3382513969"/>
       </p:ext>
     </p:extLst>
   </p:cSld>
@@ -12371,377 +12539,6 @@
         <p:spPr>
           <a:xfrm>
             <a:off x="457200" y="205978"/>
-            <a:ext cx="8229600" cy="817523"/>
-          </a:xfrm>
-        </p:spPr>
-        <p:txBody>
-          <a:bodyPr>
-            <a:normAutofit/>
-          </a:bodyPr>
-          <a:lstStyle/>
-          <a:p>
-            <a:r>
-              <a:rPr lang="en-US" sz="3200" dirty="0"/>
-              <a:t>Data importing</a:t>
-            </a:r>
-          </a:p>
-        </p:txBody>
-      </p:sp>
-      <p:sp>
-        <p:nvSpPr>
-          <p:cNvPr id="3" name="Content Placeholder 2"/>
-          <p:cNvSpPr>
-            <a:spLocks noGrp="1"/>
-          </p:cNvSpPr>
-          <p:nvPr>
-            <p:ph idx="1"/>
-          </p:nvPr>
-        </p:nvSpPr>
-        <p:spPr>
-          <a:xfrm>
-            <a:off x="252197" y="1278145"/>
-            <a:ext cx="8639605" cy="3061542"/>
-          </a:xfrm>
-        </p:spPr>
-        <p:txBody>
-          <a:bodyPr>
-            <a:normAutofit fontScale="92500"/>
-          </a:bodyPr>
-          <a:lstStyle/>
-          <a:p>
-            <a:pPr marL="0" indent="0">
-              <a:buNone/>
-            </a:pPr>
-            <a:r>
-              <a:rPr lang="it-IT" sz="2200" dirty="0" err="1">
-                <a:latin typeface="Courier New" panose="02070309020205020404" pitchFamily="49" charset="0"/>
-                <a:cs typeface="Courier New" panose="02070309020205020404" pitchFamily="49" charset="0"/>
-              </a:rPr>
-              <a:t>data.url</a:t>
-            </a:r>
-            <a:r>
-              <a:rPr lang="it-IT" sz="2200" dirty="0">
-                <a:latin typeface="Courier New" panose="02070309020205020404" pitchFamily="49" charset="0"/>
-                <a:cs typeface="Courier New" panose="02070309020205020404" pitchFamily="49" charset="0"/>
-              </a:rPr>
-              <a:t> &lt;- </a:t>
-            </a:r>
-            <a:r>
-              <a:rPr lang="it-IT" dirty="0">
-                <a:latin typeface="Courier New" panose="02070309020205020404" pitchFamily="49" charset="0"/>
-                <a:cs typeface="Courier New" panose="02070309020205020404" pitchFamily="49" charset="0"/>
-              </a:rPr>
-              <a:t>"</a:t>
-            </a:r>
-            <a:r>
-              <a:rPr lang="it-IT" sz="800" dirty="0">
-                <a:latin typeface="Courier New" panose="02070309020205020404" pitchFamily="49" charset="0"/>
-                <a:cs typeface="Courier New" panose="02070309020205020404" pitchFamily="49" charset="0"/>
-              </a:rPr>
-              <a:t>https://</a:t>
-            </a:r>
-            <a:r>
-              <a:rPr lang="it-IT" sz="800" dirty="0" err="1">
-                <a:latin typeface="Courier New" panose="02070309020205020404" pitchFamily="49" charset="0"/>
-                <a:cs typeface="Courier New" panose="02070309020205020404" pitchFamily="49" charset="0"/>
-              </a:rPr>
-              <a:t>github.com</a:t>
-            </a:r>
-            <a:r>
-              <a:rPr lang="it-IT" sz="800" dirty="0">
-                <a:latin typeface="Courier New" panose="02070309020205020404" pitchFamily="49" charset="0"/>
-                <a:cs typeface="Courier New" panose="02070309020205020404" pitchFamily="49" charset="0"/>
-              </a:rPr>
-              <a:t>/liu3zhenlab/</a:t>
-            </a:r>
-            <a:r>
-              <a:rPr lang="it-IT" sz="800" dirty="0" err="1">
-                <a:latin typeface="Courier New" panose="02070309020205020404" pitchFamily="49" charset="0"/>
-                <a:cs typeface="Courier New" panose="02070309020205020404" pitchFamily="49" charset="0"/>
-              </a:rPr>
-              <a:t>teaching</a:t>
-            </a:r>
-            <a:r>
-              <a:rPr lang="it-IT" sz="800" dirty="0">
-                <a:latin typeface="Courier New" panose="02070309020205020404" pitchFamily="49" charset="0"/>
-                <a:cs typeface="Courier New" panose="02070309020205020404" pitchFamily="49" charset="0"/>
-              </a:rPr>
-              <a:t>/</a:t>
-            </a:r>
-            <a:r>
-              <a:rPr lang="it-IT" sz="800" dirty="0" err="1">
-                <a:latin typeface="Courier New" panose="02070309020205020404" pitchFamily="49" charset="0"/>
-                <a:cs typeface="Courier New" panose="02070309020205020404" pitchFamily="49" charset="0"/>
-              </a:rPr>
-              <a:t>raw</a:t>
-            </a:r>
-            <a:r>
-              <a:rPr lang="it-IT" sz="800" dirty="0">
-                <a:latin typeface="Courier New" panose="02070309020205020404" pitchFamily="49" charset="0"/>
-                <a:cs typeface="Courier New" panose="02070309020205020404" pitchFamily="49" charset="0"/>
-              </a:rPr>
-              <a:t>/</a:t>
-            </a:r>
-            <a:r>
-              <a:rPr lang="it-IT" sz="800" dirty="0" err="1">
-                <a:latin typeface="Courier New" panose="02070309020205020404" pitchFamily="49" charset="0"/>
-                <a:cs typeface="Courier New" panose="02070309020205020404" pitchFamily="49" charset="0"/>
-              </a:rPr>
-              <a:t>refs</a:t>
-            </a:r>
-            <a:r>
-              <a:rPr lang="it-IT" sz="800" dirty="0">
-                <a:latin typeface="Courier New" panose="02070309020205020404" pitchFamily="49" charset="0"/>
-                <a:cs typeface="Courier New" panose="02070309020205020404" pitchFamily="49" charset="0"/>
-              </a:rPr>
-              <a:t>/heads/master/PLPTH813Bioinformatis/2025/3_data/lab07_R/</a:t>
-            </a:r>
-            <a:r>
-              <a:rPr lang="it-IT" sz="800" dirty="0" err="1">
-                <a:latin typeface="Courier New" panose="02070309020205020404" pitchFamily="49" charset="0"/>
-                <a:cs typeface="Courier New" panose="02070309020205020404" pitchFamily="49" charset="0"/>
-              </a:rPr>
-              <a:t>quality.txt</a:t>
-            </a:r>
-            <a:r>
-              <a:rPr lang="it-IT" dirty="0">
-                <a:latin typeface="Courier New" panose="02070309020205020404" pitchFamily="49" charset="0"/>
-                <a:cs typeface="Courier New" panose="02070309020205020404" pitchFamily="49" charset="0"/>
-              </a:rPr>
-              <a:t>"</a:t>
-            </a:r>
-          </a:p>
-          <a:p>
-            <a:pPr marL="0" indent="0">
-              <a:buNone/>
-            </a:pPr>
-            <a:endParaRPr lang="it-IT" dirty="0">
-              <a:latin typeface="Courier New" panose="02070309020205020404" pitchFamily="49" charset="0"/>
-              <a:cs typeface="Courier New" panose="02070309020205020404" pitchFamily="49" charset="0"/>
-            </a:endParaRPr>
-          </a:p>
-          <a:p>
-            <a:pPr marL="0" indent="0">
-              <a:buNone/>
-            </a:pPr>
-            <a:r>
-              <a:rPr lang="it-IT" dirty="0">
-                <a:latin typeface="Courier New" panose="02070309020205020404" pitchFamily="49" charset="0"/>
-                <a:cs typeface="Courier New" panose="02070309020205020404" pitchFamily="49" charset="0"/>
-              </a:rPr>
-              <a:t>qual0 &lt;- </a:t>
-            </a:r>
-            <a:r>
-              <a:rPr lang="it-IT" dirty="0" err="1">
-                <a:latin typeface="Courier New" panose="02070309020205020404" pitchFamily="49" charset="0"/>
-                <a:cs typeface="Courier New" panose="02070309020205020404" pitchFamily="49" charset="0"/>
-              </a:rPr>
-              <a:t>read.delim</a:t>
-            </a:r>
-            <a:r>
-              <a:rPr lang="it-IT" dirty="0">
-                <a:latin typeface="Courier New" panose="02070309020205020404" pitchFamily="49" charset="0"/>
-                <a:cs typeface="Courier New" panose="02070309020205020404" pitchFamily="49" charset="0"/>
-              </a:rPr>
-              <a:t>(</a:t>
-            </a:r>
-            <a:r>
-              <a:rPr lang="it-IT" dirty="0" err="1">
-                <a:latin typeface="Courier New" panose="02070309020205020404" pitchFamily="49" charset="0"/>
-                <a:cs typeface="Courier New" panose="02070309020205020404" pitchFamily="49" charset="0"/>
-              </a:rPr>
-              <a:t>data.url</a:t>
-            </a:r>
-            <a:r>
-              <a:rPr lang="it-IT" dirty="0">
-                <a:latin typeface="Courier New" panose="02070309020205020404" pitchFamily="49" charset="0"/>
-                <a:cs typeface="Courier New" panose="02070309020205020404" pitchFamily="49" charset="0"/>
-              </a:rPr>
-              <a:t>)</a:t>
-            </a:r>
-            <a:endParaRPr lang="en-US" dirty="0">
-              <a:latin typeface="Courier New" panose="02070309020205020404" pitchFamily="49" charset="0"/>
-              <a:cs typeface="Courier New" panose="02070309020205020404" pitchFamily="49" charset="0"/>
-            </a:endParaRPr>
-          </a:p>
-          <a:p>
-            <a:pPr marL="0" indent="0">
-              <a:buNone/>
-            </a:pPr>
-            <a:endParaRPr lang="it-IT" dirty="0">
-              <a:latin typeface="Courier New" panose="02070309020205020404" pitchFamily="49" charset="0"/>
-              <a:cs typeface="Courier New" panose="02070309020205020404" pitchFamily="49" charset="0"/>
-            </a:endParaRPr>
-          </a:p>
-          <a:p>
-            <a:pPr marL="0" indent="0">
-              <a:buNone/>
-            </a:pPr>
-            <a:r>
-              <a:rPr lang="it-IT" dirty="0">
-                <a:latin typeface="Courier New" panose="02070309020205020404" pitchFamily="49" charset="0"/>
-                <a:cs typeface="Courier New" panose="02070309020205020404" pitchFamily="49" charset="0"/>
-              </a:rPr>
-              <a:t>qual &lt;- </a:t>
-            </a:r>
-            <a:r>
-              <a:rPr lang="it-IT" dirty="0" err="1">
-                <a:latin typeface="Courier New" panose="02070309020205020404" pitchFamily="49" charset="0"/>
-                <a:cs typeface="Courier New" panose="02070309020205020404" pitchFamily="49" charset="0"/>
-              </a:rPr>
-              <a:t>read.delim</a:t>
-            </a:r>
-            <a:r>
-              <a:rPr lang="it-IT" dirty="0">
-                <a:latin typeface="Courier New" panose="02070309020205020404" pitchFamily="49" charset="0"/>
-                <a:cs typeface="Courier New" panose="02070309020205020404" pitchFamily="49" charset="0"/>
-              </a:rPr>
-              <a:t>(</a:t>
-            </a:r>
-            <a:r>
-              <a:rPr lang="it-IT" dirty="0" err="1">
-                <a:latin typeface="Courier New" panose="02070309020205020404" pitchFamily="49" charset="0"/>
-                <a:cs typeface="Courier New" panose="02070309020205020404" pitchFamily="49" charset="0"/>
-              </a:rPr>
-              <a:t>data.url</a:t>
-            </a:r>
-            <a:r>
-              <a:rPr lang="it-IT" dirty="0">
-                <a:latin typeface="Courier New" panose="02070309020205020404" pitchFamily="49" charset="0"/>
-                <a:cs typeface="Courier New" panose="02070309020205020404" pitchFamily="49" charset="0"/>
-              </a:rPr>
-              <a:t>, </a:t>
-            </a:r>
-            <a:r>
-              <a:rPr lang="it-IT" dirty="0" err="1">
-                <a:latin typeface="Courier New" panose="02070309020205020404" pitchFamily="49" charset="0"/>
-                <a:cs typeface="Courier New" panose="02070309020205020404" pitchFamily="49" charset="0"/>
-              </a:rPr>
-              <a:t>sep</a:t>
-            </a:r>
-            <a:r>
-              <a:rPr lang="it-IT" dirty="0">
-                <a:latin typeface="Courier New" panose="02070309020205020404" pitchFamily="49" charset="0"/>
-                <a:cs typeface="Courier New" panose="02070309020205020404" pitchFamily="49" charset="0"/>
-              </a:rPr>
-              <a:t>="\t",</a:t>
-            </a:r>
-          </a:p>
-          <a:p>
-            <a:pPr marL="0" indent="0">
-              <a:buNone/>
-            </a:pPr>
-            <a:r>
-              <a:rPr lang="it-IT" dirty="0">
-                <a:latin typeface="Courier New" panose="02070309020205020404" pitchFamily="49" charset="0"/>
-                <a:cs typeface="Courier New" panose="02070309020205020404" pitchFamily="49" charset="0"/>
-              </a:rPr>
-              <a:t>                   </a:t>
-            </a:r>
-            <a:r>
-              <a:rPr lang="it-IT" dirty="0" err="1">
-                <a:latin typeface="Courier New" panose="02070309020205020404" pitchFamily="49" charset="0"/>
-                <a:cs typeface="Courier New" panose="02070309020205020404" pitchFamily="49" charset="0"/>
-              </a:rPr>
-              <a:t>as.is</a:t>
-            </a:r>
-            <a:r>
-              <a:rPr lang="it-IT" dirty="0">
-                <a:latin typeface="Courier New" panose="02070309020205020404" pitchFamily="49" charset="0"/>
-                <a:cs typeface="Courier New" panose="02070309020205020404" pitchFamily="49" charset="0"/>
-              </a:rPr>
-              <a:t>=T, </a:t>
-            </a:r>
-            <a:r>
-              <a:rPr lang="it-IT" dirty="0" err="1">
-                <a:latin typeface="Courier New" panose="02070309020205020404" pitchFamily="49" charset="0"/>
-                <a:cs typeface="Courier New" panose="02070309020205020404" pitchFamily="49" charset="0"/>
-              </a:rPr>
-              <a:t>stringsAsFactors</a:t>
-            </a:r>
-            <a:r>
-              <a:rPr lang="it-IT" dirty="0">
-                <a:latin typeface="Courier New" panose="02070309020205020404" pitchFamily="49" charset="0"/>
-                <a:cs typeface="Courier New" panose="02070309020205020404" pitchFamily="49" charset="0"/>
-              </a:rPr>
-              <a:t>=</a:t>
-            </a:r>
-            <a:r>
-              <a:rPr lang="it-IT" dirty="0" err="1">
-                <a:latin typeface="Courier New" panose="02070309020205020404" pitchFamily="49" charset="0"/>
-                <a:cs typeface="Courier New" panose="02070309020205020404" pitchFamily="49" charset="0"/>
-              </a:rPr>
-              <a:t>F</a:t>
-            </a:r>
-            <a:r>
-              <a:rPr lang="it-IT" dirty="0">
-                <a:latin typeface="Courier New" panose="02070309020205020404" pitchFamily="49" charset="0"/>
-                <a:cs typeface="Courier New" panose="02070309020205020404" pitchFamily="49" charset="0"/>
-              </a:rPr>
-              <a:t>,</a:t>
-            </a:r>
-          </a:p>
-          <a:p>
-            <a:pPr marL="0" indent="0">
-              <a:buNone/>
-            </a:pPr>
-            <a:r>
-              <a:rPr lang="it-IT" dirty="0">
-                <a:latin typeface="Courier New" panose="02070309020205020404" pitchFamily="49" charset="0"/>
-                <a:cs typeface="Courier New" panose="02070309020205020404" pitchFamily="49" charset="0"/>
-              </a:rPr>
-              <a:t>                   quote="{|}~")</a:t>
-            </a:r>
-            <a:endParaRPr lang="en-US" dirty="0">
-              <a:latin typeface="Courier New" panose="02070309020205020404" pitchFamily="49" charset="0"/>
-              <a:cs typeface="Courier New" panose="02070309020205020404" pitchFamily="49" charset="0"/>
-            </a:endParaRPr>
-          </a:p>
-        </p:txBody>
-      </p:sp>
-    </p:spTree>
-    <p:extLst>
-      <p:ext uri="{BB962C8B-B14F-4D97-AF65-F5344CB8AC3E}">
-        <p14:creationId xmlns:p14="http://schemas.microsoft.com/office/powerpoint/2010/main" val="3382513969"/>
-      </p:ext>
-    </p:extLst>
-  </p:cSld>
-  <p:clrMapOvr>
-    <a:masterClrMapping/>
-  </p:clrMapOvr>
-</p:sld>
-</file>
-
-<file path=ppt/slides/slide27.xml><?xml version="1.0" encoding="utf-8"?>
-<p:sld xmlns:a="http://schemas.openxmlformats.org/drawingml/2006/main" xmlns:r="http://schemas.openxmlformats.org/officeDocument/2006/relationships" xmlns:p="http://schemas.openxmlformats.org/presentationml/2006/main">
-  <p:cSld>
-    <p:spTree>
-      <p:nvGrpSpPr>
-        <p:cNvPr id="1" name=""/>
-        <p:cNvGrpSpPr/>
-        <p:nvPr/>
-      </p:nvGrpSpPr>
-      <p:grpSpPr>
-        <a:xfrm>
-          <a:off x="0" y="0"/>
-          <a:ext cx="0" cy="0"/>
-          <a:chOff x="0" y="0"/>
-          <a:chExt cx="0" cy="0"/>
-        </a:xfrm>
-      </p:grpSpPr>
-      <p:sp>
-        <p:nvSpPr>
-          <p:cNvPr id="2" name="Title 1"/>
-          <p:cNvSpPr>
-            <a:spLocks noGrp="1"/>
-          </p:cNvSpPr>
-          <p:nvPr>
-            <p:ph type="title"/>
-          </p:nvPr>
-        </p:nvSpPr>
-        <p:spPr>
-          <a:xfrm>
-            <a:off x="457200" y="205978"/>
             <a:ext cx="8229600" cy="777869"/>
           </a:xfrm>
         </p:spPr>
@@ -12946,7 +12743,7 @@
 </p:sld>
 </file>
 
-<file path=ppt/slides/slide28.xml><?xml version="1.0" encoding="utf-8"?>
+<file path=ppt/slides/slide27.xml><?xml version="1.0" encoding="utf-8"?>
 <p:sld xmlns:a="http://schemas.openxmlformats.org/drawingml/2006/main" xmlns:r="http://schemas.openxmlformats.org/officeDocument/2006/relationships" xmlns:p="http://schemas.openxmlformats.org/presentationml/2006/main">
   <p:cSld>
     <p:spTree>
@@ -13196,6 +12993,212 @@
 </p:sld>
 </file>
 
+<file path=ppt/slides/slide28.xml><?xml version="1.0" encoding="utf-8"?>
+<p:sld xmlns:a="http://schemas.openxmlformats.org/drawingml/2006/main" xmlns:r="http://schemas.openxmlformats.org/officeDocument/2006/relationships" xmlns:p="http://schemas.openxmlformats.org/presentationml/2006/main">
+  <p:cSld>
+    <p:spTree>
+      <p:nvGrpSpPr>
+        <p:cNvPr id="1" name=""/>
+        <p:cNvGrpSpPr/>
+        <p:nvPr/>
+      </p:nvGrpSpPr>
+      <p:grpSpPr>
+        <a:xfrm>
+          <a:off x="0" y="0"/>
+          <a:ext cx="0" cy="0"/>
+          <a:chOff x="0" y="0"/>
+          <a:chExt cx="0" cy="0"/>
+        </a:xfrm>
+      </p:grpSpPr>
+      <p:sp>
+        <p:nvSpPr>
+          <p:cNvPr id="2" name="Title 1"/>
+          <p:cNvSpPr>
+            <a:spLocks noGrp="1"/>
+          </p:cNvSpPr>
+          <p:nvPr>
+            <p:ph type="title"/>
+          </p:nvPr>
+        </p:nvSpPr>
+        <p:spPr/>
+        <p:txBody>
+          <a:bodyPr/>
+          <a:lstStyle/>
+          <a:p>
+            <a:r>
+              <a:rPr lang="en-US" dirty="0"/>
+              <a:t>Convert quality codes to quality scores</a:t>
+            </a:r>
+          </a:p>
+        </p:txBody>
+      </p:sp>
+      <p:sp>
+        <p:nvSpPr>
+          <p:cNvPr id="3" name="Content Placeholder 2"/>
+          <p:cNvSpPr>
+            <a:spLocks noGrp="1"/>
+          </p:cNvSpPr>
+          <p:nvPr>
+            <p:ph idx="1"/>
+          </p:nvPr>
+        </p:nvSpPr>
+        <p:spPr>
+          <a:xfrm>
+            <a:off x="267037" y="1696026"/>
+            <a:ext cx="8796043" cy="1485324"/>
+          </a:xfrm>
+        </p:spPr>
+        <p:txBody>
+          <a:bodyPr>
+            <a:normAutofit/>
+          </a:bodyPr>
+          <a:lstStyle/>
+          <a:p>
+            <a:pPr marL="0" indent="0">
+              <a:buNone/>
+            </a:pPr>
+            <a:r>
+              <a:rPr lang="en-US" sz="1800" dirty="0" err="1">
+                <a:latin typeface="Courier New" panose="02070309020205020404" pitchFamily="49" charset="0"/>
+                <a:cs typeface="Courier New" panose="02070309020205020404" pitchFamily="49" charset="0"/>
+              </a:rPr>
+              <a:t>illumina</a:t>
+            </a:r>
+            <a:r>
+              <a:rPr lang="en-US" sz="1800" dirty="0">
+                <a:latin typeface="Courier New" panose="02070309020205020404" pitchFamily="49" charset="0"/>
+                <a:cs typeface="Courier New" panose="02070309020205020404" pitchFamily="49" charset="0"/>
+              </a:rPr>
+              <a:t> &lt;- </a:t>
+            </a:r>
+            <a:r>
+              <a:rPr lang="en-US" sz="1800" dirty="0" err="1">
+                <a:latin typeface="Courier New" panose="02070309020205020404" pitchFamily="49" charset="0"/>
+                <a:cs typeface="Courier New" panose="02070309020205020404" pitchFamily="49" charset="0"/>
+              </a:rPr>
+              <a:t>as.numeric</a:t>
+            </a:r>
+            <a:r>
+              <a:rPr lang="en-US" sz="1800" dirty="0">
+                <a:latin typeface="Courier New" panose="02070309020205020404" pitchFamily="49" charset="0"/>
+                <a:cs typeface="Courier New" panose="02070309020205020404" pitchFamily="49" charset="0"/>
+              </a:rPr>
+              <a:t>(</a:t>
+            </a:r>
+            <a:r>
+              <a:rPr lang="en-US" sz="1800" dirty="0" err="1">
+                <a:latin typeface="Courier New" panose="02070309020205020404" pitchFamily="49" charset="0"/>
+                <a:cs typeface="Courier New" panose="02070309020205020404" pitchFamily="49" charset="0"/>
+              </a:rPr>
+              <a:t>charToRaw</a:t>
+            </a:r>
+            <a:r>
+              <a:rPr lang="en-US" sz="1800" dirty="0">
+                <a:latin typeface="Courier New" panose="02070309020205020404" pitchFamily="49" charset="0"/>
+                <a:cs typeface="Courier New" panose="02070309020205020404" pitchFamily="49" charset="0"/>
+              </a:rPr>
+              <a:t>(</a:t>
+            </a:r>
+            <a:r>
+              <a:rPr lang="en-US" sz="1800" dirty="0" err="1">
+                <a:latin typeface="Courier New" panose="02070309020205020404" pitchFamily="49" charset="0"/>
+                <a:cs typeface="Courier New" panose="02070309020205020404" pitchFamily="49" charset="0"/>
+              </a:rPr>
+              <a:t>as.character</a:t>
+            </a:r>
+            <a:r>
+              <a:rPr lang="en-US" sz="1800" dirty="0">
+                <a:latin typeface="Courier New" panose="02070309020205020404" pitchFamily="49" charset="0"/>
+                <a:cs typeface="Courier New" panose="02070309020205020404" pitchFamily="49" charset="0"/>
+              </a:rPr>
+              <a:t>(qual[1, 2])))-33</a:t>
+            </a:r>
+          </a:p>
+          <a:p>
+            <a:pPr marL="0" indent="0">
+              <a:buNone/>
+            </a:pPr>
+            <a:r>
+              <a:rPr lang="en-US" sz="1800" dirty="0" err="1">
+                <a:latin typeface="Courier New" panose="02070309020205020404" pitchFamily="49" charset="0"/>
+                <a:cs typeface="Courier New" panose="02070309020205020404" pitchFamily="49" charset="0"/>
+              </a:rPr>
+              <a:t>pacbio</a:t>
+            </a:r>
+            <a:r>
+              <a:rPr lang="en-US" sz="1800" dirty="0">
+                <a:latin typeface="Courier New" panose="02070309020205020404" pitchFamily="49" charset="0"/>
+                <a:cs typeface="Courier New" panose="02070309020205020404" pitchFamily="49" charset="0"/>
+              </a:rPr>
+              <a:t> &lt;- </a:t>
+            </a:r>
+            <a:r>
+              <a:rPr lang="en-US" sz="1800" dirty="0" err="1">
+                <a:latin typeface="Courier New" panose="02070309020205020404" pitchFamily="49" charset="0"/>
+                <a:cs typeface="Courier New" panose="02070309020205020404" pitchFamily="49" charset="0"/>
+              </a:rPr>
+              <a:t>as.numeric</a:t>
+            </a:r>
+            <a:r>
+              <a:rPr lang="en-US" sz="1800" dirty="0">
+                <a:latin typeface="Courier New" panose="02070309020205020404" pitchFamily="49" charset="0"/>
+                <a:cs typeface="Courier New" panose="02070309020205020404" pitchFamily="49" charset="0"/>
+              </a:rPr>
+              <a:t>(</a:t>
+            </a:r>
+            <a:r>
+              <a:rPr lang="en-US" sz="1800" dirty="0" err="1">
+                <a:latin typeface="Courier New" panose="02070309020205020404" pitchFamily="49" charset="0"/>
+                <a:cs typeface="Courier New" panose="02070309020205020404" pitchFamily="49" charset="0"/>
+              </a:rPr>
+              <a:t>charToRaw</a:t>
+            </a:r>
+            <a:r>
+              <a:rPr lang="en-US" sz="1800" dirty="0">
+                <a:latin typeface="Courier New" panose="02070309020205020404" pitchFamily="49" charset="0"/>
+                <a:cs typeface="Courier New" panose="02070309020205020404" pitchFamily="49" charset="0"/>
+              </a:rPr>
+              <a:t>(</a:t>
+            </a:r>
+            <a:r>
+              <a:rPr lang="en-US" sz="1800" dirty="0" err="1">
+                <a:latin typeface="Courier New" panose="02070309020205020404" pitchFamily="49" charset="0"/>
+                <a:cs typeface="Courier New" panose="02070309020205020404" pitchFamily="49" charset="0"/>
+              </a:rPr>
+              <a:t>as.character</a:t>
+            </a:r>
+            <a:r>
+              <a:rPr lang="en-US" sz="1800" dirty="0">
+                <a:latin typeface="Courier New" panose="02070309020205020404" pitchFamily="49" charset="0"/>
+                <a:cs typeface="Courier New" panose="02070309020205020404" pitchFamily="49" charset="0"/>
+              </a:rPr>
+              <a:t>(qual[2, 2])))-33</a:t>
+            </a:r>
+          </a:p>
+          <a:p>
+            <a:pPr marL="0" indent="0">
+              <a:buNone/>
+            </a:pPr>
+            <a:endParaRPr lang="en-US" sz="1800" dirty="0">
+              <a:latin typeface="Courier New" panose="02070309020205020404" pitchFamily="49" charset="0"/>
+              <a:cs typeface="Courier New" panose="02070309020205020404" pitchFamily="49" charset="0"/>
+            </a:endParaRPr>
+          </a:p>
+        </p:txBody>
+      </p:sp>
+    </p:spTree>
+    <p:extLst>
+      <p:ext uri="{BB962C8B-B14F-4D97-AF65-F5344CB8AC3E}">
+        <p14:creationId xmlns:p14="http://schemas.microsoft.com/office/powerpoint/2010/main" val="1169317205"/>
+      </p:ext>
+    </p:extLst>
+  </p:cSld>
+  <p:clrMapOvr>
+    <a:masterClrMapping/>
+  </p:clrMapOvr>
+</p:sld>
+</file>
+
 <file path=ppt/slides/slide29.xml><?xml version="1.0" encoding="utf-8"?>
 <p:sld xmlns:a="http://schemas.openxmlformats.org/drawingml/2006/main" xmlns:r="http://schemas.openxmlformats.org/officeDocument/2006/relationships" xmlns:p="http://schemas.openxmlformats.org/presentationml/2006/main">
   <p:cSld>
@@ -13230,7 +13233,7 @@
           <a:p>
             <a:r>
               <a:rPr lang="en-US" dirty="0"/>
-              <a:t>Convert quality codes to quality scores</a:t>
+              <a:t>Plotting</a:t>
             </a:r>
           </a:p>
         </p:txBody>
@@ -13247,8 +13250,8 @@
         </p:nvSpPr>
         <p:spPr>
           <a:xfrm>
-            <a:off x="267037" y="1696026"/>
-            <a:ext cx="8796043" cy="1485324"/>
+            <a:off x="228600" y="1116701"/>
+            <a:ext cx="8686800" cy="3417402"/>
           </a:xfrm>
         </p:spPr>
         <p:txBody>
@@ -13261,138 +13264,472 @@
               <a:buNone/>
             </a:pPr>
             <a:r>
-              <a:rPr lang="en-US" sz="1800" dirty="0" err="1">
-                <a:latin typeface="Courier New" panose="02070309020205020404" pitchFamily="49" charset="0"/>
-                <a:cs typeface="Courier New" panose="02070309020205020404" pitchFamily="49" charset="0"/>
-              </a:rPr>
-              <a:t>illumina</a:t>
-            </a:r>
-            <a:r>
-              <a:rPr lang="en-US" sz="1800" dirty="0">
-                <a:latin typeface="Courier New" panose="02070309020205020404" pitchFamily="49" charset="0"/>
-                <a:cs typeface="Courier New" panose="02070309020205020404" pitchFamily="49" charset="0"/>
-              </a:rPr>
-              <a:t> &lt;- </a:t>
-            </a:r>
-            <a:r>
-              <a:rPr lang="en-US" sz="1800" dirty="0" err="1">
-                <a:latin typeface="Courier New" panose="02070309020205020404" pitchFamily="49" charset="0"/>
-                <a:cs typeface="Courier New" panose="02070309020205020404" pitchFamily="49" charset="0"/>
-              </a:rPr>
-              <a:t>as.numeric</a:t>
-            </a:r>
-            <a:r>
-              <a:rPr lang="en-US" sz="1800" dirty="0">
-                <a:latin typeface="Courier New" panose="02070309020205020404" pitchFamily="49" charset="0"/>
-                <a:cs typeface="Courier New" panose="02070309020205020404" pitchFamily="49" charset="0"/>
-              </a:rPr>
-              <a:t>(</a:t>
-            </a:r>
-            <a:r>
-              <a:rPr lang="en-US" sz="1800" dirty="0" err="1">
-                <a:latin typeface="Courier New" panose="02070309020205020404" pitchFamily="49" charset="0"/>
-                <a:cs typeface="Courier New" panose="02070309020205020404" pitchFamily="49" charset="0"/>
-              </a:rPr>
-              <a:t>charToRaw</a:t>
-            </a:r>
-            <a:r>
-              <a:rPr lang="en-US" sz="1800" dirty="0">
-                <a:latin typeface="Courier New" panose="02070309020205020404" pitchFamily="49" charset="0"/>
-                <a:cs typeface="Courier New" panose="02070309020205020404" pitchFamily="49" charset="0"/>
-              </a:rPr>
-              <a:t>(</a:t>
-            </a:r>
-            <a:r>
-              <a:rPr lang="en-US" sz="1800" dirty="0" err="1">
-                <a:latin typeface="Courier New" panose="02070309020205020404" pitchFamily="49" charset="0"/>
-                <a:cs typeface="Courier New" panose="02070309020205020404" pitchFamily="49" charset="0"/>
-              </a:rPr>
-              <a:t>as.character</a:t>
-            </a:r>
-            <a:r>
-              <a:rPr lang="en-US" sz="1800" dirty="0">
-                <a:latin typeface="Courier New" panose="02070309020205020404" pitchFamily="49" charset="0"/>
-                <a:cs typeface="Courier New" panose="02070309020205020404" pitchFamily="49" charset="0"/>
-              </a:rPr>
-              <a:t>(qual[1, 2])))-33</a:t>
-            </a:r>
-          </a:p>
-          <a:p>
-            <a:pPr marL="0" indent="0">
-              <a:buNone/>
-            </a:pPr>
-            <a:r>
-              <a:rPr lang="en-US" sz="1800" dirty="0" err="1">
-                <a:latin typeface="Courier New" panose="02070309020205020404" pitchFamily="49" charset="0"/>
-                <a:cs typeface="Courier New" panose="02070309020205020404" pitchFamily="49" charset="0"/>
-              </a:rPr>
-              <a:t>pacbio</a:t>
-            </a:r>
-            <a:r>
-              <a:rPr lang="en-US" sz="1800" dirty="0">
-                <a:latin typeface="Courier New" panose="02070309020205020404" pitchFamily="49" charset="0"/>
-                <a:cs typeface="Courier New" panose="02070309020205020404" pitchFamily="49" charset="0"/>
-              </a:rPr>
-              <a:t> &lt;- </a:t>
-            </a:r>
-            <a:r>
-              <a:rPr lang="en-US" sz="1800" dirty="0" err="1">
-                <a:latin typeface="Courier New" panose="02070309020205020404" pitchFamily="49" charset="0"/>
-                <a:cs typeface="Courier New" panose="02070309020205020404" pitchFamily="49" charset="0"/>
-              </a:rPr>
-              <a:t>as.numeric</a:t>
-            </a:r>
-            <a:r>
-              <a:rPr lang="en-US" sz="1800" dirty="0">
-                <a:latin typeface="Courier New" panose="02070309020205020404" pitchFamily="49" charset="0"/>
-                <a:cs typeface="Courier New" panose="02070309020205020404" pitchFamily="49" charset="0"/>
-              </a:rPr>
-              <a:t>(</a:t>
-            </a:r>
-            <a:r>
-              <a:rPr lang="en-US" sz="1800" dirty="0" err="1">
-                <a:latin typeface="Courier New" panose="02070309020205020404" pitchFamily="49" charset="0"/>
-                <a:cs typeface="Courier New" panose="02070309020205020404" pitchFamily="49" charset="0"/>
-              </a:rPr>
-              <a:t>charToRaw</a:t>
-            </a:r>
-            <a:r>
-              <a:rPr lang="en-US" sz="1800" dirty="0">
-                <a:latin typeface="Courier New" panose="02070309020205020404" pitchFamily="49" charset="0"/>
-                <a:cs typeface="Courier New" panose="02070309020205020404" pitchFamily="49" charset="0"/>
-              </a:rPr>
-              <a:t>(</a:t>
-            </a:r>
-            <a:r>
-              <a:rPr lang="en-US" sz="1800" dirty="0" err="1">
-                <a:latin typeface="Courier New" panose="02070309020205020404" pitchFamily="49" charset="0"/>
-                <a:cs typeface="Courier New" panose="02070309020205020404" pitchFamily="49" charset="0"/>
-              </a:rPr>
-              <a:t>as.character</a:t>
-            </a:r>
-            <a:r>
-              <a:rPr lang="en-US" sz="1800" dirty="0">
-                <a:latin typeface="Courier New" panose="02070309020205020404" pitchFamily="49" charset="0"/>
-                <a:cs typeface="Courier New" panose="02070309020205020404" pitchFamily="49" charset="0"/>
-              </a:rPr>
-              <a:t>(qual[2, 2])))-33</a:t>
-            </a:r>
-          </a:p>
-          <a:p>
-            <a:pPr marL="0" indent="0">
-              <a:buNone/>
-            </a:pPr>
-            <a:endParaRPr lang="en-US" sz="1800" dirty="0">
+              <a:rPr lang="pl-PL" sz="2000" dirty="0">
+                <a:latin typeface="Courier New" panose="02070309020205020404" pitchFamily="49" charset="0"/>
+                <a:cs typeface="Courier New" panose="02070309020205020404" pitchFamily="49" charset="0"/>
+              </a:rPr>
+              <a:t>### </a:t>
+            </a:r>
+            <a:r>
+              <a:rPr lang="pl-PL" sz="2000" dirty="0" err="1">
+                <a:latin typeface="Courier New" panose="02070309020205020404" pitchFamily="49" charset="0"/>
+                <a:cs typeface="Courier New" panose="02070309020205020404" pitchFamily="49" charset="0"/>
+              </a:rPr>
+              <a:t>Illumina</a:t>
+            </a:r>
+            <a:r>
+              <a:rPr lang="pl-PL" sz="2000" dirty="0">
+                <a:latin typeface="Courier New" panose="02070309020205020404" pitchFamily="49" charset="0"/>
+                <a:cs typeface="Courier New" panose="02070309020205020404" pitchFamily="49" charset="0"/>
+              </a:rPr>
+              <a:t> </a:t>
+            </a:r>
+            <a:r>
+              <a:rPr lang="pl-PL" sz="2000" dirty="0" err="1">
+                <a:latin typeface="Courier New" panose="02070309020205020404" pitchFamily="49" charset="0"/>
+                <a:cs typeface="Courier New" panose="02070309020205020404" pitchFamily="49" charset="0"/>
+              </a:rPr>
+              <a:t>quality</a:t>
+            </a:r>
+            <a:endParaRPr lang="pl-PL" sz="2000" dirty="0">
               <a:latin typeface="Courier New" panose="02070309020205020404" pitchFamily="49" charset="0"/>
               <a:cs typeface="Courier New" panose="02070309020205020404" pitchFamily="49" charset="0"/>
             </a:endParaRPr>
           </a:p>
+          <a:p>
+            <a:pPr marL="0" indent="0">
+              <a:buNone/>
+            </a:pPr>
+            <a:r>
+              <a:rPr lang="pl-PL" sz="2000" dirty="0">
+                <a:latin typeface="Courier New" panose="02070309020205020404" pitchFamily="49" charset="0"/>
+                <a:cs typeface="Courier New" panose="02070309020205020404" pitchFamily="49" charset="0"/>
+              </a:rPr>
+              <a:t>plot(1:nchar(</a:t>
+            </a:r>
+            <a:r>
+              <a:rPr lang="pl-PL" sz="2000" dirty="0" err="1">
+                <a:latin typeface="Courier New" panose="02070309020205020404" pitchFamily="49" charset="0"/>
+                <a:cs typeface="Courier New" panose="02070309020205020404" pitchFamily="49" charset="0"/>
+              </a:rPr>
+              <a:t>qual</a:t>
+            </a:r>
+            <a:r>
+              <a:rPr lang="pl-PL" sz="2000" dirty="0">
+                <a:latin typeface="Courier New" panose="02070309020205020404" pitchFamily="49" charset="0"/>
+                <a:cs typeface="Courier New" panose="02070309020205020404" pitchFamily="49" charset="0"/>
+              </a:rPr>
+              <a:t>[1, 2]), </a:t>
+            </a:r>
+            <a:r>
+              <a:rPr lang="pl-PL" sz="2000" dirty="0" err="1">
+                <a:latin typeface="Courier New" panose="02070309020205020404" pitchFamily="49" charset="0"/>
+                <a:cs typeface="Courier New" panose="02070309020205020404" pitchFamily="49" charset="0"/>
+              </a:rPr>
+              <a:t>illumina</a:t>
+            </a:r>
+            <a:r>
+              <a:rPr lang="pl-PL" sz="2000" dirty="0">
+                <a:latin typeface="Courier New" panose="02070309020205020404" pitchFamily="49" charset="0"/>
+                <a:cs typeface="Courier New" panose="02070309020205020404" pitchFamily="49" charset="0"/>
+              </a:rPr>
+              <a:t>, </a:t>
+            </a:r>
+            <a:r>
+              <a:rPr lang="pl-PL" sz="2000" dirty="0" err="1">
+                <a:latin typeface="Courier New" panose="02070309020205020404" pitchFamily="49" charset="0"/>
+                <a:cs typeface="Courier New" panose="02070309020205020404" pitchFamily="49" charset="0"/>
+              </a:rPr>
+              <a:t>pch</a:t>
+            </a:r>
+            <a:r>
+              <a:rPr lang="pl-PL" sz="2000" dirty="0">
+                <a:latin typeface="Courier New" panose="02070309020205020404" pitchFamily="49" charset="0"/>
+                <a:cs typeface="Courier New" panose="02070309020205020404" pitchFamily="49" charset="0"/>
+              </a:rPr>
+              <a:t>=19, </a:t>
+            </a:r>
+            <a:r>
+              <a:rPr lang="pl-PL" sz="2000" dirty="0" err="1">
+                <a:latin typeface="Courier New" panose="02070309020205020404" pitchFamily="49" charset="0"/>
+                <a:cs typeface="Courier New" panose="02070309020205020404" pitchFamily="49" charset="0"/>
+              </a:rPr>
+              <a:t>cex</a:t>
+            </a:r>
+            <a:r>
+              <a:rPr lang="pl-PL" sz="2000" dirty="0">
+                <a:latin typeface="Courier New" panose="02070309020205020404" pitchFamily="49" charset="0"/>
+                <a:cs typeface="Courier New" panose="02070309020205020404" pitchFamily="49" charset="0"/>
+              </a:rPr>
+              <a:t>=0.2, </a:t>
+            </a:r>
+            <a:r>
+              <a:rPr lang="pl-PL" sz="2000" dirty="0" err="1">
+                <a:latin typeface="Courier New" panose="02070309020205020404" pitchFamily="49" charset="0"/>
+                <a:cs typeface="Courier New" panose="02070309020205020404" pitchFamily="49" charset="0"/>
+              </a:rPr>
+              <a:t>main</a:t>
+            </a:r>
+            <a:r>
+              <a:rPr lang="pl-PL" sz="2000" dirty="0">
+                <a:latin typeface="Courier New" panose="02070309020205020404" pitchFamily="49" charset="0"/>
+                <a:cs typeface="Courier New" panose="02070309020205020404" pitchFamily="49" charset="0"/>
+              </a:rPr>
+              <a:t>="</a:t>
+            </a:r>
+            <a:r>
+              <a:rPr lang="pl-PL" sz="2000" dirty="0" err="1">
+                <a:latin typeface="Courier New" panose="02070309020205020404" pitchFamily="49" charset="0"/>
+                <a:cs typeface="Courier New" panose="02070309020205020404" pitchFamily="49" charset="0"/>
+              </a:rPr>
+              <a:t>Illumina</a:t>
+            </a:r>
+            <a:r>
+              <a:rPr lang="pl-PL" sz="2000" dirty="0">
+                <a:latin typeface="Courier New" panose="02070309020205020404" pitchFamily="49" charset="0"/>
+                <a:cs typeface="Courier New" panose="02070309020205020404" pitchFamily="49" charset="0"/>
+              </a:rPr>
+              <a:t>", </a:t>
+            </a:r>
+            <a:r>
+              <a:rPr lang="pl-PL" sz="2000" dirty="0" err="1">
+                <a:latin typeface="Courier New" panose="02070309020205020404" pitchFamily="49" charset="0"/>
+                <a:cs typeface="Courier New" panose="02070309020205020404" pitchFamily="49" charset="0"/>
+              </a:rPr>
+              <a:t>xlab</a:t>
+            </a:r>
+            <a:r>
+              <a:rPr lang="pl-PL" sz="2000" dirty="0">
+                <a:latin typeface="Courier New" panose="02070309020205020404" pitchFamily="49" charset="0"/>
+                <a:cs typeface="Courier New" panose="02070309020205020404" pitchFamily="49" charset="0"/>
+              </a:rPr>
+              <a:t>="</a:t>
+            </a:r>
+            <a:r>
+              <a:rPr lang="pl-PL" sz="2000" dirty="0" err="1">
+                <a:latin typeface="Courier New" panose="02070309020205020404" pitchFamily="49" charset="0"/>
+                <a:cs typeface="Courier New" panose="02070309020205020404" pitchFamily="49" charset="0"/>
+              </a:rPr>
+              <a:t>Pos</a:t>
+            </a:r>
+            <a:r>
+              <a:rPr lang="pl-PL" sz="2000" dirty="0">
+                <a:latin typeface="Courier New" panose="02070309020205020404" pitchFamily="49" charset="0"/>
+                <a:cs typeface="Courier New" panose="02070309020205020404" pitchFamily="49" charset="0"/>
+              </a:rPr>
+              <a:t> on </a:t>
+            </a:r>
+            <a:r>
+              <a:rPr lang="pl-PL" sz="2000" dirty="0" err="1">
+                <a:latin typeface="Courier New" panose="02070309020205020404" pitchFamily="49" charset="0"/>
+                <a:cs typeface="Courier New" panose="02070309020205020404" pitchFamily="49" charset="0"/>
+              </a:rPr>
+              <a:t>read</a:t>
+            </a:r>
+            <a:r>
+              <a:rPr lang="pl-PL" sz="2000" dirty="0">
+                <a:latin typeface="Courier New" panose="02070309020205020404" pitchFamily="49" charset="0"/>
+                <a:cs typeface="Courier New" panose="02070309020205020404" pitchFamily="49" charset="0"/>
+              </a:rPr>
+              <a:t>", </a:t>
+            </a:r>
+            <a:r>
+              <a:rPr lang="pl-PL" sz="2000" dirty="0" err="1">
+                <a:latin typeface="Courier New" panose="02070309020205020404" pitchFamily="49" charset="0"/>
+                <a:cs typeface="Courier New" panose="02070309020205020404" pitchFamily="49" charset="0"/>
+              </a:rPr>
+              <a:t>ylab</a:t>
+            </a:r>
+            <a:r>
+              <a:rPr lang="pl-PL" sz="2000" dirty="0">
+                <a:latin typeface="Courier New" panose="02070309020205020404" pitchFamily="49" charset="0"/>
+                <a:cs typeface="Courier New" panose="02070309020205020404" pitchFamily="49" charset="0"/>
+              </a:rPr>
+              <a:t>="</a:t>
+            </a:r>
+            <a:r>
+              <a:rPr lang="pl-PL" sz="2000" dirty="0" err="1">
+                <a:latin typeface="Courier New" panose="02070309020205020404" pitchFamily="49" charset="0"/>
+                <a:cs typeface="Courier New" panose="02070309020205020404" pitchFamily="49" charset="0"/>
+              </a:rPr>
+              <a:t>Quality</a:t>
+            </a:r>
+            <a:r>
+              <a:rPr lang="pl-PL" sz="2000" dirty="0">
+                <a:latin typeface="Courier New" panose="02070309020205020404" pitchFamily="49" charset="0"/>
+                <a:cs typeface="Courier New" panose="02070309020205020404" pitchFamily="49" charset="0"/>
+              </a:rPr>
+              <a:t>",</a:t>
+            </a:r>
+          </a:p>
+          <a:p>
+            <a:pPr marL="0" indent="0">
+              <a:buNone/>
+            </a:pPr>
+            <a:r>
+              <a:rPr lang="pl-PL" sz="2000" dirty="0" err="1">
+                <a:latin typeface="Courier New" panose="02070309020205020404" pitchFamily="49" charset="0"/>
+                <a:cs typeface="Courier New" panose="02070309020205020404" pitchFamily="49" charset="0"/>
+              </a:rPr>
+              <a:t>ylim</a:t>
+            </a:r>
+            <a:r>
+              <a:rPr lang="pl-PL" sz="2000" dirty="0">
+                <a:latin typeface="Courier New" panose="02070309020205020404" pitchFamily="49" charset="0"/>
+                <a:cs typeface="Courier New" panose="02070309020205020404" pitchFamily="49" charset="0"/>
+              </a:rPr>
+              <a:t>=c(0, 41))</a:t>
+            </a:r>
+          </a:p>
+          <a:p>
+            <a:pPr marL="0" indent="0">
+              <a:buNone/>
+            </a:pPr>
+            <a:endParaRPr lang="pl-PL" sz="2000" dirty="0">
+              <a:latin typeface="Courier New" panose="02070309020205020404" pitchFamily="49" charset="0"/>
+              <a:cs typeface="Courier New" panose="02070309020205020404" pitchFamily="49" charset="0"/>
+            </a:endParaRPr>
+          </a:p>
+          <a:p>
+            <a:pPr marL="0" indent="0">
+              <a:buNone/>
+            </a:pPr>
+            <a:r>
+              <a:rPr lang="pl-PL" sz="2000" dirty="0">
+                <a:latin typeface="Courier New" panose="02070309020205020404" pitchFamily="49" charset="0"/>
+                <a:cs typeface="Courier New" panose="02070309020205020404" pitchFamily="49" charset="0"/>
+              </a:rPr>
+              <a:t>### </a:t>
+            </a:r>
+            <a:r>
+              <a:rPr lang="pl-PL" sz="2000" dirty="0" err="1">
+                <a:latin typeface="Courier New" panose="02070309020205020404" pitchFamily="49" charset="0"/>
+                <a:cs typeface="Courier New" panose="02070309020205020404" pitchFamily="49" charset="0"/>
+              </a:rPr>
+              <a:t>PacBio</a:t>
+            </a:r>
+            <a:r>
+              <a:rPr lang="pl-PL" sz="2000" dirty="0">
+                <a:latin typeface="Courier New" panose="02070309020205020404" pitchFamily="49" charset="0"/>
+                <a:cs typeface="Courier New" panose="02070309020205020404" pitchFamily="49" charset="0"/>
+              </a:rPr>
+              <a:t> </a:t>
+            </a:r>
+            <a:r>
+              <a:rPr lang="pl-PL" sz="2000" dirty="0" err="1">
+                <a:latin typeface="Courier New" panose="02070309020205020404" pitchFamily="49" charset="0"/>
+                <a:cs typeface="Courier New" panose="02070309020205020404" pitchFamily="49" charset="0"/>
+              </a:rPr>
+              <a:t>quality</a:t>
+            </a:r>
+            <a:endParaRPr lang="pl-PL" sz="2000" dirty="0">
+              <a:latin typeface="Courier New" panose="02070309020205020404" pitchFamily="49" charset="0"/>
+              <a:cs typeface="Courier New" panose="02070309020205020404" pitchFamily="49" charset="0"/>
+            </a:endParaRPr>
+          </a:p>
+          <a:p>
+            <a:pPr marL="0" indent="0">
+              <a:buNone/>
+            </a:pPr>
+            <a:r>
+              <a:rPr lang="pl-PL" sz="2000" dirty="0">
+                <a:latin typeface="Courier New" panose="02070309020205020404" pitchFamily="49" charset="0"/>
+                <a:cs typeface="Courier New" panose="02070309020205020404" pitchFamily="49" charset="0"/>
+              </a:rPr>
+              <a:t>plot(1:nchar(</a:t>
+            </a:r>
+            <a:r>
+              <a:rPr lang="pl-PL" sz="2000" dirty="0" err="1">
+                <a:latin typeface="Courier New" panose="02070309020205020404" pitchFamily="49" charset="0"/>
+                <a:cs typeface="Courier New" panose="02070309020205020404" pitchFamily="49" charset="0"/>
+              </a:rPr>
+              <a:t>qual</a:t>
+            </a:r>
+            <a:r>
+              <a:rPr lang="pl-PL" sz="2000" dirty="0">
+                <a:latin typeface="Courier New" panose="02070309020205020404" pitchFamily="49" charset="0"/>
+                <a:cs typeface="Courier New" panose="02070309020205020404" pitchFamily="49" charset="0"/>
+              </a:rPr>
+              <a:t>[2, 2]), </a:t>
+            </a:r>
+            <a:r>
+              <a:rPr lang="pl-PL" sz="2000" dirty="0" err="1">
+                <a:latin typeface="Courier New" panose="02070309020205020404" pitchFamily="49" charset="0"/>
+                <a:cs typeface="Courier New" panose="02070309020205020404" pitchFamily="49" charset="0"/>
+              </a:rPr>
+              <a:t>pacbio</a:t>
+            </a:r>
+            <a:r>
+              <a:rPr lang="pl-PL" sz="2000" dirty="0">
+                <a:latin typeface="Courier New" panose="02070309020205020404" pitchFamily="49" charset="0"/>
+                <a:cs typeface="Courier New" panose="02070309020205020404" pitchFamily="49" charset="0"/>
+              </a:rPr>
+              <a:t>, </a:t>
+            </a:r>
+            <a:r>
+              <a:rPr lang="pl-PL" sz="2000" dirty="0" err="1">
+                <a:latin typeface="Courier New" panose="02070309020205020404" pitchFamily="49" charset="0"/>
+                <a:cs typeface="Courier New" panose="02070309020205020404" pitchFamily="49" charset="0"/>
+              </a:rPr>
+              <a:t>pch</a:t>
+            </a:r>
+            <a:r>
+              <a:rPr lang="pl-PL" sz="2000" dirty="0">
+                <a:latin typeface="Courier New" panose="02070309020205020404" pitchFamily="49" charset="0"/>
+                <a:cs typeface="Courier New" panose="02070309020205020404" pitchFamily="49" charset="0"/>
+              </a:rPr>
+              <a:t>=19, </a:t>
+            </a:r>
+            <a:r>
+              <a:rPr lang="pl-PL" sz="2000" dirty="0" err="1">
+                <a:latin typeface="Courier New" panose="02070309020205020404" pitchFamily="49" charset="0"/>
+                <a:cs typeface="Courier New" panose="02070309020205020404" pitchFamily="49" charset="0"/>
+              </a:rPr>
+              <a:t>cex</a:t>
+            </a:r>
+            <a:r>
+              <a:rPr lang="pl-PL" sz="2000" dirty="0">
+                <a:latin typeface="Courier New" panose="02070309020205020404" pitchFamily="49" charset="0"/>
+                <a:cs typeface="Courier New" panose="02070309020205020404" pitchFamily="49" charset="0"/>
+              </a:rPr>
+              <a:t>=0.2, </a:t>
+            </a:r>
+            <a:r>
+              <a:rPr lang="pl-PL" sz="2000" dirty="0" err="1">
+                <a:latin typeface="Courier New" panose="02070309020205020404" pitchFamily="49" charset="0"/>
+                <a:cs typeface="Courier New" panose="02070309020205020404" pitchFamily="49" charset="0"/>
+              </a:rPr>
+              <a:t>main</a:t>
+            </a:r>
+            <a:r>
+              <a:rPr lang="pl-PL" sz="2000" dirty="0">
+                <a:latin typeface="Courier New" panose="02070309020205020404" pitchFamily="49" charset="0"/>
+                <a:cs typeface="Courier New" panose="02070309020205020404" pitchFamily="49" charset="0"/>
+              </a:rPr>
+              <a:t>="</a:t>
+            </a:r>
+            <a:r>
+              <a:rPr lang="pl-PL" sz="2000" dirty="0" err="1">
+                <a:latin typeface="Courier New" panose="02070309020205020404" pitchFamily="49" charset="0"/>
+                <a:cs typeface="Courier New" panose="02070309020205020404" pitchFamily="49" charset="0"/>
+              </a:rPr>
+              <a:t>PacBio</a:t>
+            </a:r>
+            <a:r>
+              <a:rPr lang="pl-PL" sz="2000" dirty="0">
+                <a:latin typeface="Courier New" panose="02070309020205020404" pitchFamily="49" charset="0"/>
+                <a:cs typeface="Courier New" panose="02070309020205020404" pitchFamily="49" charset="0"/>
+              </a:rPr>
+              <a:t>", </a:t>
+            </a:r>
+            <a:r>
+              <a:rPr lang="pl-PL" sz="2000" dirty="0" err="1">
+                <a:latin typeface="Courier New" panose="02070309020205020404" pitchFamily="49" charset="0"/>
+                <a:cs typeface="Courier New" panose="02070309020205020404" pitchFamily="49" charset="0"/>
+              </a:rPr>
+              <a:t>xlab</a:t>
+            </a:r>
+            <a:r>
+              <a:rPr lang="pl-PL" sz="2000" dirty="0">
+                <a:latin typeface="Courier New" panose="02070309020205020404" pitchFamily="49" charset="0"/>
+                <a:cs typeface="Courier New" panose="02070309020205020404" pitchFamily="49" charset="0"/>
+              </a:rPr>
+              <a:t>="</a:t>
+            </a:r>
+            <a:r>
+              <a:rPr lang="pl-PL" sz="2000" dirty="0" err="1">
+                <a:latin typeface="Courier New" panose="02070309020205020404" pitchFamily="49" charset="0"/>
+                <a:cs typeface="Courier New" panose="02070309020205020404" pitchFamily="49" charset="0"/>
+              </a:rPr>
+              <a:t>Pos</a:t>
+            </a:r>
+            <a:r>
+              <a:rPr lang="pl-PL" sz="2000" dirty="0">
+                <a:latin typeface="Courier New" panose="02070309020205020404" pitchFamily="49" charset="0"/>
+                <a:cs typeface="Courier New" panose="02070309020205020404" pitchFamily="49" charset="0"/>
+              </a:rPr>
+              <a:t> on </a:t>
+            </a:r>
+            <a:r>
+              <a:rPr lang="pl-PL" sz="2000" dirty="0" err="1">
+                <a:latin typeface="Courier New" panose="02070309020205020404" pitchFamily="49" charset="0"/>
+                <a:cs typeface="Courier New" panose="02070309020205020404" pitchFamily="49" charset="0"/>
+              </a:rPr>
+              <a:t>read</a:t>
+            </a:r>
+            <a:r>
+              <a:rPr lang="pl-PL" sz="2000" dirty="0">
+                <a:latin typeface="Courier New" panose="02070309020205020404" pitchFamily="49" charset="0"/>
+                <a:cs typeface="Courier New" panose="02070309020205020404" pitchFamily="49" charset="0"/>
+              </a:rPr>
+              <a:t>", </a:t>
+            </a:r>
+            <a:r>
+              <a:rPr lang="pl-PL" sz="2000" dirty="0" err="1">
+                <a:latin typeface="Courier New" panose="02070309020205020404" pitchFamily="49" charset="0"/>
+                <a:cs typeface="Courier New" panose="02070309020205020404" pitchFamily="49" charset="0"/>
+              </a:rPr>
+              <a:t>ylab</a:t>
+            </a:r>
+            <a:r>
+              <a:rPr lang="pl-PL" sz="2000" dirty="0">
+                <a:latin typeface="Courier New" panose="02070309020205020404" pitchFamily="49" charset="0"/>
+                <a:cs typeface="Courier New" panose="02070309020205020404" pitchFamily="49" charset="0"/>
+              </a:rPr>
+              <a:t>="</a:t>
+            </a:r>
+            <a:r>
+              <a:rPr lang="pl-PL" sz="2000" dirty="0" err="1">
+                <a:latin typeface="Courier New" panose="02070309020205020404" pitchFamily="49" charset="0"/>
+                <a:cs typeface="Courier New" panose="02070309020205020404" pitchFamily="49" charset="0"/>
+              </a:rPr>
+              <a:t>Quality</a:t>
+            </a:r>
+            <a:r>
+              <a:rPr lang="pl-PL" sz="2000" dirty="0">
+                <a:latin typeface="Courier New" panose="02070309020205020404" pitchFamily="49" charset="0"/>
+                <a:cs typeface="Courier New" panose="02070309020205020404" pitchFamily="49" charset="0"/>
+              </a:rPr>
+              <a:t>",</a:t>
+            </a:r>
+          </a:p>
+          <a:p>
+            <a:pPr marL="0" indent="0">
+              <a:buNone/>
+            </a:pPr>
+            <a:r>
+              <a:rPr lang="pl-PL" sz="2000" dirty="0" err="1">
+                <a:latin typeface="Courier New" panose="02070309020205020404" pitchFamily="49" charset="0"/>
+                <a:cs typeface="Courier New" panose="02070309020205020404" pitchFamily="49" charset="0"/>
+              </a:rPr>
+              <a:t>ylim</a:t>
+            </a:r>
+            <a:r>
+              <a:rPr lang="pl-PL" sz="2000" dirty="0">
+                <a:latin typeface="Courier New" panose="02070309020205020404" pitchFamily="49" charset="0"/>
+                <a:cs typeface="Courier New" panose="02070309020205020404" pitchFamily="49" charset="0"/>
+              </a:rPr>
+              <a:t>=c(0, 41))</a:t>
+            </a:r>
+          </a:p>
+          <a:p>
+            <a:pPr marL="0" indent="0">
+              <a:buNone/>
+            </a:pPr>
+            <a:endParaRPr lang="pl-PL" sz="2000" dirty="0"/>
+          </a:p>
+          <a:p>
+            <a:pPr marL="0" indent="0">
+              <a:buNone/>
+            </a:pPr>
+            <a:endParaRPr lang="en-US" sz="2000" dirty="0"/>
+          </a:p>
         </p:txBody>
       </p:sp>
     </p:spTree>
     <p:extLst>
       <p:ext uri="{BB962C8B-B14F-4D97-AF65-F5344CB8AC3E}">
-        <p14:creationId xmlns:p14="http://schemas.microsoft.com/office/powerpoint/2010/main" val="1169317205"/>
+        <p14:creationId xmlns:p14="http://schemas.microsoft.com/office/powerpoint/2010/main" val="1189485675"/>
       </p:ext>
     </p:extLst>
   </p:cSld>
@@ -13669,546 +14006,6 @@
   <p:cSld>
     <p:spTree>
       <p:nvGrpSpPr>
-        <p:cNvPr id="1" name=""/>
-        <p:cNvGrpSpPr/>
-        <p:nvPr/>
-      </p:nvGrpSpPr>
-      <p:grpSpPr>
-        <a:xfrm>
-          <a:off x="0" y="0"/>
-          <a:ext cx="0" cy="0"/>
-          <a:chOff x="0" y="0"/>
-          <a:chExt cx="0" cy="0"/>
-        </a:xfrm>
-      </p:grpSpPr>
-      <p:sp>
-        <p:nvSpPr>
-          <p:cNvPr id="2" name="Title 1"/>
-          <p:cNvSpPr>
-            <a:spLocks noGrp="1"/>
-          </p:cNvSpPr>
-          <p:nvPr>
-            <p:ph type="title"/>
-          </p:nvPr>
-        </p:nvSpPr>
-        <p:spPr/>
-        <p:txBody>
-          <a:bodyPr/>
-          <a:lstStyle/>
-          <a:p>
-            <a:r>
-              <a:rPr lang="en-US" dirty="0"/>
-              <a:t>Plotting</a:t>
-            </a:r>
-          </a:p>
-        </p:txBody>
-      </p:sp>
-      <p:sp>
-        <p:nvSpPr>
-          <p:cNvPr id="3" name="Content Placeholder 2"/>
-          <p:cNvSpPr>
-            <a:spLocks noGrp="1"/>
-          </p:cNvSpPr>
-          <p:nvPr>
-            <p:ph idx="1"/>
-          </p:nvPr>
-        </p:nvSpPr>
-        <p:spPr>
-          <a:xfrm>
-            <a:off x="228600" y="1116701"/>
-            <a:ext cx="8686800" cy="3417402"/>
-          </a:xfrm>
-        </p:spPr>
-        <p:txBody>
-          <a:bodyPr>
-            <a:normAutofit/>
-          </a:bodyPr>
-          <a:lstStyle/>
-          <a:p>
-            <a:pPr marL="0" indent="0">
-              <a:buNone/>
-            </a:pPr>
-            <a:r>
-              <a:rPr lang="pl-PL" sz="2000" dirty="0">
-                <a:latin typeface="Courier New" panose="02070309020205020404" pitchFamily="49" charset="0"/>
-                <a:cs typeface="Courier New" panose="02070309020205020404" pitchFamily="49" charset="0"/>
-              </a:rPr>
-              <a:t>### </a:t>
-            </a:r>
-            <a:r>
-              <a:rPr lang="pl-PL" sz="2000" dirty="0" err="1">
-                <a:latin typeface="Courier New" panose="02070309020205020404" pitchFamily="49" charset="0"/>
-                <a:cs typeface="Courier New" panose="02070309020205020404" pitchFamily="49" charset="0"/>
-              </a:rPr>
-              <a:t>Illumina</a:t>
-            </a:r>
-            <a:r>
-              <a:rPr lang="pl-PL" sz="2000" dirty="0">
-                <a:latin typeface="Courier New" panose="02070309020205020404" pitchFamily="49" charset="0"/>
-                <a:cs typeface="Courier New" panose="02070309020205020404" pitchFamily="49" charset="0"/>
-              </a:rPr>
-              <a:t> </a:t>
-            </a:r>
-            <a:r>
-              <a:rPr lang="pl-PL" sz="2000" dirty="0" err="1">
-                <a:latin typeface="Courier New" panose="02070309020205020404" pitchFamily="49" charset="0"/>
-                <a:cs typeface="Courier New" panose="02070309020205020404" pitchFamily="49" charset="0"/>
-              </a:rPr>
-              <a:t>quality</a:t>
-            </a:r>
-            <a:endParaRPr lang="pl-PL" sz="2000" dirty="0">
-              <a:latin typeface="Courier New" panose="02070309020205020404" pitchFamily="49" charset="0"/>
-              <a:cs typeface="Courier New" panose="02070309020205020404" pitchFamily="49" charset="0"/>
-            </a:endParaRPr>
-          </a:p>
-          <a:p>
-            <a:pPr marL="0" indent="0">
-              <a:buNone/>
-            </a:pPr>
-            <a:r>
-              <a:rPr lang="pl-PL" sz="2000" dirty="0">
-                <a:latin typeface="Courier New" panose="02070309020205020404" pitchFamily="49" charset="0"/>
-                <a:cs typeface="Courier New" panose="02070309020205020404" pitchFamily="49" charset="0"/>
-              </a:rPr>
-              <a:t>plot(1:nchar(</a:t>
-            </a:r>
-            <a:r>
-              <a:rPr lang="pl-PL" sz="2000" dirty="0" err="1">
-                <a:latin typeface="Courier New" panose="02070309020205020404" pitchFamily="49" charset="0"/>
-                <a:cs typeface="Courier New" panose="02070309020205020404" pitchFamily="49" charset="0"/>
-              </a:rPr>
-              <a:t>qual</a:t>
-            </a:r>
-            <a:r>
-              <a:rPr lang="pl-PL" sz="2000" dirty="0">
-                <a:latin typeface="Courier New" panose="02070309020205020404" pitchFamily="49" charset="0"/>
-                <a:cs typeface="Courier New" panose="02070309020205020404" pitchFamily="49" charset="0"/>
-              </a:rPr>
-              <a:t>[1, 2]), </a:t>
-            </a:r>
-            <a:r>
-              <a:rPr lang="pl-PL" sz="2000" dirty="0" err="1">
-                <a:latin typeface="Courier New" panose="02070309020205020404" pitchFamily="49" charset="0"/>
-                <a:cs typeface="Courier New" panose="02070309020205020404" pitchFamily="49" charset="0"/>
-              </a:rPr>
-              <a:t>illumina</a:t>
-            </a:r>
-            <a:r>
-              <a:rPr lang="pl-PL" sz="2000" dirty="0">
-                <a:latin typeface="Courier New" panose="02070309020205020404" pitchFamily="49" charset="0"/>
-                <a:cs typeface="Courier New" panose="02070309020205020404" pitchFamily="49" charset="0"/>
-              </a:rPr>
-              <a:t>, </a:t>
-            </a:r>
-            <a:r>
-              <a:rPr lang="pl-PL" sz="2000" dirty="0" err="1">
-                <a:latin typeface="Courier New" panose="02070309020205020404" pitchFamily="49" charset="0"/>
-                <a:cs typeface="Courier New" panose="02070309020205020404" pitchFamily="49" charset="0"/>
-              </a:rPr>
-              <a:t>pch</a:t>
-            </a:r>
-            <a:r>
-              <a:rPr lang="pl-PL" sz="2000" dirty="0">
-                <a:latin typeface="Courier New" panose="02070309020205020404" pitchFamily="49" charset="0"/>
-                <a:cs typeface="Courier New" panose="02070309020205020404" pitchFamily="49" charset="0"/>
-              </a:rPr>
-              <a:t>=19, </a:t>
-            </a:r>
-            <a:r>
-              <a:rPr lang="pl-PL" sz="2000" dirty="0" err="1">
-                <a:latin typeface="Courier New" panose="02070309020205020404" pitchFamily="49" charset="0"/>
-                <a:cs typeface="Courier New" panose="02070309020205020404" pitchFamily="49" charset="0"/>
-              </a:rPr>
-              <a:t>cex</a:t>
-            </a:r>
-            <a:r>
-              <a:rPr lang="pl-PL" sz="2000" dirty="0">
-                <a:latin typeface="Courier New" panose="02070309020205020404" pitchFamily="49" charset="0"/>
-                <a:cs typeface="Courier New" panose="02070309020205020404" pitchFamily="49" charset="0"/>
-              </a:rPr>
-              <a:t>=0.2, </a:t>
-            </a:r>
-            <a:r>
-              <a:rPr lang="pl-PL" sz="2000" dirty="0" err="1">
-                <a:latin typeface="Courier New" panose="02070309020205020404" pitchFamily="49" charset="0"/>
-                <a:cs typeface="Courier New" panose="02070309020205020404" pitchFamily="49" charset="0"/>
-              </a:rPr>
-              <a:t>main</a:t>
-            </a:r>
-            <a:r>
-              <a:rPr lang="pl-PL" sz="2000" dirty="0">
-                <a:latin typeface="Courier New" panose="02070309020205020404" pitchFamily="49" charset="0"/>
-                <a:cs typeface="Courier New" panose="02070309020205020404" pitchFamily="49" charset="0"/>
-              </a:rPr>
-              <a:t>="</a:t>
-            </a:r>
-            <a:r>
-              <a:rPr lang="pl-PL" sz="2000" dirty="0" err="1">
-                <a:latin typeface="Courier New" panose="02070309020205020404" pitchFamily="49" charset="0"/>
-                <a:cs typeface="Courier New" panose="02070309020205020404" pitchFamily="49" charset="0"/>
-              </a:rPr>
-              <a:t>Illumina</a:t>
-            </a:r>
-            <a:r>
-              <a:rPr lang="pl-PL" sz="2000" dirty="0">
-                <a:latin typeface="Courier New" panose="02070309020205020404" pitchFamily="49" charset="0"/>
-                <a:cs typeface="Courier New" panose="02070309020205020404" pitchFamily="49" charset="0"/>
-              </a:rPr>
-              <a:t>", </a:t>
-            </a:r>
-            <a:r>
-              <a:rPr lang="pl-PL" sz="2000" dirty="0" err="1">
-                <a:latin typeface="Courier New" panose="02070309020205020404" pitchFamily="49" charset="0"/>
-                <a:cs typeface="Courier New" panose="02070309020205020404" pitchFamily="49" charset="0"/>
-              </a:rPr>
-              <a:t>xlab</a:t>
-            </a:r>
-            <a:r>
-              <a:rPr lang="pl-PL" sz="2000" dirty="0">
-                <a:latin typeface="Courier New" panose="02070309020205020404" pitchFamily="49" charset="0"/>
-                <a:cs typeface="Courier New" panose="02070309020205020404" pitchFamily="49" charset="0"/>
-              </a:rPr>
-              <a:t>="</a:t>
-            </a:r>
-            <a:r>
-              <a:rPr lang="pl-PL" sz="2000" dirty="0" err="1">
-                <a:latin typeface="Courier New" panose="02070309020205020404" pitchFamily="49" charset="0"/>
-                <a:cs typeface="Courier New" panose="02070309020205020404" pitchFamily="49" charset="0"/>
-              </a:rPr>
-              <a:t>Pos</a:t>
-            </a:r>
-            <a:r>
-              <a:rPr lang="pl-PL" sz="2000" dirty="0">
-                <a:latin typeface="Courier New" panose="02070309020205020404" pitchFamily="49" charset="0"/>
-                <a:cs typeface="Courier New" panose="02070309020205020404" pitchFamily="49" charset="0"/>
-              </a:rPr>
-              <a:t> on </a:t>
-            </a:r>
-            <a:r>
-              <a:rPr lang="pl-PL" sz="2000" dirty="0" err="1">
-                <a:latin typeface="Courier New" panose="02070309020205020404" pitchFamily="49" charset="0"/>
-                <a:cs typeface="Courier New" panose="02070309020205020404" pitchFamily="49" charset="0"/>
-              </a:rPr>
-              <a:t>read</a:t>
-            </a:r>
-            <a:r>
-              <a:rPr lang="pl-PL" sz="2000" dirty="0">
-                <a:latin typeface="Courier New" panose="02070309020205020404" pitchFamily="49" charset="0"/>
-                <a:cs typeface="Courier New" panose="02070309020205020404" pitchFamily="49" charset="0"/>
-              </a:rPr>
-              <a:t>", </a:t>
-            </a:r>
-            <a:r>
-              <a:rPr lang="pl-PL" sz="2000" dirty="0" err="1">
-                <a:latin typeface="Courier New" panose="02070309020205020404" pitchFamily="49" charset="0"/>
-                <a:cs typeface="Courier New" panose="02070309020205020404" pitchFamily="49" charset="0"/>
-              </a:rPr>
-              <a:t>ylab</a:t>
-            </a:r>
-            <a:r>
-              <a:rPr lang="pl-PL" sz="2000" dirty="0">
-                <a:latin typeface="Courier New" panose="02070309020205020404" pitchFamily="49" charset="0"/>
-                <a:cs typeface="Courier New" panose="02070309020205020404" pitchFamily="49" charset="0"/>
-              </a:rPr>
-              <a:t>="</a:t>
-            </a:r>
-            <a:r>
-              <a:rPr lang="pl-PL" sz="2000" dirty="0" err="1">
-                <a:latin typeface="Courier New" panose="02070309020205020404" pitchFamily="49" charset="0"/>
-                <a:cs typeface="Courier New" panose="02070309020205020404" pitchFamily="49" charset="0"/>
-              </a:rPr>
-              <a:t>Quality</a:t>
-            </a:r>
-            <a:r>
-              <a:rPr lang="pl-PL" sz="2000" dirty="0">
-                <a:latin typeface="Courier New" panose="02070309020205020404" pitchFamily="49" charset="0"/>
-                <a:cs typeface="Courier New" panose="02070309020205020404" pitchFamily="49" charset="0"/>
-              </a:rPr>
-              <a:t>",</a:t>
-            </a:r>
-          </a:p>
-          <a:p>
-            <a:pPr marL="0" indent="0">
-              <a:buNone/>
-            </a:pPr>
-            <a:r>
-              <a:rPr lang="pl-PL" sz="2000" dirty="0" err="1">
-                <a:latin typeface="Courier New" panose="02070309020205020404" pitchFamily="49" charset="0"/>
-                <a:cs typeface="Courier New" panose="02070309020205020404" pitchFamily="49" charset="0"/>
-              </a:rPr>
-              <a:t>ylim</a:t>
-            </a:r>
-            <a:r>
-              <a:rPr lang="pl-PL" sz="2000" dirty="0">
-                <a:latin typeface="Courier New" panose="02070309020205020404" pitchFamily="49" charset="0"/>
-                <a:cs typeface="Courier New" panose="02070309020205020404" pitchFamily="49" charset="0"/>
-              </a:rPr>
-              <a:t>=c(0, 41))</a:t>
-            </a:r>
-          </a:p>
-          <a:p>
-            <a:pPr marL="0" indent="0">
-              <a:buNone/>
-            </a:pPr>
-            <a:endParaRPr lang="pl-PL" sz="2000" dirty="0">
-              <a:latin typeface="Courier New" panose="02070309020205020404" pitchFamily="49" charset="0"/>
-              <a:cs typeface="Courier New" panose="02070309020205020404" pitchFamily="49" charset="0"/>
-            </a:endParaRPr>
-          </a:p>
-          <a:p>
-            <a:pPr marL="0" indent="0">
-              <a:buNone/>
-            </a:pPr>
-            <a:r>
-              <a:rPr lang="pl-PL" sz="2000" dirty="0">
-                <a:latin typeface="Courier New" panose="02070309020205020404" pitchFamily="49" charset="0"/>
-                <a:cs typeface="Courier New" panose="02070309020205020404" pitchFamily="49" charset="0"/>
-              </a:rPr>
-              <a:t>### </a:t>
-            </a:r>
-            <a:r>
-              <a:rPr lang="pl-PL" sz="2000" dirty="0" err="1">
-                <a:latin typeface="Courier New" panose="02070309020205020404" pitchFamily="49" charset="0"/>
-                <a:cs typeface="Courier New" panose="02070309020205020404" pitchFamily="49" charset="0"/>
-              </a:rPr>
-              <a:t>PacBio</a:t>
-            </a:r>
-            <a:r>
-              <a:rPr lang="pl-PL" sz="2000" dirty="0">
-                <a:latin typeface="Courier New" panose="02070309020205020404" pitchFamily="49" charset="0"/>
-                <a:cs typeface="Courier New" panose="02070309020205020404" pitchFamily="49" charset="0"/>
-              </a:rPr>
-              <a:t> </a:t>
-            </a:r>
-            <a:r>
-              <a:rPr lang="pl-PL" sz="2000" dirty="0" err="1">
-                <a:latin typeface="Courier New" panose="02070309020205020404" pitchFamily="49" charset="0"/>
-                <a:cs typeface="Courier New" panose="02070309020205020404" pitchFamily="49" charset="0"/>
-              </a:rPr>
-              <a:t>quality</a:t>
-            </a:r>
-            <a:endParaRPr lang="pl-PL" sz="2000" dirty="0">
-              <a:latin typeface="Courier New" panose="02070309020205020404" pitchFamily="49" charset="0"/>
-              <a:cs typeface="Courier New" panose="02070309020205020404" pitchFamily="49" charset="0"/>
-            </a:endParaRPr>
-          </a:p>
-          <a:p>
-            <a:pPr marL="0" indent="0">
-              <a:buNone/>
-            </a:pPr>
-            <a:r>
-              <a:rPr lang="pl-PL" sz="2000" dirty="0">
-                <a:latin typeface="Courier New" panose="02070309020205020404" pitchFamily="49" charset="0"/>
-                <a:cs typeface="Courier New" panose="02070309020205020404" pitchFamily="49" charset="0"/>
-              </a:rPr>
-              <a:t>plot(1:nchar(</a:t>
-            </a:r>
-            <a:r>
-              <a:rPr lang="pl-PL" sz="2000" dirty="0" err="1">
-                <a:latin typeface="Courier New" panose="02070309020205020404" pitchFamily="49" charset="0"/>
-                <a:cs typeface="Courier New" panose="02070309020205020404" pitchFamily="49" charset="0"/>
-              </a:rPr>
-              <a:t>qual</a:t>
-            </a:r>
-            <a:r>
-              <a:rPr lang="pl-PL" sz="2000" dirty="0">
-                <a:latin typeface="Courier New" panose="02070309020205020404" pitchFamily="49" charset="0"/>
-                <a:cs typeface="Courier New" panose="02070309020205020404" pitchFamily="49" charset="0"/>
-              </a:rPr>
-              <a:t>[2, 2]), </a:t>
-            </a:r>
-            <a:r>
-              <a:rPr lang="pl-PL" sz="2000" dirty="0" err="1">
-                <a:latin typeface="Courier New" panose="02070309020205020404" pitchFamily="49" charset="0"/>
-                <a:cs typeface="Courier New" panose="02070309020205020404" pitchFamily="49" charset="0"/>
-              </a:rPr>
-              <a:t>pacbio</a:t>
-            </a:r>
-            <a:r>
-              <a:rPr lang="pl-PL" sz="2000" dirty="0">
-                <a:latin typeface="Courier New" panose="02070309020205020404" pitchFamily="49" charset="0"/>
-                <a:cs typeface="Courier New" panose="02070309020205020404" pitchFamily="49" charset="0"/>
-              </a:rPr>
-              <a:t>, </a:t>
-            </a:r>
-            <a:r>
-              <a:rPr lang="pl-PL" sz="2000" dirty="0" err="1">
-                <a:latin typeface="Courier New" panose="02070309020205020404" pitchFamily="49" charset="0"/>
-                <a:cs typeface="Courier New" panose="02070309020205020404" pitchFamily="49" charset="0"/>
-              </a:rPr>
-              <a:t>pch</a:t>
-            </a:r>
-            <a:r>
-              <a:rPr lang="pl-PL" sz="2000" dirty="0">
-                <a:latin typeface="Courier New" panose="02070309020205020404" pitchFamily="49" charset="0"/>
-                <a:cs typeface="Courier New" panose="02070309020205020404" pitchFamily="49" charset="0"/>
-              </a:rPr>
-              <a:t>=19, </a:t>
-            </a:r>
-            <a:r>
-              <a:rPr lang="pl-PL" sz="2000" dirty="0" err="1">
-                <a:latin typeface="Courier New" panose="02070309020205020404" pitchFamily="49" charset="0"/>
-                <a:cs typeface="Courier New" panose="02070309020205020404" pitchFamily="49" charset="0"/>
-              </a:rPr>
-              <a:t>cex</a:t>
-            </a:r>
-            <a:r>
-              <a:rPr lang="pl-PL" sz="2000" dirty="0">
-                <a:latin typeface="Courier New" panose="02070309020205020404" pitchFamily="49" charset="0"/>
-                <a:cs typeface="Courier New" panose="02070309020205020404" pitchFamily="49" charset="0"/>
-              </a:rPr>
-              <a:t>=0.2, </a:t>
-            </a:r>
-            <a:r>
-              <a:rPr lang="pl-PL" sz="2000" dirty="0" err="1">
-                <a:latin typeface="Courier New" panose="02070309020205020404" pitchFamily="49" charset="0"/>
-                <a:cs typeface="Courier New" panose="02070309020205020404" pitchFamily="49" charset="0"/>
-              </a:rPr>
-              <a:t>main</a:t>
-            </a:r>
-            <a:r>
-              <a:rPr lang="pl-PL" sz="2000" dirty="0">
-                <a:latin typeface="Courier New" panose="02070309020205020404" pitchFamily="49" charset="0"/>
-                <a:cs typeface="Courier New" panose="02070309020205020404" pitchFamily="49" charset="0"/>
-              </a:rPr>
-              <a:t>="</a:t>
-            </a:r>
-            <a:r>
-              <a:rPr lang="pl-PL" sz="2000" dirty="0" err="1">
-                <a:latin typeface="Courier New" panose="02070309020205020404" pitchFamily="49" charset="0"/>
-                <a:cs typeface="Courier New" panose="02070309020205020404" pitchFamily="49" charset="0"/>
-              </a:rPr>
-              <a:t>PacBio</a:t>
-            </a:r>
-            <a:r>
-              <a:rPr lang="pl-PL" sz="2000" dirty="0">
-                <a:latin typeface="Courier New" panose="02070309020205020404" pitchFamily="49" charset="0"/>
-                <a:cs typeface="Courier New" panose="02070309020205020404" pitchFamily="49" charset="0"/>
-              </a:rPr>
-              <a:t>", </a:t>
-            </a:r>
-            <a:r>
-              <a:rPr lang="pl-PL" sz="2000" dirty="0" err="1">
-                <a:latin typeface="Courier New" panose="02070309020205020404" pitchFamily="49" charset="0"/>
-                <a:cs typeface="Courier New" panose="02070309020205020404" pitchFamily="49" charset="0"/>
-              </a:rPr>
-              <a:t>xlab</a:t>
-            </a:r>
-            <a:r>
-              <a:rPr lang="pl-PL" sz="2000" dirty="0">
-                <a:latin typeface="Courier New" panose="02070309020205020404" pitchFamily="49" charset="0"/>
-                <a:cs typeface="Courier New" panose="02070309020205020404" pitchFamily="49" charset="0"/>
-              </a:rPr>
-              <a:t>="</a:t>
-            </a:r>
-            <a:r>
-              <a:rPr lang="pl-PL" sz="2000" dirty="0" err="1">
-                <a:latin typeface="Courier New" panose="02070309020205020404" pitchFamily="49" charset="0"/>
-                <a:cs typeface="Courier New" panose="02070309020205020404" pitchFamily="49" charset="0"/>
-              </a:rPr>
-              <a:t>Pos</a:t>
-            </a:r>
-            <a:r>
-              <a:rPr lang="pl-PL" sz="2000" dirty="0">
-                <a:latin typeface="Courier New" panose="02070309020205020404" pitchFamily="49" charset="0"/>
-                <a:cs typeface="Courier New" panose="02070309020205020404" pitchFamily="49" charset="0"/>
-              </a:rPr>
-              <a:t> on </a:t>
-            </a:r>
-            <a:r>
-              <a:rPr lang="pl-PL" sz="2000" dirty="0" err="1">
-                <a:latin typeface="Courier New" panose="02070309020205020404" pitchFamily="49" charset="0"/>
-                <a:cs typeface="Courier New" panose="02070309020205020404" pitchFamily="49" charset="0"/>
-              </a:rPr>
-              <a:t>read</a:t>
-            </a:r>
-            <a:r>
-              <a:rPr lang="pl-PL" sz="2000" dirty="0">
-                <a:latin typeface="Courier New" panose="02070309020205020404" pitchFamily="49" charset="0"/>
-                <a:cs typeface="Courier New" panose="02070309020205020404" pitchFamily="49" charset="0"/>
-              </a:rPr>
-              <a:t>", </a:t>
-            </a:r>
-            <a:r>
-              <a:rPr lang="pl-PL" sz="2000" dirty="0" err="1">
-                <a:latin typeface="Courier New" panose="02070309020205020404" pitchFamily="49" charset="0"/>
-                <a:cs typeface="Courier New" panose="02070309020205020404" pitchFamily="49" charset="0"/>
-              </a:rPr>
-              <a:t>ylab</a:t>
-            </a:r>
-            <a:r>
-              <a:rPr lang="pl-PL" sz="2000" dirty="0">
-                <a:latin typeface="Courier New" panose="02070309020205020404" pitchFamily="49" charset="0"/>
-                <a:cs typeface="Courier New" panose="02070309020205020404" pitchFamily="49" charset="0"/>
-              </a:rPr>
-              <a:t>="</a:t>
-            </a:r>
-            <a:r>
-              <a:rPr lang="pl-PL" sz="2000" dirty="0" err="1">
-                <a:latin typeface="Courier New" panose="02070309020205020404" pitchFamily="49" charset="0"/>
-                <a:cs typeface="Courier New" panose="02070309020205020404" pitchFamily="49" charset="0"/>
-              </a:rPr>
-              <a:t>Quality</a:t>
-            </a:r>
-            <a:r>
-              <a:rPr lang="pl-PL" sz="2000" dirty="0">
-                <a:latin typeface="Courier New" panose="02070309020205020404" pitchFamily="49" charset="0"/>
-                <a:cs typeface="Courier New" panose="02070309020205020404" pitchFamily="49" charset="0"/>
-              </a:rPr>
-              <a:t>",</a:t>
-            </a:r>
-          </a:p>
-          <a:p>
-            <a:pPr marL="0" indent="0">
-              <a:buNone/>
-            </a:pPr>
-            <a:r>
-              <a:rPr lang="pl-PL" sz="2000" dirty="0" err="1">
-                <a:latin typeface="Courier New" panose="02070309020205020404" pitchFamily="49" charset="0"/>
-                <a:cs typeface="Courier New" panose="02070309020205020404" pitchFamily="49" charset="0"/>
-              </a:rPr>
-              <a:t>ylim</a:t>
-            </a:r>
-            <a:r>
-              <a:rPr lang="pl-PL" sz="2000" dirty="0">
-                <a:latin typeface="Courier New" panose="02070309020205020404" pitchFamily="49" charset="0"/>
-                <a:cs typeface="Courier New" panose="02070309020205020404" pitchFamily="49" charset="0"/>
-              </a:rPr>
-              <a:t>=c(0, 41))</a:t>
-            </a:r>
-          </a:p>
-          <a:p>
-            <a:pPr marL="0" indent="0">
-              <a:buNone/>
-            </a:pPr>
-            <a:endParaRPr lang="pl-PL" sz="2000" dirty="0"/>
-          </a:p>
-          <a:p>
-            <a:pPr marL="0" indent="0">
-              <a:buNone/>
-            </a:pPr>
-            <a:endParaRPr lang="en-US" sz="2000" dirty="0"/>
-          </a:p>
-        </p:txBody>
-      </p:sp>
-    </p:spTree>
-    <p:extLst>
-      <p:ext uri="{BB962C8B-B14F-4D97-AF65-F5344CB8AC3E}">
-        <p14:creationId xmlns:p14="http://schemas.microsoft.com/office/powerpoint/2010/main" val="1189485675"/>
-      </p:ext>
-    </p:extLst>
-  </p:cSld>
-  <p:clrMapOvr>
-    <a:masterClrMapping/>
-  </p:clrMapOvr>
-</p:sld>
-</file>
-
-<file path=ppt/slides/slide31.xml><?xml version="1.0" encoding="utf-8"?>
-<p:sld xmlns:a="http://schemas.openxmlformats.org/drawingml/2006/main" xmlns:r="http://schemas.openxmlformats.org/officeDocument/2006/relationships" xmlns:p="http://schemas.openxmlformats.org/presentationml/2006/main">
-  <p:cSld>
-    <p:spTree>
-      <p:nvGrpSpPr>
         <p:cNvPr id="1" name="">
           <a:extLst>
             <a:ext uri="{FF2B5EF4-FFF2-40B4-BE49-F238E27FC236}">
@@ -14803,6 +14600,401 @@
     <p:extLst>
       <p:ext uri="{BB962C8B-B14F-4D97-AF65-F5344CB8AC3E}">
         <p14:creationId xmlns:p14="http://schemas.microsoft.com/office/powerpoint/2010/main" val="2587234850"/>
+      </p:ext>
+    </p:extLst>
+  </p:cSld>
+  <p:clrMapOvr>
+    <a:masterClrMapping/>
+  </p:clrMapOvr>
+</p:sld>
+</file>
+
+<file path=ppt/slides/slide31.xml><?xml version="1.0" encoding="utf-8"?>
+<p:sld xmlns:a="http://schemas.openxmlformats.org/drawingml/2006/main" xmlns:r="http://schemas.openxmlformats.org/officeDocument/2006/relationships" xmlns:p="http://schemas.openxmlformats.org/presentationml/2006/main">
+  <p:cSld>
+    <p:spTree>
+      <p:nvGrpSpPr>
+        <p:cNvPr id="1" name=""/>
+        <p:cNvGrpSpPr/>
+        <p:nvPr/>
+      </p:nvGrpSpPr>
+      <p:grpSpPr>
+        <a:xfrm>
+          <a:off x="0" y="0"/>
+          <a:ext cx="0" cy="0"/>
+          <a:chOff x="0" y="0"/>
+          <a:chExt cx="0" cy="0"/>
+        </a:xfrm>
+      </p:grpSpPr>
+      <p:sp>
+        <p:nvSpPr>
+          <p:cNvPr id="2" name="Title 1"/>
+          <p:cNvSpPr>
+            <a:spLocks noGrp="1"/>
+          </p:cNvSpPr>
+          <p:nvPr>
+            <p:ph type="title"/>
+          </p:nvPr>
+        </p:nvSpPr>
+        <p:spPr>
+          <a:xfrm>
+            <a:off x="457200" y="205978"/>
+            <a:ext cx="8229600" cy="743145"/>
+          </a:xfrm>
+        </p:spPr>
+        <p:txBody>
+          <a:bodyPr/>
+          <a:lstStyle/>
+          <a:p>
+            <a:r>
+              <a:rPr lang="en-US" dirty="0"/>
+              <a:t>Write a plotting function</a:t>
+            </a:r>
+          </a:p>
+        </p:txBody>
+      </p:sp>
+      <p:sp>
+        <p:nvSpPr>
+          <p:cNvPr id="3" name="Content Placeholder 2"/>
+          <p:cNvSpPr>
+            <a:spLocks noGrp="1"/>
+          </p:cNvSpPr>
+          <p:nvPr>
+            <p:ph idx="1"/>
+          </p:nvPr>
+        </p:nvSpPr>
+        <p:spPr>
+          <a:xfrm>
+            <a:off x="241300" y="1308595"/>
+            <a:ext cx="8902700" cy="2869624"/>
+          </a:xfrm>
+        </p:spPr>
+        <p:txBody>
+          <a:bodyPr>
+            <a:noAutofit/>
+          </a:bodyPr>
+          <a:lstStyle/>
+          <a:p>
+            <a:pPr marL="0" indent="0">
+              <a:buNone/>
+            </a:pPr>
+            <a:r>
+              <a:rPr lang="en-US" sz="1600" dirty="0" err="1">
+                <a:latin typeface="Courier New" panose="02070309020205020404" pitchFamily="49" charset="0"/>
+                <a:cs typeface="Courier New" panose="02070309020205020404" pitchFamily="49" charset="0"/>
+              </a:rPr>
+              <a:t>qual.plot</a:t>
+            </a:r>
+            <a:r>
+              <a:rPr lang="en-US" sz="1600" dirty="0">
+                <a:latin typeface="Courier New" panose="02070309020205020404" pitchFamily="49" charset="0"/>
+                <a:cs typeface="Courier New" panose="02070309020205020404" pitchFamily="49" charset="0"/>
+              </a:rPr>
+              <a:t> &lt;- </a:t>
+            </a:r>
+            <a:r>
+              <a:rPr lang="en-US" sz="1600" b="1" dirty="0">
+                <a:latin typeface="Courier New" panose="02070309020205020404" pitchFamily="49" charset="0"/>
+                <a:cs typeface="Courier New" panose="02070309020205020404" pitchFamily="49" charset="0"/>
+              </a:rPr>
+              <a:t>function</a:t>
+            </a:r>
+            <a:r>
+              <a:rPr lang="en-US" sz="1600" dirty="0">
+                <a:latin typeface="Courier New" panose="02070309020205020404" pitchFamily="49" charset="0"/>
+                <a:cs typeface="Courier New" panose="02070309020205020404" pitchFamily="49" charset="0"/>
+              </a:rPr>
+              <a:t>(</a:t>
+            </a:r>
+            <a:r>
+              <a:rPr lang="en-US" sz="1600" dirty="0" err="1">
+                <a:latin typeface="Courier New" panose="02070309020205020404" pitchFamily="49" charset="0"/>
+                <a:cs typeface="Courier New" panose="02070309020205020404" pitchFamily="49" charset="0"/>
+              </a:rPr>
+              <a:t>qual.data</a:t>
+            </a:r>
+            <a:r>
+              <a:rPr lang="en-US" sz="1600" dirty="0">
+                <a:latin typeface="Courier New" panose="02070309020205020404" pitchFamily="49" charset="0"/>
+                <a:cs typeface="Courier New" panose="02070309020205020404" pitchFamily="49" charset="0"/>
+              </a:rPr>
+              <a:t>, encode=33, label="", </a:t>
+            </a:r>
+            <a:r>
+              <a:rPr lang="en-US" sz="1600" dirty="0" err="1">
+                <a:latin typeface="Courier New" panose="02070309020205020404" pitchFamily="49" charset="0"/>
+                <a:cs typeface="Courier New" panose="02070309020205020404" pitchFamily="49" charset="0"/>
+              </a:rPr>
+              <a:t>ymax</a:t>
+            </a:r>
+            <a:r>
+              <a:rPr lang="en-US" sz="1600" dirty="0">
+                <a:latin typeface="Courier New" panose="02070309020205020404" pitchFamily="49" charset="0"/>
+                <a:cs typeface="Courier New" panose="02070309020205020404" pitchFamily="49" charset="0"/>
+              </a:rPr>
+              <a:t>=41) {</a:t>
+            </a:r>
+          </a:p>
+          <a:p>
+            <a:pPr marL="0" indent="0">
+              <a:buNone/>
+            </a:pPr>
+            <a:r>
+              <a:rPr lang="en-US" sz="1600" dirty="0">
+                <a:latin typeface="Courier New" panose="02070309020205020404" pitchFamily="49" charset="0"/>
+                <a:cs typeface="Courier New" panose="02070309020205020404" pitchFamily="49" charset="0"/>
+              </a:rPr>
+              <a:t># plot quality scores against base positions</a:t>
+            </a:r>
+          </a:p>
+          <a:p>
+            <a:pPr marL="0" indent="0">
+              <a:buNone/>
+            </a:pPr>
+            <a:r>
+              <a:rPr lang="en-US" sz="1600" dirty="0">
+                <a:latin typeface="Courier New" panose="02070309020205020404" pitchFamily="49" charset="0"/>
+                <a:cs typeface="Courier New" panose="02070309020205020404" pitchFamily="49" charset="0"/>
+              </a:rPr>
+              <a:t>    </a:t>
+            </a:r>
+            <a:r>
+              <a:rPr lang="en-US" sz="1600" dirty="0" err="1">
+                <a:latin typeface="Courier New" panose="02070309020205020404" pitchFamily="49" charset="0"/>
+                <a:cs typeface="Courier New" panose="02070309020205020404" pitchFamily="49" charset="0"/>
+              </a:rPr>
+              <a:t>qual.vals</a:t>
+            </a:r>
+            <a:r>
+              <a:rPr lang="en-US" sz="1600" dirty="0">
+                <a:latin typeface="Courier New" panose="02070309020205020404" pitchFamily="49" charset="0"/>
+                <a:cs typeface="Courier New" panose="02070309020205020404" pitchFamily="49" charset="0"/>
+              </a:rPr>
+              <a:t> &lt;- </a:t>
+            </a:r>
+            <a:r>
+              <a:rPr lang="en-US" sz="1600" dirty="0" err="1">
+                <a:latin typeface="Courier New" panose="02070309020205020404" pitchFamily="49" charset="0"/>
+                <a:cs typeface="Courier New" panose="02070309020205020404" pitchFamily="49" charset="0"/>
+              </a:rPr>
+              <a:t>as.numeric</a:t>
+            </a:r>
+            <a:r>
+              <a:rPr lang="en-US" sz="1600" dirty="0">
+                <a:latin typeface="Courier New" panose="02070309020205020404" pitchFamily="49" charset="0"/>
+                <a:cs typeface="Courier New" panose="02070309020205020404" pitchFamily="49" charset="0"/>
+              </a:rPr>
+              <a:t>(</a:t>
+            </a:r>
+            <a:r>
+              <a:rPr lang="en-US" sz="1600" dirty="0" err="1">
+                <a:latin typeface="Courier New" panose="02070309020205020404" pitchFamily="49" charset="0"/>
+                <a:cs typeface="Courier New" panose="02070309020205020404" pitchFamily="49" charset="0"/>
+              </a:rPr>
+              <a:t>charToRaw</a:t>
+            </a:r>
+            <a:r>
+              <a:rPr lang="en-US" sz="1600" dirty="0">
+                <a:latin typeface="Courier New" panose="02070309020205020404" pitchFamily="49" charset="0"/>
+                <a:cs typeface="Courier New" panose="02070309020205020404" pitchFamily="49" charset="0"/>
+              </a:rPr>
+              <a:t>(</a:t>
+            </a:r>
+            <a:r>
+              <a:rPr lang="en-US" sz="1600" dirty="0" err="1">
+                <a:latin typeface="Courier New" panose="02070309020205020404" pitchFamily="49" charset="0"/>
+                <a:cs typeface="Courier New" panose="02070309020205020404" pitchFamily="49" charset="0"/>
+              </a:rPr>
+              <a:t>as.character</a:t>
+            </a:r>
+            <a:r>
+              <a:rPr lang="en-US" sz="1600" dirty="0">
+                <a:latin typeface="Courier New" panose="02070309020205020404" pitchFamily="49" charset="0"/>
+                <a:cs typeface="Courier New" panose="02070309020205020404" pitchFamily="49" charset="0"/>
+              </a:rPr>
+              <a:t>(</a:t>
+            </a:r>
+            <a:r>
+              <a:rPr lang="en-US" sz="1600" dirty="0" err="1">
+                <a:latin typeface="Courier New" panose="02070309020205020404" pitchFamily="49" charset="0"/>
+                <a:cs typeface="Courier New" panose="02070309020205020404" pitchFamily="49" charset="0"/>
+              </a:rPr>
+              <a:t>qual.data</a:t>
+            </a:r>
+            <a:r>
+              <a:rPr lang="en-US" sz="1600" dirty="0">
+                <a:latin typeface="Courier New" panose="02070309020205020404" pitchFamily="49" charset="0"/>
+                <a:cs typeface="Courier New" panose="02070309020205020404" pitchFamily="49" charset="0"/>
+              </a:rPr>
+              <a:t>)))-encode</a:t>
+            </a:r>
+          </a:p>
+          <a:p>
+            <a:pPr marL="0" indent="0">
+              <a:buNone/>
+            </a:pPr>
+            <a:r>
+              <a:rPr lang="en-US" sz="1600" dirty="0">
+                <a:latin typeface="Courier New" panose="02070309020205020404" pitchFamily="49" charset="0"/>
+                <a:cs typeface="Courier New" panose="02070309020205020404" pitchFamily="49" charset="0"/>
+              </a:rPr>
+              <a:t>    plot(1:length(</a:t>
+            </a:r>
+            <a:r>
+              <a:rPr lang="en-US" sz="1600" dirty="0" err="1">
+                <a:latin typeface="Courier New" panose="02070309020205020404" pitchFamily="49" charset="0"/>
+                <a:cs typeface="Courier New" panose="02070309020205020404" pitchFamily="49" charset="0"/>
+              </a:rPr>
+              <a:t>qual.vals</a:t>
+            </a:r>
+            <a:r>
+              <a:rPr lang="en-US" sz="1600" dirty="0">
+                <a:latin typeface="Courier New" panose="02070309020205020404" pitchFamily="49" charset="0"/>
+                <a:cs typeface="Courier New" panose="02070309020205020404" pitchFamily="49" charset="0"/>
+              </a:rPr>
+              <a:t>), </a:t>
+            </a:r>
+            <a:r>
+              <a:rPr lang="en-US" sz="1600" dirty="0" err="1">
+                <a:latin typeface="Courier New" panose="02070309020205020404" pitchFamily="49" charset="0"/>
+                <a:cs typeface="Courier New" panose="02070309020205020404" pitchFamily="49" charset="0"/>
+              </a:rPr>
+              <a:t>qual.vals</a:t>
+            </a:r>
+            <a:r>
+              <a:rPr lang="en-US" sz="1600" dirty="0">
+                <a:latin typeface="Courier New" panose="02070309020205020404" pitchFamily="49" charset="0"/>
+                <a:cs typeface="Courier New" panose="02070309020205020404" pitchFamily="49" charset="0"/>
+              </a:rPr>
+              <a:t>, </a:t>
+            </a:r>
+            <a:r>
+              <a:rPr lang="en-US" sz="1600" dirty="0" err="1">
+                <a:latin typeface="Courier New" panose="02070309020205020404" pitchFamily="49" charset="0"/>
+                <a:cs typeface="Courier New" panose="02070309020205020404" pitchFamily="49" charset="0"/>
+              </a:rPr>
+              <a:t>pch</a:t>
+            </a:r>
+            <a:r>
+              <a:rPr lang="en-US" sz="1600" dirty="0">
+                <a:latin typeface="Courier New" panose="02070309020205020404" pitchFamily="49" charset="0"/>
+                <a:cs typeface="Courier New" panose="02070309020205020404" pitchFamily="49" charset="0"/>
+              </a:rPr>
+              <a:t>=19, </a:t>
+            </a:r>
+            <a:r>
+              <a:rPr lang="en-US" sz="1600" dirty="0" err="1">
+                <a:latin typeface="Courier New" panose="02070309020205020404" pitchFamily="49" charset="0"/>
+                <a:cs typeface="Courier New" panose="02070309020205020404" pitchFamily="49" charset="0"/>
+              </a:rPr>
+              <a:t>cex</a:t>
+            </a:r>
+            <a:r>
+              <a:rPr lang="en-US" sz="1600" dirty="0">
+                <a:latin typeface="Courier New" panose="02070309020205020404" pitchFamily="49" charset="0"/>
+                <a:cs typeface="Courier New" panose="02070309020205020404" pitchFamily="49" charset="0"/>
+              </a:rPr>
+              <a:t>=0.4, main=label,</a:t>
+            </a:r>
+          </a:p>
+          <a:p>
+            <a:pPr marL="0" indent="0">
+              <a:buNone/>
+            </a:pPr>
+            <a:r>
+              <a:rPr lang="en-US" sz="1600" dirty="0">
+                <a:latin typeface="Courier New" panose="02070309020205020404" pitchFamily="49" charset="0"/>
+                <a:cs typeface="Courier New" panose="02070309020205020404" pitchFamily="49" charset="0"/>
+              </a:rPr>
+              <a:t>        </a:t>
+            </a:r>
+            <a:r>
+              <a:rPr lang="en-US" sz="1600" dirty="0" err="1">
+                <a:latin typeface="Courier New" panose="02070309020205020404" pitchFamily="49" charset="0"/>
+                <a:cs typeface="Courier New" panose="02070309020205020404" pitchFamily="49" charset="0"/>
+              </a:rPr>
+              <a:t>xlab</a:t>
+            </a:r>
+            <a:r>
+              <a:rPr lang="en-US" sz="1600" dirty="0">
+                <a:latin typeface="Courier New" panose="02070309020205020404" pitchFamily="49" charset="0"/>
+                <a:cs typeface="Courier New" panose="02070309020205020404" pitchFamily="49" charset="0"/>
+              </a:rPr>
+              <a:t>="Position on read (bp)", </a:t>
+            </a:r>
+            <a:r>
+              <a:rPr lang="en-US" sz="1600" dirty="0" err="1">
+                <a:latin typeface="Courier New" panose="02070309020205020404" pitchFamily="49" charset="0"/>
+                <a:cs typeface="Courier New" panose="02070309020205020404" pitchFamily="49" charset="0"/>
+              </a:rPr>
+              <a:t>ylab</a:t>
+            </a:r>
+            <a:r>
+              <a:rPr lang="en-US" sz="1600" dirty="0">
+                <a:latin typeface="Courier New" panose="02070309020205020404" pitchFamily="49" charset="0"/>
+                <a:cs typeface="Courier New" panose="02070309020205020404" pitchFamily="49" charset="0"/>
+              </a:rPr>
+              <a:t>="Phred quality",</a:t>
+            </a:r>
+          </a:p>
+          <a:p>
+            <a:pPr marL="0" indent="0">
+              <a:buNone/>
+            </a:pPr>
+            <a:r>
+              <a:rPr lang="en-US" sz="1600" dirty="0">
+                <a:latin typeface="Courier New" panose="02070309020205020404" pitchFamily="49" charset="0"/>
+                <a:cs typeface="Courier New" panose="02070309020205020404" pitchFamily="49" charset="0"/>
+              </a:rPr>
+              <a:t>        </a:t>
+            </a:r>
+            <a:r>
+              <a:rPr lang="en-US" sz="1600" dirty="0" err="1">
+                <a:latin typeface="Courier New" panose="02070309020205020404" pitchFamily="49" charset="0"/>
+                <a:cs typeface="Courier New" panose="02070309020205020404" pitchFamily="49" charset="0"/>
+              </a:rPr>
+              <a:t>ylim</a:t>
+            </a:r>
+            <a:r>
+              <a:rPr lang="en-US" sz="1600" dirty="0">
+                <a:latin typeface="Courier New" panose="02070309020205020404" pitchFamily="49" charset="0"/>
+                <a:cs typeface="Courier New" panose="02070309020205020404" pitchFamily="49" charset="0"/>
+              </a:rPr>
+              <a:t>=c(0, </a:t>
+            </a:r>
+            <a:r>
+              <a:rPr lang="en-US" sz="1600" dirty="0" err="1">
+                <a:latin typeface="Courier New" panose="02070309020205020404" pitchFamily="49" charset="0"/>
+                <a:cs typeface="Courier New" panose="02070309020205020404" pitchFamily="49" charset="0"/>
+              </a:rPr>
+              <a:t>ymax</a:t>
+            </a:r>
+            <a:r>
+              <a:rPr lang="en-US" sz="1600" dirty="0">
+                <a:latin typeface="Courier New" panose="02070309020205020404" pitchFamily="49" charset="0"/>
+                <a:cs typeface="Courier New" panose="02070309020205020404" pitchFamily="49" charset="0"/>
+              </a:rPr>
+              <a:t>))</a:t>
+            </a:r>
+          </a:p>
+          <a:p>
+            <a:pPr marL="0" indent="0">
+              <a:buNone/>
+            </a:pPr>
+            <a:r>
+              <a:rPr lang="en-US" sz="1600" dirty="0">
+                <a:latin typeface="Courier New" panose="02070309020205020404" pitchFamily="49" charset="0"/>
+                <a:cs typeface="Courier New" panose="02070309020205020404" pitchFamily="49" charset="0"/>
+              </a:rPr>
+              <a:t>}</a:t>
+            </a:r>
+          </a:p>
+        </p:txBody>
+      </p:sp>
+    </p:spTree>
+    <p:extLst>
+      <p:ext uri="{BB962C8B-B14F-4D97-AF65-F5344CB8AC3E}">
+        <p14:creationId xmlns:p14="http://schemas.microsoft.com/office/powerpoint/2010/main" val="800887616"/>
       </p:ext>
     </p:extLst>
   </p:cSld>
@@ -14841,401 +15033,6 @@
         </p:nvSpPr>
         <p:spPr>
           <a:xfrm>
-            <a:off x="457200" y="205978"/>
-            <a:ext cx="8229600" cy="743145"/>
-          </a:xfrm>
-        </p:spPr>
-        <p:txBody>
-          <a:bodyPr/>
-          <a:lstStyle/>
-          <a:p>
-            <a:r>
-              <a:rPr lang="en-US" dirty="0"/>
-              <a:t>Write a plotting function</a:t>
-            </a:r>
-          </a:p>
-        </p:txBody>
-      </p:sp>
-      <p:sp>
-        <p:nvSpPr>
-          <p:cNvPr id="3" name="Content Placeholder 2"/>
-          <p:cNvSpPr>
-            <a:spLocks noGrp="1"/>
-          </p:cNvSpPr>
-          <p:nvPr>
-            <p:ph idx="1"/>
-          </p:nvPr>
-        </p:nvSpPr>
-        <p:spPr>
-          <a:xfrm>
-            <a:off x="241300" y="1308595"/>
-            <a:ext cx="8902700" cy="2869624"/>
-          </a:xfrm>
-        </p:spPr>
-        <p:txBody>
-          <a:bodyPr>
-            <a:noAutofit/>
-          </a:bodyPr>
-          <a:lstStyle/>
-          <a:p>
-            <a:pPr marL="0" indent="0">
-              <a:buNone/>
-            </a:pPr>
-            <a:r>
-              <a:rPr lang="en-US" sz="1600" dirty="0" err="1">
-                <a:latin typeface="Courier New" panose="02070309020205020404" pitchFamily="49" charset="0"/>
-                <a:cs typeface="Courier New" panose="02070309020205020404" pitchFamily="49" charset="0"/>
-              </a:rPr>
-              <a:t>qual.plot</a:t>
-            </a:r>
-            <a:r>
-              <a:rPr lang="en-US" sz="1600" dirty="0">
-                <a:latin typeface="Courier New" panose="02070309020205020404" pitchFamily="49" charset="0"/>
-                <a:cs typeface="Courier New" panose="02070309020205020404" pitchFamily="49" charset="0"/>
-              </a:rPr>
-              <a:t> &lt;- </a:t>
-            </a:r>
-            <a:r>
-              <a:rPr lang="en-US" sz="1600" b="1" dirty="0">
-                <a:latin typeface="Courier New" panose="02070309020205020404" pitchFamily="49" charset="0"/>
-                <a:cs typeface="Courier New" panose="02070309020205020404" pitchFamily="49" charset="0"/>
-              </a:rPr>
-              <a:t>function</a:t>
-            </a:r>
-            <a:r>
-              <a:rPr lang="en-US" sz="1600" dirty="0">
-                <a:latin typeface="Courier New" panose="02070309020205020404" pitchFamily="49" charset="0"/>
-                <a:cs typeface="Courier New" panose="02070309020205020404" pitchFamily="49" charset="0"/>
-              </a:rPr>
-              <a:t>(</a:t>
-            </a:r>
-            <a:r>
-              <a:rPr lang="en-US" sz="1600" dirty="0" err="1">
-                <a:latin typeface="Courier New" panose="02070309020205020404" pitchFamily="49" charset="0"/>
-                <a:cs typeface="Courier New" panose="02070309020205020404" pitchFamily="49" charset="0"/>
-              </a:rPr>
-              <a:t>qual.data</a:t>
-            </a:r>
-            <a:r>
-              <a:rPr lang="en-US" sz="1600" dirty="0">
-                <a:latin typeface="Courier New" panose="02070309020205020404" pitchFamily="49" charset="0"/>
-                <a:cs typeface="Courier New" panose="02070309020205020404" pitchFamily="49" charset="0"/>
-              </a:rPr>
-              <a:t>, encode=33, label="", </a:t>
-            </a:r>
-            <a:r>
-              <a:rPr lang="en-US" sz="1600" dirty="0" err="1">
-                <a:latin typeface="Courier New" panose="02070309020205020404" pitchFamily="49" charset="0"/>
-                <a:cs typeface="Courier New" panose="02070309020205020404" pitchFamily="49" charset="0"/>
-              </a:rPr>
-              <a:t>ymax</a:t>
-            </a:r>
-            <a:r>
-              <a:rPr lang="en-US" sz="1600" dirty="0">
-                <a:latin typeface="Courier New" panose="02070309020205020404" pitchFamily="49" charset="0"/>
-                <a:cs typeface="Courier New" panose="02070309020205020404" pitchFamily="49" charset="0"/>
-              </a:rPr>
-              <a:t>=41) {</a:t>
-            </a:r>
-          </a:p>
-          <a:p>
-            <a:pPr marL="0" indent="0">
-              <a:buNone/>
-            </a:pPr>
-            <a:r>
-              <a:rPr lang="en-US" sz="1600" dirty="0">
-                <a:latin typeface="Courier New" panose="02070309020205020404" pitchFamily="49" charset="0"/>
-                <a:cs typeface="Courier New" panose="02070309020205020404" pitchFamily="49" charset="0"/>
-              </a:rPr>
-              <a:t># plot quality scores against base positions</a:t>
-            </a:r>
-          </a:p>
-          <a:p>
-            <a:pPr marL="0" indent="0">
-              <a:buNone/>
-            </a:pPr>
-            <a:r>
-              <a:rPr lang="en-US" sz="1600" dirty="0">
-                <a:latin typeface="Courier New" panose="02070309020205020404" pitchFamily="49" charset="0"/>
-                <a:cs typeface="Courier New" panose="02070309020205020404" pitchFamily="49" charset="0"/>
-              </a:rPr>
-              <a:t>    </a:t>
-            </a:r>
-            <a:r>
-              <a:rPr lang="en-US" sz="1600" dirty="0" err="1">
-                <a:latin typeface="Courier New" panose="02070309020205020404" pitchFamily="49" charset="0"/>
-                <a:cs typeface="Courier New" panose="02070309020205020404" pitchFamily="49" charset="0"/>
-              </a:rPr>
-              <a:t>qual.vals</a:t>
-            </a:r>
-            <a:r>
-              <a:rPr lang="en-US" sz="1600" dirty="0">
-                <a:latin typeface="Courier New" panose="02070309020205020404" pitchFamily="49" charset="0"/>
-                <a:cs typeface="Courier New" panose="02070309020205020404" pitchFamily="49" charset="0"/>
-              </a:rPr>
-              <a:t> &lt;- </a:t>
-            </a:r>
-            <a:r>
-              <a:rPr lang="en-US" sz="1600" dirty="0" err="1">
-                <a:latin typeface="Courier New" panose="02070309020205020404" pitchFamily="49" charset="0"/>
-                <a:cs typeface="Courier New" panose="02070309020205020404" pitchFamily="49" charset="0"/>
-              </a:rPr>
-              <a:t>as.numeric</a:t>
-            </a:r>
-            <a:r>
-              <a:rPr lang="en-US" sz="1600" dirty="0">
-                <a:latin typeface="Courier New" panose="02070309020205020404" pitchFamily="49" charset="0"/>
-                <a:cs typeface="Courier New" panose="02070309020205020404" pitchFamily="49" charset="0"/>
-              </a:rPr>
-              <a:t>(</a:t>
-            </a:r>
-            <a:r>
-              <a:rPr lang="en-US" sz="1600" dirty="0" err="1">
-                <a:latin typeface="Courier New" panose="02070309020205020404" pitchFamily="49" charset="0"/>
-                <a:cs typeface="Courier New" panose="02070309020205020404" pitchFamily="49" charset="0"/>
-              </a:rPr>
-              <a:t>charToRaw</a:t>
-            </a:r>
-            <a:r>
-              <a:rPr lang="en-US" sz="1600" dirty="0">
-                <a:latin typeface="Courier New" panose="02070309020205020404" pitchFamily="49" charset="0"/>
-                <a:cs typeface="Courier New" panose="02070309020205020404" pitchFamily="49" charset="0"/>
-              </a:rPr>
-              <a:t>(</a:t>
-            </a:r>
-            <a:r>
-              <a:rPr lang="en-US" sz="1600" dirty="0" err="1">
-                <a:latin typeface="Courier New" panose="02070309020205020404" pitchFamily="49" charset="0"/>
-                <a:cs typeface="Courier New" panose="02070309020205020404" pitchFamily="49" charset="0"/>
-              </a:rPr>
-              <a:t>as.character</a:t>
-            </a:r>
-            <a:r>
-              <a:rPr lang="en-US" sz="1600" dirty="0">
-                <a:latin typeface="Courier New" panose="02070309020205020404" pitchFamily="49" charset="0"/>
-                <a:cs typeface="Courier New" panose="02070309020205020404" pitchFamily="49" charset="0"/>
-              </a:rPr>
-              <a:t>(</a:t>
-            </a:r>
-            <a:r>
-              <a:rPr lang="en-US" sz="1600" dirty="0" err="1">
-                <a:latin typeface="Courier New" panose="02070309020205020404" pitchFamily="49" charset="0"/>
-                <a:cs typeface="Courier New" panose="02070309020205020404" pitchFamily="49" charset="0"/>
-              </a:rPr>
-              <a:t>qual.data</a:t>
-            </a:r>
-            <a:r>
-              <a:rPr lang="en-US" sz="1600" dirty="0">
-                <a:latin typeface="Courier New" panose="02070309020205020404" pitchFamily="49" charset="0"/>
-                <a:cs typeface="Courier New" panose="02070309020205020404" pitchFamily="49" charset="0"/>
-              </a:rPr>
-              <a:t>)))-encode</a:t>
-            </a:r>
-          </a:p>
-          <a:p>
-            <a:pPr marL="0" indent="0">
-              <a:buNone/>
-            </a:pPr>
-            <a:r>
-              <a:rPr lang="en-US" sz="1600" dirty="0">
-                <a:latin typeface="Courier New" panose="02070309020205020404" pitchFamily="49" charset="0"/>
-                <a:cs typeface="Courier New" panose="02070309020205020404" pitchFamily="49" charset="0"/>
-              </a:rPr>
-              <a:t>    plot(1:length(</a:t>
-            </a:r>
-            <a:r>
-              <a:rPr lang="en-US" sz="1600" dirty="0" err="1">
-                <a:latin typeface="Courier New" panose="02070309020205020404" pitchFamily="49" charset="0"/>
-                <a:cs typeface="Courier New" panose="02070309020205020404" pitchFamily="49" charset="0"/>
-              </a:rPr>
-              <a:t>qual.vals</a:t>
-            </a:r>
-            <a:r>
-              <a:rPr lang="en-US" sz="1600" dirty="0">
-                <a:latin typeface="Courier New" panose="02070309020205020404" pitchFamily="49" charset="0"/>
-                <a:cs typeface="Courier New" panose="02070309020205020404" pitchFamily="49" charset="0"/>
-              </a:rPr>
-              <a:t>), </a:t>
-            </a:r>
-            <a:r>
-              <a:rPr lang="en-US" sz="1600" dirty="0" err="1">
-                <a:latin typeface="Courier New" panose="02070309020205020404" pitchFamily="49" charset="0"/>
-                <a:cs typeface="Courier New" panose="02070309020205020404" pitchFamily="49" charset="0"/>
-              </a:rPr>
-              <a:t>qual.vals</a:t>
-            </a:r>
-            <a:r>
-              <a:rPr lang="en-US" sz="1600" dirty="0">
-                <a:latin typeface="Courier New" panose="02070309020205020404" pitchFamily="49" charset="0"/>
-                <a:cs typeface="Courier New" panose="02070309020205020404" pitchFamily="49" charset="0"/>
-              </a:rPr>
-              <a:t>, </a:t>
-            </a:r>
-            <a:r>
-              <a:rPr lang="en-US" sz="1600" dirty="0" err="1">
-                <a:latin typeface="Courier New" panose="02070309020205020404" pitchFamily="49" charset="0"/>
-                <a:cs typeface="Courier New" panose="02070309020205020404" pitchFamily="49" charset="0"/>
-              </a:rPr>
-              <a:t>pch</a:t>
-            </a:r>
-            <a:r>
-              <a:rPr lang="en-US" sz="1600" dirty="0">
-                <a:latin typeface="Courier New" panose="02070309020205020404" pitchFamily="49" charset="0"/>
-                <a:cs typeface="Courier New" panose="02070309020205020404" pitchFamily="49" charset="0"/>
-              </a:rPr>
-              <a:t>=19, </a:t>
-            </a:r>
-            <a:r>
-              <a:rPr lang="en-US" sz="1600" dirty="0" err="1">
-                <a:latin typeface="Courier New" panose="02070309020205020404" pitchFamily="49" charset="0"/>
-                <a:cs typeface="Courier New" panose="02070309020205020404" pitchFamily="49" charset="0"/>
-              </a:rPr>
-              <a:t>cex</a:t>
-            </a:r>
-            <a:r>
-              <a:rPr lang="en-US" sz="1600" dirty="0">
-                <a:latin typeface="Courier New" panose="02070309020205020404" pitchFamily="49" charset="0"/>
-                <a:cs typeface="Courier New" panose="02070309020205020404" pitchFamily="49" charset="0"/>
-              </a:rPr>
-              <a:t>=0.4, main=label,</a:t>
-            </a:r>
-          </a:p>
-          <a:p>
-            <a:pPr marL="0" indent="0">
-              <a:buNone/>
-            </a:pPr>
-            <a:r>
-              <a:rPr lang="en-US" sz="1600" dirty="0">
-                <a:latin typeface="Courier New" panose="02070309020205020404" pitchFamily="49" charset="0"/>
-                <a:cs typeface="Courier New" panose="02070309020205020404" pitchFamily="49" charset="0"/>
-              </a:rPr>
-              <a:t>        </a:t>
-            </a:r>
-            <a:r>
-              <a:rPr lang="en-US" sz="1600" dirty="0" err="1">
-                <a:latin typeface="Courier New" panose="02070309020205020404" pitchFamily="49" charset="0"/>
-                <a:cs typeface="Courier New" panose="02070309020205020404" pitchFamily="49" charset="0"/>
-              </a:rPr>
-              <a:t>xlab</a:t>
-            </a:r>
-            <a:r>
-              <a:rPr lang="en-US" sz="1600" dirty="0">
-                <a:latin typeface="Courier New" panose="02070309020205020404" pitchFamily="49" charset="0"/>
-                <a:cs typeface="Courier New" panose="02070309020205020404" pitchFamily="49" charset="0"/>
-              </a:rPr>
-              <a:t>="Position on read (bp)", </a:t>
-            </a:r>
-            <a:r>
-              <a:rPr lang="en-US" sz="1600" dirty="0" err="1">
-                <a:latin typeface="Courier New" panose="02070309020205020404" pitchFamily="49" charset="0"/>
-                <a:cs typeface="Courier New" panose="02070309020205020404" pitchFamily="49" charset="0"/>
-              </a:rPr>
-              <a:t>ylab</a:t>
-            </a:r>
-            <a:r>
-              <a:rPr lang="en-US" sz="1600" dirty="0">
-                <a:latin typeface="Courier New" panose="02070309020205020404" pitchFamily="49" charset="0"/>
-                <a:cs typeface="Courier New" panose="02070309020205020404" pitchFamily="49" charset="0"/>
-              </a:rPr>
-              <a:t>="Phred quality",</a:t>
-            </a:r>
-          </a:p>
-          <a:p>
-            <a:pPr marL="0" indent="0">
-              <a:buNone/>
-            </a:pPr>
-            <a:r>
-              <a:rPr lang="en-US" sz="1600" dirty="0">
-                <a:latin typeface="Courier New" panose="02070309020205020404" pitchFamily="49" charset="0"/>
-                <a:cs typeface="Courier New" panose="02070309020205020404" pitchFamily="49" charset="0"/>
-              </a:rPr>
-              <a:t>        </a:t>
-            </a:r>
-            <a:r>
-              <a:rPr lang="en-US" sz="1600" dirty="0" err="1">
-                <a:latin typeface="Courier New" panose="02070309020205020404" pitchFamily="49" charset="0"/>
-                <a:cs typeface="Courier New" panose="02070309020205020404" pitchFamily="49" charset="0"/>
-              </a:rPr>
-              <a:t>ylim</a:t>
-            </a:r>
-            <a:r>
-              <a:rPr lang="en-US" sz="1600" dirty="0">
-                <a:latin typeface="Courier New" panose="02070309020205020404" pitchFamily="49" charset="0"/>
-                <a:cs typeface="Courier New" panose="02070309020205020404" pitchFamily="49" charset="0"/>
-              </a:rPr>
-              <a:t>=c(0, </a:t>
-            </a:r>
-            <a:r>
-              <a:rPr lang="en-US" sz="1600" dirty="0" err="1">
-                <a:latin typeface="Courier New" panose="02070309020205020404" pitchFamily="49" charset="0"/>
-                <a:cs typeface="Courier New" panose="02070309020205020404" pitchFamily="49" charset="0"/>
-              </a:rPr>
-              <a:t>ymax</a:t>
-            </a:r>
-            <a:r>
-              <a:rPr lang="en-US" sz="1600" dirty="0">
-                <a:latin typeface="Courier New" panose="02070309020205020404" pitchFamily="49" charset="0"/>
-                <a:cs typeface="Courier New" panose="02070309020205020404" pitchFamily="49" charset="0"/>
-              </a:rPr>
-              <a:t>))</a:t>
-            </a:r>
-          </a:p>
-          <a:p>
-            <a:pPr marL="0" indent="0">
-              <a:buNone/>
-            </a:pPr>
-            <a:r>
-              <a:rPr lang="en-US" sz="1600" dirty="0">
-                <a:latin typeface="Courier New" panose="02070309020205020404" pitchFamily="49" charset="0"/>
-                <a:cs typeface="Courier New" panose="02070309020205020404" pitchFamily="49" charset="0"/>
-              </a:rPr>
-              <a:t>}</a:t>
-            </a:r>
-          </a:p>
-        </p:txBody>
-      </p:sp>
-    </p:spTree>
-    <p:extLst>
-      <p:ext uri="{BB962C8B-B14F-4D97-AF65-F5344CB8AC3E}">
-        <p14:creationId xmlns:p14="http://schemas.microsoft.com/office/powerpoint/2010/main" val="800887616"/>
-      </p:ext>
-    </p:extLst>
-  </p:cSld>
-  <p:clrMapOvr>
-    <a:masterClrMapping/>
-  </p:clrMapOvr>
-</p:sld>
-</file>
-
-<file path=ppt/slides/slide33.xml><?xml version="1.0" encoding="utf-8"?>
-<p:sld xmlns:a="http://schemas.openxmlformats.org/drawingml/2006/main" xmlns:r="http://schemas.openxmlformats.org/officeDocument/2006/relationships" xmlns:p="http://schemas.openxmlformats.org/presentationml/2006/main">
-  <p:cSld>
-    <p:spTree>
-      <p:nvGrpSpPr>
-        <p:cNvPr id="1" name=""/>
-        <p:cNvGrpSpPr/>
-        <p:nvPr/>
-      </p:nvGrpSpPr>
-      <p:grpSpPr>
-        <a:xfrm>
-          <a:off x="0" y="0"/>
-          <a:ext cx="0" cy="0"/>
-          <a:chOff x="0" y="0"/>
-          <a:chExt cx="0" cy="0"/>
-        </a:xfrm>
-      </p:grpSpPr>
-      <p:sp>
-        <p:nvSpPr>
-          <p:cNvPr id="2" name="Title 1"/>
-          <p:cNvSpPr>
-            <a:spLocks noGrp="1"/>
-          </p:cNvSpPr>
-          <p:nvPr>
-            <p:ph type="title"/>
-          </p:nvPr>
-        </p:nvSpPr>
-        <p:spPr>
-          <a:xfrm>
             <a:off x="457200" y="213519"/>
             <a:ext cx="8229600" cy="1185862"/>
           </a:xfrm>
@@ -15421,7 +15218,7 @@
 </p:sld>
 </file>
 
-<file path=ppt/slides/slide34.xml><?xml version="1.0" encoding="utf-8"?>
+<file path=ppt/slides/slide33.xml><?xml version="1.0" encoding="utf-8"?>
 <p:sld xmlns:a="http://schemas.openxmlformats.org/drawingml/2006/main" xmlns:r="http://schemas.openxmlformats.org/officeDocument/2006/relationships" xmlns:p="http://schemas.openxmlformats.org/presentationml/2006/main">
   <p:cSld>
     <p:spTree>
@@ -15508,7 +15305,7 @@
 </p:sld>
 </file>
 
-<file path=ppt/slides/slide35.xml><?xml version="1.0" encoding="utf-8"?>
+<file path=ppt/slides/slide34.xml><?xml version="1.0" encoding="utf-8"?>
 <p:sld xmlns:a="http://schemas.openxmlformats.org/drawingml/2006/main" xmlns:r="http://schemas.openxmlformats.org/officeDocument/2006/relationships" xmlns:p="http://schemas.openxmlformats.org/presentationml/2006/main">
   <p:cSld>
     <p:spTree>
@@ -15648,7 +15445,7 @@
           <a:p>
             <a:fld id="{9DA039C4-C5F2-1743-BB7A-5D831266C61E}" type="slidenum">
               <a:rPr lang="en-US" smtClean="0"/>
-              <a:t>35</a:t>
+              <a:t>34</a:t>
             </a:fld>
             <a:endParaRPr lang="en-US"/>
           </a:p>
@@ -15667,7 +15464,7 @@
 </p:sld>
 </file>
 
-<file path=ppt/slides/slide36.xml><?xml version="1.0" encoding="utf-8"?>
+<file path=ppt/slides/slide35.xml><?xml version="1.0" encoding="utf-8"?>
 <p:sld xmlns:a="http://schemas.openxmlformats.org/drawingml/2006/main" xmlns:r="http://schemas.openxmlformats.org/officeDocument/2006/relationships" xmlns:p="http://schemas.openxmlformats.org/presentationml/2006/main" show="0">
   <p:cSld>
     <p:spTree>
@@ -15869,7 +15666,7 @@
           <a:p>
             <a:fld id="{9DA039C4-C5F2-1743-BB7A-5D831266C61E}" type="slidenum">
               <a:rPr lang="en-US" smtClean="0"/>
-              <a:t>36</a:t>
+              <a:t>35</a:t>
             </a:fld>
             <a:endParaRPr lang="en-US"/>
           </a:p>
@@ -15888,7 +15685,7 @@
 </p:sld>
 </file>
 
-<file path=ppt/slides/slide37.xml><?xml version="1.0" encoding="utf-8"?>
+<file path=ppt/slides/slide36.xml><?xml version="1.0" encoding="utf-8"?>
 <p:sld xmlns:a="http://schemas.openxmlformats.org/drawingml/2006/main" xmlns:r="http://schemas.openxmlformats.org/officeDocument/2006/relationships" xmlns:p="http://schemas.openxmlformats.org/presentationml/2006/main" show="0">
   <p:cSld>
     <p:spTree>
@@ -16194,7 +15991,7 @@
           <a:p>
             <a:fld id="{9DA039C4-C5F2-1743-BB7A-5D831266C61E}" type="slidenum">
               <a:rPr lang="en-US" smtClean="0"/>
-              <a:t>37</a:t>
+              <a:t>36</a:t>
             </a:fld>
             <a:endParaRPr lang="en-US"/>
           </a:p>
@@ -16213,7 +16010,7 @@
 </p:sld>
 </file>
 
-<file path=ppt/slides/slide38.xml><?xml version="1.0" encoding="utf-8"?>
+<file path=ppt/slides/slide37.xml><?xml version="1.0" encoding="utf-8"?>
 <p:sld xmlns:a="http://schemas.openxmlformats.org/drawingml/2006/main" xmlns:r="http://schemas.openxmlformats.org/officeDocument/2006/relationships" xmlns:p="http://schemas.openxmlformats.org/presentationml/2006/main" show="0">
   <p:cSld>
     <p:spTree>
@@ -16454,7 +16251,7 @@
           <a:p>
             <a:fld id="{9DA039C4-C5F2-1743-BB7A-5D831266C61E}" type="slidenum">
               <a:rPr lang="en-US" smtClean="0"/>
-              <a:t>38</a:t>
+              <a:t>37</a:t>
             </a:fld>
             <a:endParaRPr lang="en-US"/>
           </a:p>
@@ -16473,7 +16270,7 @@
 </p:sld>
 </file>
 
-<file path=ppt/slides/slide39.xml><?xml version="1.0" encoding="utf-8"?>
+<file path=ppt/slides/slide38.xml><?xml version="1.0" encoding="utf-8"?>
 <p:sld xmlns:a="http://schemas.openxmlformats.org/drawingml/2006/main" xmlns:r="http://schemas.openxmlformats.org/officeDocument/2006/relationships" xmlns:p="http://schemas.openxmlformats.org/presentationml/2006/main" show="0">
   <p:cSld>
     <p:spTree>
@@ -16637,7 +16434,7 @@
           <a:p>
             <a:fld id="{9DA039C4-C5F2-1743-BB7A-5D831266C61E}" type="slidenum">
               <a:rPr lang="en-US" smtClean="0"/>
-              <a:t>39</a:t>
+              <a:t>38</a:t>
             </a:fld>
             <a:endParaRPr lang="en-US"/>
           </a:p>
@@ -16647,6 +16444,173 @@
     <p:extLst>
       <p:ext uri="{BB962C8B-B14F-4D97-AF65-F5344CB8AC3E}">
         <p14:creationId xmlns:p14="http://schemas.microsoft.com/office/powerpoint/2010/main" val="677674945"/>
+      </p:ext>
+    </p:extLst>
+  </p:cSld>
+  <p:clrMapOvr>
+    <a:masterClrMapping/>
+  </p:clrMapOvr>
+</p:sld>
+</file>
+
+<file path=ppt/slides/slide39.xml><?xml version="1.0" encoding="utf-8"?>
+<p:sld xmlns:a="http://schemas.openxmlformats.org/drawingml/2006/main" xmlns:r="http://schemas.openxmlformats.org/officeDocument/2006/relationships" xmlns:p="http://schemas.openxmlformats.org/presentationml/2006/main" show="0">
+  <p:cSld>
+    <p:spTree>
+      <p:nvGrpSpPr>
+        <p:cNvPr id="1" name="">
+          <a:extLst>
+            <a:ext uri="{FF2B5EF4-FFF2-40B4-BE49-F238E27FC236}">
+              <a16:creationId xmlns:a16="http://schemas.microsoft.com/office/drawing/2014/main" id="{37142EF1-92FC-EF78-23C7-25AEF4FBC364}"/>
+            </a:ext>
+          </a:extLst>
+        </p:cNvPr>
+        <p:cNvGrpSpPr/>
+        <p:nvPr/>
+      </p:nvGrpSpPr>
+      <p:grpSpPr>
+        <a:xfrm>
+          <a:off x="0" y="0"/>
+          <a:ext cx="0" cy="0"/>
+          <a:chOff x="0" y="0"/>
+          <a:chExt cx="0" cy="0"/>
+        </a:xfrm>
+      </p:grpSpPr>
+      <p:sp>
+        <p:nvSpPr>
+          <p:cNvPr id="2" name="Title 1">
+            <a:extLst>
+              <a:ext uri="{FF2B5EF4-FFF2-40B4-BE49-F238E27FC236}">
+                <a16:creationId xmlns:a16="http://schemas.microsoft.com/office/drawing/2014/main" id="{088367F0-BEA1-1ACD-4954-004BB6865CF7}"/>
+              </a:ext>
+            </a:extLst>
+          </p:cNvPr>
+          <p:cNvSpPr>
+            <a:spLocks noGrp="1"/>
+          </p:cNvSpPr>
+          <p:nvPr>
+            <p:ph type="title"/>
+          </p:nvPr>
+        </p:nvSpPr>
+        <p:spPr/>
+        <p:txBody>
+          <a:bodyPr/>
+          <a:lstStyle/>
+          <a:p>
+            <a:r>
+              <a:rPr lang="en-US" dirty="0"/>
+              <a:t>ggplot2 - I</a:t>
+            </a:r>
+          </a:p>
+        </p:txBody>
+      </p:sp>
+      <p:sp>
+        <p:nvSpPr>
+          <p:cNvPr id="7" name="TextBox 6">
+            <a:extLst>
+              <a:ext uri="{FF2B5EF4-FFF2-40B4-BE49-F238E27FC236}">
+                <a16:creationId xmlns:a16="http://schemas.microsoft.com/office/drawing/2014/main" id="{1C5F02F1-F334-C018-818E-A5C327A68409}"/>
+              </a:ext>
+            </a:extLst>
+          </p:cNvPr>
+          <p:cNvSpPr txBox="1"/>
+          <p:nvPr/>
+        </p:nvSpPr>
+        <p:spPr>
+          <a:xfrm>
+            <a:off x="886232" y="1648420"/>
+            <a:ext cx="7371537" cy="923330"/>
+          </a:xfrm>
+          <a:prstGeom prst="rect">
+            <a:avLst/>
+          </a:prstGeom>
+          <a:noFill/>
+        </p:spPr>
+        <p:txBody>
+          <a:bodyPr wrap="square" rtlCol="0">
+            <a:spAutoFit/>
+          </a:bodyPr>
+          <a:lstStyle/>
+          <a:p>
+            <a:r>
+              <a:rPr lang="en-US" dirty="0">
+                <a:latin typeface="Courier"/>
+                <a:cs typeface="Courier"/>
+              </a:rPr>
+              <a:t>library("ggplot2")</a:t>
+            </a:r>
+          </a:p>
+          <a:p>
+            <a:endParaRPr lang="en-US" dirty="0">
+              <a:latin typeface="Courier"/>
+              <a:cs typeface="Courier"/>
+            </a:endParaRPr>
+          </a:p>
+          <a:p>
+            <a:r>
+              <a:rPr lang="en-US" dirty="0" err="1">
+                <a:latin typeface="Courier"/>
+                <a:cs typeface="Courier"/>
+              </a:rPr>
+              <a:t>dsmall</a:t>
+            </a:r>
+            <a:r>
+              <a:rPr lang="en-US" dirty="0">
+                <a:latin typeface="Courier"/>
+                <a:cs typeface="Courier"/>
+              </a:rPr>
+              <a:t> &lt;- diamonds[sample(</a:t>
+            </a:r>
+            <a:r>
+              <a:rPr lang="en-US" dirty="0" err="1">
+                <a:latin typeface="Courier"/>
+                <a:cs typeface="Courier"/>
+              </a:rPr>
+              <a:t>nrow</a:t>
+            </a:r>
+            <a:r>
+              <a:rPr lang="en-US" dirty="0">
+                <a:latin typeface="Courier"/>
+                <a:cs typeface="Courier"/>
+              </a:rPr>
+              <a:t>(diamonds), 100), ]</a:t>
+            </a:r>
+          </a:p>
+        </p:txBody>
+      </p:sp>
+      <p:sp>
+        <p:nvSpPr>
+          <p:cNvPr id="3" name="Slide Number Placeholder 2">
+            <a:extLst>
+              <a:ext uri="{FF2B5EF4-FFF2-40B4-BE49-F238E27FC236}">
+                <a16:creationId xmlns:a16="http://schemas.microsoft.com/office/drawing/2014/main" id="{911D63D8-6E11-4404-8346-1F4A3CC5FD84}"/>
+              </a:ext>
+            </a:extLst>
+          </p:cNvPr>
+          <p:cNvSpPr>
+            <a:spLocks noGrp="1"/>
+          </p:cNvSpPr>
+          <p:nvPr>
+            <p:ph type="sldNum" sz="quarter" idx="12"/>
+          </p:nvPr>
+        </p:nvSpPr>
+        <p:spPr/>
+        <p:txBody>
+          <a:bodyPr/>
+          <a:lstStyle/>
+          <a:p>
+            <a:fld id="{9DA039C4-C5F2-1743-BB7A-5D831266C61E}" type="slidenum">
+              <a:rPr lang="en-US" smtClean="0"/>
+              <a:t>39</a:t>
+            </a:fld>
+            <a:endParaRPr lang="en-US"/>
+          </a:p>
+        </p:txBody>
+      </p:sp>
+    </p:spTree>
+    <p:extLst>
+      <p:ext uri="{BB962C8B-B14F-4D97-AF65-F5344CB8AC3E}">
+        <p14:creationId xmlns:p14="http://schemas.microsoft.com/office/powerpoint/2010/main" val="1663615644"/>
       </p:ext>
     </p:extLst>
   </p:cSld>
@@ -16954,173 +16918,6 @@
         <p:cNvPr id="1" name="">
           <a:extLst>
             <a:ext uri="{FF2B5EF4-FFF2-40B4-BE49-F238E27FC236}">
-              <a16:creationId xmlns:a16="http://schemas.microsoft.com/office/drawing/2014/main" id="{37142EF1-92FC-EF78-23C7-25AEF4FBC364}"/>
-            </a:ext>
-          </a:extLst>
-        </p:cNvPr>
-        <p:cNvGrpSpPr/>
-        <p:nvPr/>
-      </p:nvGrpSpPr>
-      <p:grpSpPr>
-        <a:xfrm>
-          <a:off x="0" y="0"/>
-          <a:ext cx="0" cy="0"/>
-          <a:chOff x="0" y="0"/>
-          <a:chExt cx="0" cy="0"/>
-        </a:xfrm>
-      </p:grpSpPr>
-      <p:sp>
-        <p:nvSpPr>
-          <p:cNvPr id="2" name="Title 1">
-            <a:extLst>
-              <a:ext uri="{FF2B5EF4-FFF2-40B4-BE49-F238E27FC236}">
-                <a16:creationId xmlns:a16="http://schemas.microsoft.com/office/drawing/2014/main" id="{088367F0-BEA1-1ACD-4954-004BB6865CF7}"/>
-              </a:ext>
-            </a:extLst>
-          </p:cNvPr>
-          <p:cNvSpPr>
-            <a:spLocks noGrp="1"/>
-          </p:cNvSpPr>
-          <p:nvPr>
-            <p:ph type="title"/>
-          </p:nvPr>
-        </p:nvSpPr>
-        <p:spPr/>
-        <p:txBody>
-          <a:bodyPr/>
-          <a:lstStyle/>
-          <a:p>
-            <a:r>
-              <a:rPr lang="en-US" dirty="0"/>
-              <a:t>ggplot2 - I</a:t>
-            </a:r>
-          </a:p>
-        </p:txBody>
-      </p:sp>
-      <p:sp>
-        <p:nvSpPr>
-          <p:cNvPr id="7" name="TextBox 6">
-            <a:extLst>
-              <a:ext uri="{FF2B5EF4-FFF2-40B4-BE49-F238E27FC236}">
-                <a16:creationId xmlns:a16="http://schemas.microsoft.com/office/drawing/2014/main" id="{1C5F02F1-F334-C018-818E-A5C327A68409}"/>
-              </a:ext>
-            </a:extLst>
-          </p:cNvPr>
-          <p:cNvSpPr txBox="1"/>
-          <p:nvPr/>
-        </p:nvSpPr>
-        <p:spPr>
-          <a:xfrm>
-            <a:off x="886232" y="1648420"/>
-            <a:ext cx="7371537" cy="923330"/>
-          </a:xfrm>
-          <a:prstGeom prst="rect">
-            <a:avLst/>
-          </a:prstGeom>
-          <a:noFill/>
-        </p:spPr>
-        <p:txBody>
-          <a:bodyPr wrap="square" rtlCol="0">
-            <a:spAutoFit/>
-          </a:bodyPr>
-          <a:lstStyle/>
-          <a:p>
-            <a:r>
-              <a:rPr lang="en-US" dirty="0">
-                <a:latin typeface="Courier"/>
-                <a:cs typeface="Courier"/>
-              </a:rPr>
-              <a:t>library("ggplot2")</a:t>
-            </a:r>
-          </a:p>
-          <a:p>
-            <a:endParaRPr lang="en-US" dirty="0">
-              <a:latin typeface="Courier"/>
-              <a:cs typeface="Courier"/>
-            </a:endParaRPr>
-          </a:p>
-          <a:p>
-            <a:r>
-              <a:rPr lang="en-US" dirty="0" err="1">
-                <a:latin typeface="Courier"/>
-                <a:cs typeface="Courier"/>
-              </a:rPr>
-              <a:t>dsmall</a:t>
-            </a:r>
-            <a:r>
-              <a:rPr lang="en-US" dirty="0">
-                <a:latin typeface="Courier"/>
-                <a:cs typeface="Courier"/>
-              </a:rPr>
-              <a:t> &lt;- diamonds[sample(</a:t>
-            </a:r>
-            <a:r>
-              <a:rPr lang="en-US" dirty="0" err="1">
-                <a:latin typeface="Courier"/>
-                <a:cs typeface="Courier"/>
-              </a:rPr>
-              <a:t>nrow</a:t>
-            </a:r>
-            <a:r>
-              <a:rPr lang="en-US" dirty="0">
-                <a:latin typeface="Courier"/>
-                <a:cs typeface="Courier"/>
-              </a:rPr>
-              <a:t>(diamonds), 100), ]</a:t>
-            </a:r>
-          </a:p>
-        </p:txBody>
-      </p:sp>
-      <p:sp>
-        <p:nvSpPr>
-          <p:cNvPr id="3" name="Slide Number Placeholder 2">
-            <a:extLst>
-              <a:ext uri="{FF2B5EF4-FFF2-40B4-BE49-F238E27FC236}">
-                <a16:creationId xmlns:a16="http://schemas.microsoft.com/office/drawing/2014/main" id="{911D63D8-6E11-4404-8346-1F4A3CC5FD84}"/>
-              </a:ext>
-            </a:extLst>
-          </p:cNvPr>
-          <p:cNvSpPr>
-            <a:spLocks noGrp="1"/>
-          </p:cNvSpPr>
-          <p:nvPr>
-            <p:ph type="sldNum" sz="quarter" idx="12"/>
-          </p:nvPr>
-        </p:nvSpPr>
-        <p:spPr/>
-        <p:txBody>
-          <a:bodyPr/>
-          <a:lstStyle/>
-          <a:p>
-            <a:fld id="{9DA039C4-C5F2-1743-BB7A-5D831266C61E}" type="slidenum">
-              <a:rPr lang="en-US" smtClean="0"/>
-              <a:t>40</a:t>
-            </a:fld>
-            <a:endParaRPr lang="en-US"/>
-          </a:p>
-        </p:txBody>
-      </p:sp>
-    </p:spTree>
-    <p:extLst>
-      <p:ext uri="{BB962C8B-B14F-4D97-AF65-F5344CB8AC3E}">
-        <p14:creationId xmlns:p14="http://schemas.microsoft.com/office/powerpoint/2010/main" val="1663615644"/>
-      </p:ext>
-    </p:extLst>
-  </p:cSld>
-  <p:clrMapOvr>
-    <a:masterClrMapping/>
-  </p:clrMapOvr>
-</p:sld>
-</file>
-
-<file path=ppt/slides/slide41.xml><?xml version="1.0" encoding="utf-8"?>
-<p:sld xmlns:a="http://schemas.openxmlformats.org/drawingml/2006/main" xmlns:r="http://schemas.openxmlformats.org/officeDocument/2006/relationships" xmlns:p="http://schemas.openxmlformats.org/presentationml/2006/main" show="0">
-  <p:cSld>
-    <p:spTree>
-      <p:nvGrpSpPr>
-        <p:cNvPr id="1" name="">
-          <a:extLst>
-            <a:ext uri="{FF2B5EF4-FFF2-40B4-BE49-F238E27FC236}">
               <a16:creationId xmlns:a16="http://schemas.microsoft.com/office/drawing/2014/main" id="{4E52EB84-333C-FCF8-01AE-2DC5C11F766F}"/>
             </a:ext>
           </a:extLst>
@@ -17491,7 +17288,7 @@
           <a:p>
             <a:fld id="{9DA039C4-C5F2-1743-BB7A-5D831266C61E}" type="slidenum">
               <a:rPr lang="en-US" smtClean="0"/>
-              <a:t>41</a:t>
+              <a:t>40</a:t>
             </a:fld>
             <a:endParaRPr lang="en-US"/>
           </a:p>
@@ -17510,7 +17307,7 @@
 </p:sld>
 </file>
 
-<file path=ppt/slides/slide42.xml><?xml version="1.0" encoding="utf-8"?>
+<file path=ppt/slides/slide41.xml><?xml version="1.0" encoding="utf-8"?>
 <p:sld xmlns:a="http://schemas.openxmlformats.org/drawingml/2006/main" xmlns:r="http://schemas.openxmlformats.org/officeDocument/2006/relationships" xmlns:p="http://schemas.openxmlformats.org/presentationml/2006/main" show="0">
   <p:cSld>
     <p:spTree>
@@ -17747,7 +17544,7 @@
           <a:p>
             <a:fld id="{9DA039C4-C5F2-1743-BB7A-5D831266C61E}" type="slidenum">
               <a:rPr lang="en-US" smtClean="0"/>
-              <a:t>42</a:t>
+              <a:t>41</a:t>
             </a:fld>
             <a:endParaRPr lang="en-US"/>
           </a:p>
@@ -17766,7 +17563,7 @@
 </p:sld>
 </file>
 
-<file path=ppt/slides/slide43.xml><?xml version="1.0" encoding="utf-8"?>
+<file path=ppt/slides/slide42.xml><?xml version="1.0" encoding="utf-8"?>
 <p:sld xmlns:a="http://schemas.openxmlformats.org/drawingml/2006/main" xmlns:r="http://schemas.openxmlformats.org/officeDocument/2006/relationships" xmlns:p="http://schemas.openxmlformats.org/presentationml/2006/main" show="0">
   <p:cSld>
     <p:spTree>
@@ -18108,7 +17905,7 @@
           <a:p>
             <a:fld id="{9DA039C4-C5F2-1743-BB7A-5D831266C61E}" type="slidenum">
               <a:rPr lang="en-US" smtClean="0"/>
-              <a:t>43</a:t>
+              <a:t>42</a:t>
             </a:fld>
             <a:endParaRPr lang="en-US"/>
           </a:p>
@@ -18118,6 +17915,246 @@
     <p:extLst>
       <p:ext uri="{BB962C8B-B14F-4D97-AF65-F5344CB8AC3E}">
         <p14:creationId xmlns:p14="http://schemas.microsoft.com/office/powerpoint/2010/main" val="3255102983"/>
+      </p:ext>
+    </p:extLst>
+  </p:cSld>
+  <p:clrMapOvr>
+    <a:masterClrMapping/>
+  </p:clrMapOvr>
+</p:sld>
+</file>
+
+<file path=ppt/slides/slide43.xml><?xml version="1.0" encoding="utf-8"?>
+<p:sld xmlns:a="http://schemas.openxmlformats.org/drawingml/2006/main" xmlns:r="http://schemas.openxmlformats.org/officeDocument/2006/relationships" xmlns:p="http://schemas.openxmlformats.org/presentationml/2006/main" show="0">
+  <p:cSld>
+    <p:spTree>
+      <p:nvGrpSpPr>
+        <p:cNvPr id="1" name="">
+          <a:extLst>
+            <a:ext uri="{FF2B5EF4-FFF2-40B4-BE49-F238E27FC236}">
+              <a16:creationId xmlns:a16="http://schemas.microsoft.com/office/drawing/2014/main" id="{E6378EFF-8771-31AC-0C8D-D9BE2C206093}"/>
+            </a:ext>
+          </a:extLst>
+        </p:cNvPr>
+        <p:cNvGrpSpPr/>
+        <p:nvPr/>
+      </p:nvGrpSpPr>
+      <p:grpSpPr>
+        <a:xfrm>
+          <a:off x="0" y="0"/>
+          <a:ext cx="0" cy="0"/>
+          <a:chOff x="0" y="0"/>
+          <a:chExt cx="0" cy="0"/>
+        </a:xfrm>
+      </p:grpSpPr>
+      <p:sp>
+        <p:nvSpPr>
+          <p:cNvPr id="4" name="Title 3">
+            <a:extLst>
+              <a:ext uri="{FF2B5EF4-FFF2-40B4-BE49-F238E27FC236}">
+                <a16:creationId xmlns:a16="http://schemas.microsoft.com/office/drawing/2014/main" id="{C2E834D0-4B1E-F1BF-DEC2-1190BAE91109}"/>
+              </a:ext>
+            </a:extLst>
+          </p:cNvPr>
+          <p:cNvSpPr>
+            <a:spLocks noGrp="1"/>
+          </p:cNvSpPr>
+          <p:nvPr>
+            <p:ph type="title"/>
+          </p:nvPr>
+        </p:nvSpPr>
+        <p:spPr/>
+        <p:txBody>
+          <a:bodyPr/>
+          <a:lstStyle/>
+          <a:p>
+            <a:r>
+              <a:rPr lang="en-US" dirty="0"/>
+              <a:t>table</a:t>
+            </a:r>
+          </a:p>
+        </p:txBody>
+      </p:sp>
+      <p:sp>
+        <p:nvSpPr>
+          <p:cNvPr id="5" name="Content Placeholder 4">
+            <a:extLst>
+              <a:ext uri="{FF2B5EF4-FFF2-40B4-BE49-F238E27FC236}">
+                <a16:creationId xmlns:a16="http://schemas.microsoft.com/office/drawing/2014/main" id="{671B846A-16A0-E522-D8B0-39FD5CE7C550}"/>
+              </a:ext>
+            </a:extLst>
+          </p:cNvPr>
+          <p:cNvSpPr>
+            <a:spLocks noGrp="1"/>
+          </p:cNvSpPr>
+          <p:nvPr>
+            <p:ph idx="1"/>
+          </p:nvPr>
+        </p:nvSpPr>
+        <p:spPr>
+          <a:xfrm>
+            <a:off x="457200" y="972303"/>
+            <a:ext cx="8229600" cy="486625"/>
+          </a:xfrm>
+        </p:spPr>
+        <p:txBody>
+          <a:bodyPr>
+            <a:normAutofit/>
+          </a:bodyPr>
+          <a:lstStyle/>
+          <a:p>
+            <a:pPr marL="0" indent="0">
+              <a:buNone/>
+            </a:pPr>
+            <a:r>
+              <a:rPr lang="en-US" b="1" dirty="0">
+                <a:solidFill>
+                  <a:srgbClr val="17375E"/>
+                </a:solidFill>
+              </a:rPr>
+              <a:t># table(): </a:t>
+            </a:r>
+            <a:r>
+              <a:rPr lang="en-US" dirty="0"/>
+              <a:t>determining counts for each category</a:t>
+            </a:r>
+          </a:p>
+        </p:txBody>
+      </p:sp>
+      <p:sp>
+        <p:nvSpPr>
+          <p:cNvPr id="6" name="TextBox 5">
+            <a:extLst>
+              <a:ext uri="{FF2B5EF4-FFF2-40B4-BE49-F238E27FC236}">
+                <a16:creationId xmlns:a16="http://schemas.microsoft.com/office/drawing/2014/main" id="{41455DCB-107C-E9BC-D839-1DD236FA3320}"/>
+              </a:ext>
+            </a:extLst>
+          </p:cNvPr>
+          <p:cNvSpPr txBox="1"/>
+          <p:nvPr/>
+        </p:nvSpPr>
+        <p:spPr>
+          <a:xfrm>
+            <a:off x="757953" y="2205154"/>
+            <a:ext cx="7836251" cy="1815882"/>
+          </a:xfrm>
+          <a:prstGeom prst="rect">
+            <a:avLst/>
+          </a:prstGeom>
+          <a:noFill/>
+        </p:spPr>
+        <p:txBody>
+          <a:bodyPr wrap="square" rtlCol="0">
+            <a:spAutoFit/>
+          </a:bodyPr>
+          <a:lstStyle/>
+          <a:p>
+            <a:r>
+              <a:rPr lang="en-US" sz="2800" dirty="0">
+                <a:latin typeface="Courier"/>
+                <a:cs typeface="Courier"/>
+              </a:rPr>
+              <a:t>table(</a:t>
+            </a:r>
+            <a:r>
+              <a:rPr lang="en-US" sz="2800" dirty="0" err="1">
+                <a:latin typeface="Courier"/>
+                <a:cs typeface="Courier"/>
+              </a:rPr>
+              <a:t>diamonds$cut</a:t>
+            </a:r>
+            <a:r>
+              <a:rPr lang="en-US" sz="2800" dirty="0">
+                <a:latin typeface="Courier"/>
+                <a:cs typeface="Courier"/>
+              </a:rPr>
+              <a:t>)</a:t>
+            </a:r>
+          </a:p>
+          <a:p>
+            <a:endParaRPr lang="en-US" sz="2800" dirty="0">
+              <a:latin typeface="Courier"/>
+              <a:cs typeface="Courier"/>
+            </a:endParaRPr>
+          </a:p>
+          <a:p>
+            <a:r>
+              <a:rPr lang="en-US" sz="2800" dirty="0">
+                <a:latin typeface="Courier"/>
+                <a:cs typeface="Courier"/>
+              </a:rPr>
+              <a:t>table(</a:t>
+            </a:r>
+            <a:r>
+              <a:rPr lang="en-US" sz="2800" dirty="0" err="1">
+                <a:latin typeface="Courier"/>
+                <a:cs typeface="Courier"/>
+              </a:rPr>
+              <a:t>diamonds$cut</a:t>
+            </a:r>
+            <a:r>
+              <a:rPr lang="en-US" sz="2800" dirty="0">
+                <a:latin typeface="Courier"/>
+                <a:cs typeface="Courier"/>
+              </a:rPr>
+              <a:t>, </a:t>
+            </a:r>
+            <a:r>
+              <a:rPr lang="en-US" sz="2800" dirty="0" err="1">
+                <a:latin typeface="Courier"/>
+                <a:cs typeface="Courier"/>
+              </a:rPr>
+              <a:t>diamonds$color</a:t>
+            </a:r>
+            <a:r>
+              <a:rPr lang="en-US" sz="2800" dirty="0">
+                <a:latin typeface="Courier"/>
+                <a:cs typeface="Courier"/>
+              </a:rPr>
+              <a:t>)</a:t>
+            </a:r>
+          </a:p>
+          <a:p>
+            <a:endParaRPr lang="en-US" sz="2800" dirty="0">
+              <a:latin typeface="Courier"/>
+              <a:cs typeface="Courier"/>
+            </a:endParaRPr>
+          </a:p>
+        </p:txBody>
+      </p:sp>
+      <p:sp>
+        <p:nvSpPr>
+          <p:cNvPr id="2" name="Slide Number Placeholder 1">
+            <a:extLst>
+              <a:ext uri="{FF2B5EF4-FFF2-40B4-BE49-F238E27FC236}">
+                <a16:creationId xmlns:a16="http://schemas.microsoft.com/office/drawing/2014/main" id="{22E1436D-0ED3-F064-D460-094E45B0D822}"/>
+              </a:ext>
+            </a:extLst>
+          </p:cNvPr>
+          <p:cNvSpPr>
+            <a:spLocks noGrp="1"/>
+          </p:cNvSpPr>
+          <p:nvPr>
+            <p:ph type="sldNum" sz="quarter" idx="12"/>
+          </p:nvPr>
+        </p:nvSpPr>
+        <p:spPr/>
+        <p:txBody>
+          <a:bodyPr/>
+          <a:lstStyle/>
+          <a:p>
+            <a:fld id="{9DA039C4-C5F2-1743-BB7A-5D831266C61E}" type="slidenum">
+              <a:rPr lang="en-US" smtClean="0"/>
+              <a:t>43</a:t>
+            </a:fld>
+            <a:endParaRPr lang="en-US"/>
+          </a:p>
+        </p:txBody>
+      </p:sp>
+    </p:spTree>
+    <p:extLst>
+      <p:ext uri="{BB962C8B-B14F-4D97-AF65-F5344CB8AC3E}">
+        <p14:creationId xmlns:p14="http://schemas.microsoft.com/office/powerpoint/2010/main" val="2422405157"/>
       </p:ext>
     </p:extLst>
   </p:cSld>
@@ -18313,7 +18350,9 @@
           </a:xfrm>
         </p:spPr>
         <p:txBody>
-          <a:bodyPr/>
+          <a:bodyPr>
+            <a:normAutofit lnSpcReduction="10000"/>
+          </a:bodyPr>
           <a:lstStyle/>
           <a:p>
             <a:r>
@@ -18332,7 +18371,7 @@
           <a:p>
             <a:r>
               <a:rPr lang="en-US" dirty="0"/>
-              <a:t>Create a “lab03R” folder</a:t>
+              <a:t>Create a “lab07” folder</a:t>
             </a:r>
           </a:p>
           <a:p>
@@ -18364,6 +18403,27 @@
             <a:endParaRPr lang="en-US" dirty="0"/>
           </a:p>
           <a:p>
+            <a:pPr marL="0" indent="0">
+              <a:buNone/>
+            </a:pPr>
+            <a:r>
+              <a:rPr lang="en-US" dirty="0"/>
+              <a:t>system("</a:t>
+            </a:r>
+            <a:r>
+              <a:rPr lang="en-US" sz="2400" dirty="0" err="1">
+                <a:latin typeface="Courier New" panose="02070309020205020404" pitchFamily="49" charset="0"/>
+                <a:cs typeface="Courier New" panose="02070309020205020404" pitchFamily="49" charset="0"/>
+              </a:rPr>
+              <a:t>mkdir</a:t>
+            </a:r>
+            <a:r>
+              <a:rPr lang="en-US" sz="2400" dirty="0">
+                <a:latin typeface="Courier New" panose="02070309020205020404" pitchFamily="49" charset="0"/>
+                <a:cs typeface="Courier New" panose="02070309020205020404" pitchFamily="49" charset="0"/>
+              </a:rPr>
+              <a:t> ~/BA25/labs/lab07")</a:t>
+            </a:r>
             <a:endParaRPr lang="en-US" dirty="0"/>
           </a:p>
         </p:txBody>
@@ -18494,7 +18554,7 @@
             </a:pPr>
             <a:r>
               <a:rPr lang="en-US" dirty="0"/>
-              <a:t>Y &lt;- 2 + 4  # an example of the assignment</a:t>
+              <a:t>Y &lt;- 3 + 4  # an example of the assignment</a:t>
             </a:r>
           </a:p>
           <a:p>
@@ -18567,6 +18627,8 @@
                     <a:lumMod val="75000"/>
                   </a:schemeClr>
                 </a:solidFill>
+                <a:latin typeface="Courier New" panose="02070309020205020404" pitchFamily="49" charset="0"/>
+                <a:cs typeface="Courier New" panose="02070309020205020404" pitchFamily="49" charset="0"/>
               </a:rPr>
               <a:t>print(“hello world”)</a:t>
             </a:r>
@@ -19016,8 +19078,8 @@
         </p:nvSpPr>
         <p:spPr>
           <a:xfrm>
-            <a:off x="3982065" y="1246932"/>
-            <a:ext cx="5046188" cy="3464233"/>
+            <a:off x="3982064" y="1246932"/>
+            <a:ext cx="5161935" cy="3464233"/>
           </a:xfrm>
           <a:prstGeom prst="rect">
             <a:avLst/>
